--- a/01 Classes/Aula 06 - Algoritmos e Complexidade - Árvore Binária e AVL.pptx
+++ b/01 Classes/Aula 06 - Algoritmos e Complexidade - Árvore Binária e AVL.pptx
@@ -3935,7 +3935,7 @@
               </a:rPr>
             </a:br>
             <a:r>
-              <a:rPr lang="pt-BR" b="1">
+              <a:rPr lang="pt-BR" b="1" dirty="0">
                 <a:solidFill>
                   <a:schemeClr val="bg1"/>
                 </a:solidFill>
@@ -3963,7 +3963,7 @@
                   <a:schemeClr val="bg1"/>
                 </a:solidFill>
               </a:rPr>
-              <a:t>Contextualização</a:t>
+              <a:t>Árvore Binária e AVL</a:t>
             </a:r>
           </a:p>
         </p:txBody>
@@ -4360,7 +4360,31 @@
                   <a:srgbClr val="0070C0"/>
                 </a:solidFill>
               </a:rPr>
-              <a:t>Contextualização</a:t>
+              <a:t>Árvore</a:t>
+            </a:r>
+            <a:r>
+              <a:rPr lang="en-US" b="1" dirty="0">
+                <a:solidFill>
+                  <a:srgbClr val="0070C0"/>
+                </a:solidFill>
+              </a:rPr>
+              <a:t> </a:t>
+            </a:r>
+            <a:r>
+              <a:rPr lang="en-US" b="1" dirty="0" err="1">
+                <a:solidFill>
+                  <a:srgbClr val="0070C0"/>
+                </a:solidFill>
+              </a:rPr>
+              <a:t>Binária</a:t>
+            </a:r>
+            <a:r>
+              <a:rPr lang="en-US" b="1">
+                <a:solidFill>
+                  <a:srgbClr val="0070C0"/>
+                </a:solidFill>
+              </a:rPr>
+              <a:t> e AVL</a:t>
             </a:r>
             <a:endParaRPr lang="en-US" b="1" dirty="0">
               <a:solidFill>

--- a/01 Classes/Aula 06 - Algoritmos e Complexidade - Árvore Binária e AVL.pptx
+++ b/01 Classes/Aula 06 - Algoritmos e Complexidade - Árvore Binária e AVL.pptx
@@ -5,17 +5,29 @@
     <p:sldMasterId id="2147483648" r:id="rId1"/>
   </p:sldMasterIdLst>
   <p:notesMasterIdLst>
-    <p:notesMasterId r:id="rId10"/>
+    <p:notesMasterId r:id="rId22"/>
   </p:notesMasterIdLst>
   <p:sldIdLst>
     <p:sldId id="256" r:id="rId2"/>
     <p:sldId id="291" r:id="rId3"/>
     <p:sldId id="331" r:id="rId4"/>
-    <p:sldId id="333" r:id="rId5"/>
-    <p:sldId id="323" r:id="rId6"/>
-    <p:sldId id="334" r:id="rId7"/>
-    <p:sldId id="337" r:id="rId8"/>
-    <p:sldId id="309" r:id="rId9"/>
+    <p:sldId id="338" r:id="rId5"/>
+    <p:sldId id="340" r:id="rId6"/>
+    <p:sldId id="339" r:id="rId7"/>
+    <p:sldId id="341" r:id="rId8"/>
+    <p:sldId id="344" r:id="rId9"/>
+    <p:sldId id="343" r:id="rId10"/>
+    <p:sldId id="342" r:id="rId11"/>
+    <p:sldId id="345" r:id="rId12"/>
+    <p:sldId id="346" r:id="rId13"/>
+    <p:sldId id="347" r:id="rId14"/>
+    <p:sldId id="348" r:id="rId15"/>
+    <p:sldId id="349" r:id="rId16"/>
+    <p:sldId id="333" r:id="rId17"/>
+    <p:sldId id="323" r:id="rId18"/>
+    <p:sldId id="334" r:id="rId19"/>
+    <p:sldId id="337" r:id="rId20"/>
+    <p:sldId id="309" r:id="rId21"/>
   </p:sldIdLst>
   <p:sldSz cx="9144000" cy="5143500" type="screen16x9"/>
   <p:notesSz cx="6858000" cy="9144000"/>
@@ -562,6 +574,690 @@
 </p:notes>
 </file>
 
+<file path=ppt/notesSlides/notesSlide10.xml><?xml version="1.0" encoding="utf-8"?>
+<p:notes xmlns:a="http://schemas.openxmlformats.org/drawingml/2006/main" xmlns:r="http://schemas.openxmlformats.org/officeDocument/2006/relationships" xmlns:p="http://schemas.openxmlformats.org/presentationml/2006/main">
+  <p:cSld>
+    <p:spTree>
+      <p:nvGrpSpPr>
+        <p:cNvPr id="1" name="">
+          <a:extLst>
+            <a:ext uri="{FF2B5EF4-FFF2-40B4-BE49-F238E27FC236}">
+              <a16:creationId xmlns:a16="http://schemas.microsoft.com/office/drawing/2014/main" id="{03DCB525-058A-262D-8C90-6BCF77DE0672}"/>
+            </a:ext>
+          </a:extLst>
+        </p:cNvPr>
+        <p:cNvGrpSpPr/>
+        <p:nvPr/>
+      </p:nvGrpSpPr>
+      <p:grpSpPr>
+        <a:xfrm>
+          <a:off x="0" y="0"/>
+          <a:ext cx="0" cy="0"/>
+          <a:chOff x="0" y="0"/>
+          <a:chExt cx="0" cy="0"/>
+        </a:xfrm>
+      </p:grpSpPr>
+      <p:sp>
+        <p:nvSpPr>
+          <p:cNvPr id="2" name="Espaço Reservado para Imagem de Slide 1">
+            <a:extLst>
+              <a:ext uri="{FF2B5EF4-FFF2-40B4-BE49-F238E27FC236}">
+                <a16:creationId xmlns:a16="http://schemas.microsoft.com/office/drawing/2014/main" id="{E84469AD-BC60-6512-7A2A-04BC2F571622}"/>
+              </a:ext>
+            </a:extLst>
+          </p:cNvPr>
+          <p:cNvSpPr>
+            <a:spLocks noGrp="1" noRot="1" noChangeAspect="1"/>
+          </p:cNvSpPr>
+          <p:nvPr>
+            <p:ph type="sldImg"/>
+          </p:nvPr>
+        </p:nvSpPr>
+        <p:spPr>
+          <a:xfrm>
+            <a:off x="381000" y="685800"/>
+            <a:ext cx="6096000" cy="3429000"/>
+          </a:xfrm>
+        </p:spPr>
+      </p:sp>
+      <p:sp>
+        <p:nvSpPr>
+          <p:cNvPr id="3" name="Espaço Reservado para Anotações 2">
+            <a:extLst>
+              <a:ext uri="{FF2B5EF4-FFF2-40B4-BE49-F238E27FC236}">
+                <a16:creationId xmlns:a16="http://schemas.microsoft.com/office/drawing/2014/main" id="{EC5E1314-9602-CD53-BFFC-779A09E56C1E}"/>
+              </a:ext>
+            </a:extLst>
+          </p:cNvPr>
+          <p:cNvSpPr>
+            <a:spLocks noGrp="1"/>
+          </p:cNvSpPr>
+          <p:nvPr>
+            <p:ph type="body" idx="1"/>
+          </p:nvPr>
+        </p:nvSpPr>
+        <p:spPr/>
+        <p:txBody>
+          <a:bodyPr/>
+          <a:lstStyle/>
+          <a:p>
+            <a:endParaRPr lang="pt-BR" dirty="0"/>
+          </a:p>
+        </p:txBody>
+      </p:sp>
+    </p:spTree>
+    <p:extLst>
+      <p:ext uri="{BB962C8B-B14F-4D97-AF65-F5344CB8AC3E}">
+        <p14:creationId xmlns:p14="http://schemas.microsoft.com/office/powerpoint/2010/main" val="4270969551"/>
+      </p:ext>
+    </p:extLst>
+  </p:cSld>
+  <p:clrMapOvr>
+    <a:masterClrMapping/>
+  </p:clrMapOvr>
+</p:notes>
+</file>
+
+<file path=ppt/notesSlides/notesSlide11.xml><?xml version="1.0" encoding="utf-8"?>
+<p:notes xmlns:a="http://schemas.openxmlformats.org/drawingml/2006/main" xmlns:r="http://schemas.openxmlformats.org/officeDocument/2006/relationships" xmlns:p="http://schemas.openxmlformats.org/presentationml/2006/main">
+  <p:cSld>
+    <p:spTree>
+      <p:nvGrpSpPr>
+        <p:cNvPr id="1" name="">
+          <a:extLst>
+            <a:ext uri="{FF2B5EF4-FFF2-40B4-BE49-F238E27FC236}">
+              <a16:creationId xmlns:a16="http://schemas.microsoft.com/office/drawing/2014/main" id="{C33ED797-1A77-B490-9CB4-D57F6C13AACF}"/>
+            </a:ext>
+          </a:extLst>
+        </p:cNvPr>
+        <p:cNvGrpSpPr/>
+        <p:nvPr/>
+      </p:nvGrpSpPr>
+      <p:grpSpPr>
+        <a:xfrm>
+          <a:off x="0" y="0"/>
+          <a:ext cx="0" cy="0"/>
+          <a:chOff x="0" y="0"/>
+          <a:chExt cx="0" cy="0"/>
+        </a:xfrm>
+      </p:grpSpPr>
+      <p:sp>
+        <p:nvSpPr>
+          <p:cNvPr id="2" name="Espaço Reservado para Imagem de Slide 1">
+            <a:extLst>
+              <a:ext uri="{FF2B5EF4-FFF2-40B4-BE49-F238E27FC236}">
+                <a16:creationId xmlns:a16="http://schemas.microsoft.com/office/drawing/2014/main" id="{AA46F2FB-7ECB-69B7-840E-A5C2301EF213}"/>
+              </a:ext>
+            </a:extLst>
+          </p:cNvPr>
+          <p:cNvSpPr>
+            <a:spLocks noGrp="1" noRot="1" noChangeAspect="1"/>
+          </p:cNvSpPr>
+          <p:nvPr>
+            <p:ph type="sldImg"/>
+          </p:nvPr>
+        </p:nvSpPr>
+        <p:spPr>
+          <a:xfrm>
+            <a:off x="381000" y="685800"/>
+            <a:ext cx="6096000" cy="3429000"/>
+          </a:xfrm>
+        </p:spPr>
+      </p:sp>
+      <p:sp>
+        <p:nvSpPr>
+          <p:cNvPr id="3" name="Espaço Reservado para Anotações 2">
+            <a:extLst>
+              <a:ext uri="{FF2B5EF4-FFF2-40B4-BE49-F238E27FC236}">
+                <a16:creationId xmlns:a16="http://schemas.microsoft.com/office/drawing/2014/main" id="{38FDB8D4-F913-84BE-7359-101FE22B799C}"/>
+              </a:ext>
+            </a:extLst>
+          </p:cNvPr>
+          <p:cNvSpPr>
+            <a:spLocks noGrp="1"/>
+          </p:cNvSpPr>
+          <p:nvPr>
+            <p:ph type="body" idx="1"/>
+          </p:nvPr>
+        </p:nvSpPr>
+        <p:spPr/>
+        <p:txBody>
+          <a:bodyPr/>
+          <a:lstStyle/>
+          <a:p>
+            <a:endParaRPr lang="pt-BR" dirty="0"/>
+          </a:p>
+        </p:txBody>
+      </p:sp>
+    </p:spTree>
+    <p:extLst>
+      <p:ext uri="{BB962C8B-B14F-4D97-AF65-F5344CB8AC3E}">
+        <p14:creationId xmlns:p14="http://schemas.microsoft.com/office/powerpoint/2010/main" val="3332588613"/>
+      </p:ext>
+    </p:extLst>
+  </p:cSld>
+  <p:clrMapOvr>
+    <a:masterClrMapping/>
+  </p:clrMapOvr>
+</p:notes>
+</file>
+
+<file path=ppt/notesSlides/notesSlide12.xml><?xml version="1.0" encoding="utf-8"?>
+<p:notes xmlns:a="http://schemas.openxmlformats.org/drawingml/2006/main" xmlns:r="http://schemas.openxmlformats.org/officeDocument/2006/relationships" xmlns:p="http://schemas.openxmlformats.org/presentationml/2006/main">
+  <p:cSld>
+    <p:spTree>
+      <p:nvGrpSpPr>
+        <p:cNvPr id="1" name="">
+          <a:extLst>
+            <a:ext uri="{FF2B5EF4-FFF2-40B4-BE49-F238E27FC236}">
+              <a16:creationId xmlns:a16="http://schemas.microsoft.com/office/drawing/2014/main" id="{C5085B9C-BA0B-6D24-6CEE-7E8EA155DA0B}"/>
+            </a:ext>
+          </a:extLst>
+        </p:cNvPr>
+        <p:cNvGrpSpPr/>
+        <p:nvPr/>
+      </p:nvGrpSpPr>
+      <p:grpSpPr>
+        <a:xfrm>
+          <a:off x="0" y="0"/>
+          <a:ext cx="0" cy="0"/>
+          <a:chOff x="0" y="0"/>
+          <a:chExt cx="0" cy="0"/>
+        </a:xfrm>
+      </p:grpSpPr>
+      <p:sp>
+        <p:nvSpPr>
+          <p:cNvPr id="2" name="Espaço Reservado para Imagem de Slide 1">
+            <a:extLst>
+              <a:ext uri="{FF2B5EF4-FFF2-40B4-BE49-F238E27FC236}">
+                <a16:creationId xmlns:a16="http://schemas.microsoft.com/office/drawing/2014/main" id="{BC93DCAF-0A6B-462F-B87A-980BE590B59D}"/>
+              </a:ext>
+            </a:extLst>
+          </p:cNvPr>
+          <p:cNvSpPr>
+            <a:spLocks noGrp="1" noRot="1" noChangeAspect="1"/>
+          </p:cNvSpPr>
+          <p:nvPr>
+            <p:ph type="sldImg"/>
+          </p:nvPr>
+        </p:nvSpPr>
+        <p:spPr>
+          <a:xfrm>
+            <a:off x="381000" y="685800"/>
+            <a:ext cx="6096000" cy="3429000"/>
+          </a:xfrm>
+        </p:spPr>
+      </p:sp>
+      <p:sp>
+        <p:nvSpPr>
+          <p:cNvPr id="3" name="Espaço Reservado para Anotações 2">
+            <a:extLst>
+              <a:ext uri="{FF2B5EF4-FFF2-40B4-BE49-F238E27FC236}">
+                <a16:creationId xmlns:a16="http://schemas.microsoft.com/office/drawing/2014/main" id="{97CA973F-24AC-7F3C-A867-711D8FAA2D86}"/>
+              </a:ext>
+            </a:extLst>
+          </p:cNvPr>
+          <p:cNvSpPr>
+            <a:spLocks noGrp="1"/>
+          </p:cNvSpPr>
+          <p:nvPr>
+            <p:ph type="body" idx="1"/>
+          </p:nvPr>
+        </p:nvSpPr>
+        <p:spPr/>
+        <p:txBody>
+          <a:bodyPr/>
+          <a:lstStyle/>
+          <a:p>
+            <a:endParaRPr lang="pt-BR" dirty="0"/>
+          </a:p>
+        </p:txBody>
+      </p:sp>
+    </p:spTree>
+    <p:extLst>
+      <p:ext uri="{BB962C8B-B14F-4D97-AF65-F5344CB8AC3E}">
+        <p14:creationId xmlns:p14="http://schemas.microsoft.com/office/powerpoint/2010/main" val="3786253428"/>
+      </p:ext>
+    </p:extLst>
+  </p:cSld>
+  <p:clrMapOvr>
+    <a:masterClrMapping/>
+  </p:clrMapOvr>
+</p:notes>
+</file>
+
+<file path=ppt/notesSlides/notesSlide13.xml><?xml version="1.0" encoding="utf-8"?>
+<p:notes xmlns:a="http://schemas.openxmlformats.org/drawingml/2006/main" xmlns:r="http://schemas.openxmlformats.org/officeDocument/2006/relationships" xmlns:p="http://schemas.openxmlformats.org/presentationml/2006/main">
+  <p:cSld>
+    <p:spTree>
+      <p:nvGrpSpPr>
+        <p:cNvPr id="1" name="">
+          <a:extLst>
+            <a:ext uri="{FF2B5EF4-FFF2-40B4-BE49-F238E27FC236}">
+              <a16:creationId xmlns:a16="http://schemas.microsoft.com/office/drawing/2014/main" id="{9F66A3B0-3F34-97BA-277E-2A1942ABCE65}"/>
+            </a:ext>
+          </a:extLst>
+        </p:cNvPr>
+        <p:cNvGrpSpPr/>
+        <p:nvPr/>
+      </p:nvGrpSpPr>
+      <p:grpSpPr>
+        <a:xfrm>
+          <a:off x="0" y="0"/>
+          <a:ext cx="0" cy="0"/>
+          <a:chOff x="0" y="0"/>
+          <a:chExt cx="0" cy="0"/>
+        </a:xfrm>
+      </p:grpSpPr>
+      <p:sp>
+        <p:nvSpPr>
+          <p:cNvPr id="2" name="Espaço Reservado para Imagem de Slide 1">
+            <a:extLst>
+              <a:ext uri="{FF2B5EF4-FFF2-40B4-BE49-F238E27FC236}">
+                <a16:creationId xmlns:a16="http://schemas.microsoft.com/office/drawing/2014/main" id="{A01AE361-2917-B040-BC0C-BAA44A8BEA45}"/>
+              </a:ext>
+            </a:extLst>
+          </p:cNvPr>
+          <p:cNvSpPr>
+            <a:spLocks noGrp="1" noRot="1" noChangeAspect="1"/>
+          </p:cNvSpPr>
+          <p:nvPr>
+            <p:ph type="sldImg"/>
+          </p:nvPr>
+        </p:nvSpPr>
+        <p:spPr>
+          <a:xfrm>
+            <a:off x="381000" y="685800"/>
+            <a:ext cx="6096000" cy="3429000"/>
+          </a:xfrm>
+        </p:spPr>
+      </p:sp>
+      <p:sp>
+        <p:nvSpPr>
+          <p:cNvPr id="3" name="Espaço Reservado para Anotações 2">
+            <a:extLst>
+              <a:ext uri="{FF2B5EF4-FFF2-40B4-BE49-F238E27FC236}">
+                <a16:creationId xmlns:a16="http://schemas.microsoft.com/office/drawing/2014/main" id="{E86AC7D5-2A2F-2459-ACA6-A7A01F5924F8}"/>
+              </a:ext>
+            </a:extLst>
+          </p:cNvPr>
+          <p:cNvSpPr>
+            <a:spLocks noGrp="1"/>
+          </p:cNvSpPr>
+          <p:nvPr>
+            <p:ph type="body" idx="1"/>
+          </p:nvPr>
+        </p:nvSpPr>
+        <p:spPr/>
+        <p:txBody>
+          <a:bodyPr/>
+          <a:lstStyle/>
+          <a:p>
+            <a:endParaRPr lang="pt-BR" dirty="0"/>
+          </a:p>
+        </p:txBody>
+      </p:sp>
+    </p:spTree>
+    <p:extLst>
+      <p:ext uri="{BB962C8B-B14F-4D97-AF65-F5344CB8AC3E}">
+        <p14:creationId xmlns:p14="http://schemas.microsoft.com/office/powerpoint/2010/main" val="1412177129"/>
+      </p:ext>
+    </p:extLst>
+  </p:cSld>
+  <p:clrMapOvr>
+    <a:masterClrMapping/>
+  </p:clrMapOvr>
+</p:notes>
+</file>
+
+<file path=ppt/notesSlides/notesSlide14.xml><?xml version="1.0" encoding="utf-8"?>
+<p:notes xmlns:a="http://schemas.openxmlformats.org/drawingml/2006/main" xmlns:r="http://schemas.openxmlformats.org/officeDocument/2006/relationships" xmlns:p="http://schemas.openxmlformats.org/presentationml/2006/main">
+  <p:cSld>
+    <p:spTree>
+      <p:nvGrpSpPr>
+        <p:cNvPr id="1" name="">
+          <a:extLst>
+            <a:ext uri="{FF2B5EF4-FFF2-40B4-BE49-F238E27FC236}">
+              <a16:creationId xmlns:a16="http://schemas.microsoft.com/office/drawing/2014/main" id="{7FE3D6DC-6EFD-00BA-275B-011D473ABA9D}"/>
+            </a:ext>
+          </a:extLst>
+        </p:cNvPr>
+        <p:cNvGrpSpPr/>
+        <p:nvPr/>
+      </p:nvGrpSpPr>
+      <p:grpSpPr>
+        <a:xfrm>
+          <a:off x="0" y="0"/>
+          <a:ext cx="0" cy="0"/>
+          <a:chOff x="0" y="0"/>
+          <a:chExt cx="0" cy="0"/>
+        </a:xfrm>
+      </p:grpSpPr>
+      <p:sp>
+        <p:nvSpPr>
+          <p:cNvPr id="2" name="Espaço Reservado para Imagem de Slide 1">
+            <a:extLst>
+              <a:ext uri="{FF2B5EF4-FFF2-40B4-BE49-F238E27FC236}">
+                <a16:creationId xmlns:a16="http://schemas.microsoft.com/office/drawing/2014/main" id="{C6F300BE-9BCC-EBAB-C891-62E65265B6E3}"/>
+              </a:ext>
+            </a:extLst>
+          </p:cNvPr>
+          <p:cNvSpPr>
+            <a:spLocks noGrp="1" noRot="1" noChangeAspect="1"/>
+          </p:cNvSpPr>
+          <p:nvPr>
+            <p:ph type="sldImg"/>
+          </p:nvPr>
+        </p:nvSpPr>
+        <p:spPr>
+          <a:xfrm>
+            <a:off x="381000" y="685800"/>
+            <a:ext cx="6096000" cy="3429000"/>
+          </a:xfrm>
+        </p:spPr>
+      </p:sp>
+      <p:sp>
+        <p:nvSpPr>
+          <p:cNvPr id="3" name="Espaço Reservado para Anotações 2">
+            <a:extLst>
+              <a:ext uri="{FF2B5EF4-FFF2-40B4-BE49-F238E27FC236}">
+                <a16:creationId xmlns:a16="http://schemas.microsoft.com/office/drawing/2014/main" id="{C90F3E65-705E-7BEC-3513-5D742EEF5CB1}"/>
+              </a:ext>
+            </a:extLst>
+          </p:cNvPr>
+          <p:cNvSpPr>
+            <a:spLocks noGrp="1"/>
+          </p:cNvSpPr>
+          <p:nvPr>
+            <p:ph type="body" idx="1"/>
+          </p:nvPr>
+        </p:nvSpPr>
+        <p:spPr/>
+        <p:txBody>
+          <a:bodyPr/>
+          <a:lstStyle/>
+          <a:p>
+            <a:endParaRPr lang="pt-BR" dirty="0"/>
+          </a:p>
+        </p:txBody>
+      </p:sp>
+    </p:spTree>
+    <p:extLst>
+      <p:ext uri="{BB962C8B-B14F-4D97-AF65-F5344CB8AC3E}">
+        <p14:creationId xmlns:p14="http://schemas.microsoft.com/office/powerpoint/2010/main" val="4154146852"/>
+      </p:ext>
+    </p:extLst>
+  </p:cSld>
+  <p:clrMapOvr>
+    <a:masterClrMapping/>
+  </p:clrMapOvr>
+</p:notes>
+</file>
+
+<file path=ppt/notesSlides/notesSlide15.xml><?xml version="1.0" encoding="utf-8"?>
+<p:notes xmlns:a="http://schemas.openxmlformats.org/drawingml/2006/main" xmlns:r="http://schemas.openxmlformats.org/officeDocument/2006/relationships" xmlns:p="http://schemas.openxmlformats.org/presentationml/2006/main">
+  <p:cSld>
+    <p:spTree>
+      <p:nvGrpSpPr>
+        <p:cNvPr id="1" name=""/>
+        <p:cNvGrpSpPr/>
+        <p:nvPr/>
+      </p:nvGrpSpPr>
+      <p:grpSpPr>
+        <a:xfrm>
+          <a:off x="0" y="0"/>
+          <a:ext cx="0" cy="0"/>
+          <a:chOff x="0" y="0"/>
+          <a:chExt cx="0" cy="0"/>
+        </a:xfrm>
+      </p:grpSpPr>
+      <p:sp>
+        <p:nvSpPr>
+          <p:cNvPr id="2" name="Espaço Reservado para Imagem de Slide 1"/>
+          <p:cNvSpPr>
+            <a:spLocks noGrp="1" noRot="1" noChangeAspect="1"/>
+          </p:cNvSpPr>
+          <p:nvPr>
+            <p:ph type="sldImg"/>
+          </p:nvPr>
+        </p:nvSpPr>
+        <p:spPr>
+          <a:xfrm>
+            <a:off x="381000" y="685800"/>
+            <a:ext cx="6096000" cy="3429000"/>
+          </a:xfrm>
+        </p:spPr>
+      </p:sp>
+      <p:sp>
+        <p:nvSpPr>
+          <p:cNvPr id="3" name="Espaço Reservado para Anotações 2"/>
+          <p:cNvSpPr>
+            <a:spLocks noGrp="1"/>
+          </p:cNvSpPr>
+          <p:nvPr>
+            <p:ph type="body" idx="1"/>
+          </p:nvPr>
+        </p:nvSpPr>
+        <p:spPr/>
+        <p:txBody>
+          <a:bodyPr/>
+          <a:lstStyle/>
+          <a:p>
+            <a:endParaRPr lang="pt-BR" dirty="0"/>
+          </a:p>
+        </p:txBody>
+      </p:sp>
+    </p:spTree>
+    <p:extLst>
+      <p:ext uri="{BB962C8B-B14F-4D97-AF65-F5344CB8AC3E}">
+        <p14:creationId xmlns:p14="http://schemas.microsoft.com/office/powerpoint/2010/main" val="585304384"/>
+      </p:ext>
+    </p:extLst>
+  </p:cSld>
+  <p:clrMapOvr>
+    <a:masterClrMapping/>
+  </p:clrMapOvr>
+</p:notes>
+</file>
+
+<file path=ppt/notesSlides/notesSlide16.xml><?xml version="1.0" encoding="utf-8"?>
+<p:notes xmlns:a="http://schemas.openxmlformats.org/drawingml/2006/main" xmlns:r="http://schemas.openxmlformats.org/officeDocument/2006/relationships" xmlns:p="http://schemas.openxmlformats.org/presentationml/2006/main">
+  <p:cSld>
+    <p:spTree>
+      <p:nvGrpSpPr>
+        <p:cNvPr id="1" name=""/>
+        <p:cNvGrpSpPr/>
+        <p:nvPr/>
+      </p:nvGrpSpPr>
+      <p:grpSpPr>
+        <a:xfrm>
+          <a:off x="0" y="0"/>
+          <a:ext cx="0" cy="0"/>
+          <a:chOff x="0" y="0"/>
+          <a:chExt cx="0" cy="0"/>
+        </a:xfrm>
+      </p:grpSpPr>
+      <p:sp>
+        <p:nvSpPr>
+          <p:cNvPr id="2" name="Espaço Reservado para Imagem de Slide 1"/>
+          <p:cNvSpPr>
+            <a:spLocks noGrp="1" noRot="1" noChangeAspect="1"/>
+          </p:cNvSpPr>
+          <p:nvPr>
+            <p:ph type="sldImg"/>
+          </p:nvPr>
+        </p:nvSpPr>
+        <p:spPr>
+          <a:xfrm>
+            <a:off x="381000" y="685800"/>
+            <a:ext cx="6096000" cy="3429000"/>
+          </a:xfrm>
+        </p:spPr>
+      </p:sp>
+      <p:sp>
+        <p:nvSpPr>
+          <p:cNvPr id="3" name="Espaço Reservado para Anotações 2"/>
+          <p:cNvSpPr>
+            <a:spLocks noGrp="1"/>
+          </p:cNvSpPr>
+          <p:nvPr>
+            <p:ph type="body" idx="1"/>
+          </p:nvPr>
+        </p:nvSpPr>
+        <p:spPr/>
+        <p:txBody>
+          <a:bodyPr/>
+          <a:lstStyle/>
+          <a:p>
+            <a:endParaRPr lang="pt-BR" dirty="0"/>
+          </a:p>
+        </p:txBody>
+      </p:sp>
+    </p:spTree>
+    <p:extLst>
+      <p:ext uri="{BB962C8B-B14F-4D97-AF65-F5344CB8AC3E}">
+        <p14:creationId xmlns:p14="http://schemas.microsoft.com/office/powerpoint/2010/main" val="2709569597"/>
+      </p:ext>
+    </p:extLst>
+  </p:cSld>
+  <p:clrMapOvr>
+    <a:masterClrMapping/>
+  </p:clrMapOvr>
+</p:notes>
+</file>
+
+<file path=ppt/notesSlides/notesSlide17.xml><?xml version="1.0" encoding="utf-8"?>
+<p:notes xmlns:a="http://schemas.openxmlformats.org/drawingml/2006/main" xmlns:r="http://schemas.openxmlformats.org/officeDocument/2006/relationships" xmlns:p="http://schemas.openxmlformats.org/presentationml/2006/main">
+  <p:cSld>
+    <p:spTree>
+      <p:nvGrpSpPr>
+        <p:cNvPr id="1" name=""/>
+        <p:cNvGrpSpPr/>
+        <p:nvPr/>
+      </p:nvGrpSpPr>
+      <p:grpSpPr>
+        <a:xfrm>
+          <a:off x="0" y="0"/>
+          <a:ext cx="0" cy="0"/>
+          <a:chOff x="0" y="0"/>
+          <a:chExt cx="0" cy="0"/>
+        </a:xfrm>
+      </p:grpSpPr>
+      <p:sp>
+        <p:nvSpPr>
+          <p:cNvPr id="2" name="Espaço Reservado para Imagem de Slide 1"/>
+          <p:cNvSpPr>
+            <a:spLocks noGrp="1" noRot="1" noChangeAspect="1"/>
+          </p:cNvSpPr>
+          <p:nvPr>
+            <p:ph type="sldImg"/>
+          </p:nvPr>
+        </p:nvSpPr>
+        <p:spPr>
+          <a:xfrm>
+            <a:off x="381000" y="685800"/>
+            <a:ext cx="6096000" cy="3429000"/>
+          </a:xfrm>
+        </p:spPr>
+      </p:sp>
+      <p:sp>
+        <p:nvSpPr>
+          <p:cNvPr id="3" name="Espaço Reservado para Anotações 2"/>
+          <p:cNvSpPr>
+            <a:spLocks noGrp="1"/>
+          </p:cNvSpPr>
+          <p:nvPr>
+            <p:ph type="body" idx="1"/>
+          </p:nvPr>
+        </p:nvSpPr>
+        <p:spPr/>
+        <p:txBody>
+          <a:bodyPr/>
+          <a:lstStyle/>
+          <a:p>
+            <a:endParaRPr lang="pt-BR" dirty="0"/>
+          </a:p>
+        </p:txBody>
+      </p:sp>
+    </p:spTree>
+    <p:extLst>
+      <p:ext uri="{BB962C8B-B14F-4D97-AF65-F5344CB8AC3E}">
+        <p14:creationId xmlns:p14="http://schemas.microsoft.com/office/powerpoint/2010/main" val="2296249050"/>
+      </p:ext>
+    </p:extLst>
+  </p:cSld>
+  <p:clrMapOvr>
+    <a:masterClrMapping/>
+  </p:clrMapOvr>
+</p:notes>
+</file>
+
+<file path=ppt/notesSlides/notesSlide18.xml><?xml version="1.0" encoding="utf-8"?>
+<p:notes xmlns:a="http://schemas.openxmlformats.org/drawingml/2006/main" xmlns:r="http://schemas.openxmlformats.org/officeDocument/2006/relationships" xmlns:p="http://schemas.openxmlformats.org/presentationml/2006/main">
+  <p:cSld>
+    <p:spTree>
+      <p:nvGrpSpPr>
+        <p:cNvPr id="1" name=""/>
+        <p:cNvGrpSpPr/>
+        <p:nvPr/>
+      </p:nvGrpSpPr>
+      <p:grpSpPr>
+        <a:xfrm>
+          <a:off x="0" y="0"/>
+          <a:ext cx="0" cy="0"/>
+          <a:chOff x="0" y="0"/>
+          <a:chExt cx="0" cy="0"/>
+        </a:xfrm>
+      </p:grpSpPr>
+      <p:sp>
+        <p:nvSpPr>
+          <p:cNvPr id="2" name="Espaço Reservado para Imagem de Slide 1"/>
+          <p:cNvSpPr>
+            <a:spLocks noGrp="1" noRot="1" noChangeAspect="1"/>
+          </p:cNvSpPr>
+          <p:nvPr>
+            <p:ph type="sldImg"/>
+          </p:nvPr>
+        </p:nvSpPr>
+        <p:spPr>
+          <a:xfrm>
+            <a:off x="381000" y="685800"/>
+            <a:ext cx="6096000" cy="3429000"/>
+          </a:xfrm>
+        </p:spPr>
+      </p:sp>
+      <p:sp>
+        <p:nvSpPr>
+          <p:cNvPr id="3" name="Espaço Reservado para Anotações 2"/>
+          <p:cNvSpPr>
+            <a:spLocks noGrp="1"/>
+          </p:cNvSpPr>
+          <p:nvPr>
+            <p:ph type="body" idx="1"/>
+          </p:nvPr>
+        </p:nvSpPr>
+        <p:spPr/>
+        <p:txBody>
+          <a:bodyPr/>
+          <a:lstStyle/>
+          <a:p>
+            <a:endParaRPr lang="pt-BR" dirty="0"/>
+          </a:p>
+        </p:txBody>
+      </p:sp>
+    </p:spTree>
+    <p:extLst>
+      <p:ext uri="{BB962C8B-B14F-4D97-AF65-F5344CB8AC3E}">
+        <p14:creationId xmlns:p14="http://schemas.microsoft.com/office/powerpoint/2010/main" val="4290351292"/>
+      </p:ext>
+    </p:extLst>
+  </p:cSld>
+  <p:clrMapOvr>
+    <a:masterClrMapping/>
+  </p:clrMapOvr>
+</p:notes>
+</file>
+
 <file path=ppt/notesSlides/notesSlide2.xml><?xml version="1.0" encoding="utf-8"?>
 <p:notes xmlns:a="http://schemas.openxmlformats.org/drawingml/2006/main" xmlns:r="http://schemas.openxmlformats.org/officeDocument/2006/relationships" xmlns:p="http://schemas.openxmlformats.org/presentationml/2006/main">
   <p:cSld>
@@ -633,7 +1329,13 @@
   <p:cSld>
     <p:spTree>
       <p:nvGrpSpPr>
-        <p:cNvPr id="1" name=""/>
+        <p:cNvPr id="1" name="">
+          <a:extLst>
+            <a:ext uri="{FF2B5EF4-FFF2-40B4-BE49-F238E27FC236}">
+              <a16:creationId xmlns:a16="http://schemas.microsoft.com/office/drawing/2014/main" id="{553FA9E1-60B0-8121-5C24-3F12F3CA625C}"/>
+            </a:ext>
+          </a:extLst>
+        </p:cNvPr>
         <p:cNvGrpSpPr/>
         <p:nvPr/>
       </p:nvGrpSpPr>
@@ -647,7 +1349,13 @@
       </p:grpSpPr>
       <p:sp>
         <p:nvSpPr>
-          <p:cNvPr id="2" name="Espaço Reservado para Imagem de Slide 1"/>
+          <p:cNvPr id="2" name="Espaço Reservado para Imagem de Slide 1">
+            <a:extLst>
+              <a:ext uri="{FF2B5EF4-FFF2-40B4-BE49-F238E27FC236}">
+                <a16:creationId xmlns:a16="http://schemas.microsoft.com/office/drawing/2014/main" id="{AB5791FC-A9E2-D4EA-6D48-0A5D36E7647C}"/>
+              </a:ext>
+            </a:extLst>
+          </p:cNvPr>
           <p:cNvSpPr>
             <a:spLocks noGrp="1" noRot="1" noChangeAspect="1"/>
           </p:cNvSpPr>
@@ -664,7 +1372,13 @@
       </p:sp>
       <p:sp>
         <p:nvSpPr>
-          <p:cNvPr id="3" name="Espaço Reservado para Anotações 2"/>
+          <p:cNvPr id="3" name="Espaço Reservado para Anotações 2">
+            <a:extLst>
+              <a:ext uri="{FF2B5EF4-FFF2-40B4-BE49-F238E27FC236}">
+                <a16:creationId xmlns:a16="http://schemas.microsoft.com/office/drawing/2014/main" id="{1F2E3373-3706-C121-43AC-F906F42876DB}"/>
+              </a:ext>
+            </a:extLst>
+          </p:cNvPr>
           <p:cNvSpPr>
             <a:spLocks noGrp="1"/>
           </p:cNvSpPr>
@@ -684,7 +1398,7 @@
     </p:spTree>
     <p:extLst>
       <p:ext uri="{BB962C8B-B14F-4D97-AF65-F5344CB8AC3E}">
-        <p14:creationId xmlns:p14="http://schemas.microsoft.com/office/powerpoint/2010/main" val="585304384"/>
+        <p14:creationId xmlns:p14="http://schemas.microsoft.com/office/powerpoint/2010/main" val="440181734"/>
       </p:ext>
     </p:extLst>
   </p:cSld>
@@ -699,7 +1413,13 @@
   <p:cSld>
     <p:spTree>
       <p:nvGrpSpPr>
-        <p:cNvPr id="1" name=""/>
+        <p:cNvPr id="1" name="">
+          <a:extLst>
+            <a:ext uri="{FF2B5EF4-FFF2-40B4-BE49-F238E27FC236}">
+              <a16:creationId xmlns:a16="http://schemas.microsoft.com/office/drawing/2014/main" id="{3576F40D-A96F-819C-4D68-8301380C1A48}"/>
+            </a:ext>
+          </a:extLst>
+        </p:cNvPr>
         <p:cNvGrpSpPr/>
         <p:nvPr/>
       </p:nvGrpSpPr>
@@ -713,7 +1433,13 @@
       </p:grpSpPr>
       <p:sp>
         <p:nvSpPr>
-          <p:cNvPr id="2" name="Espaço Reservado para Imagem de Slide 1"/>
+          <p:cNvPr id="2" name="Espaço Reservado para Imagem de Slide 1">
+            <a:extLst>
+              <a:ext uri="{FF2B5EF4-FFF2-40B4-BE49-F238E27FC236}">
+                <a16:creationId xmlns:a16="http://schemas.microsoft.com/office/drawing/2014/main" id="{9C458F2D-84F9-E2E7-4DEA-37B5AA769A0C}"/>
+              </a:ext>
+            </a:extLst>
+          </p:cNvPr>
           <p:cNvSpPr>
             <a:spLocks noGrp="1" noRot="1" noChangeAspect="1"/>
           </p:cNvSpPr>
@@ -730,7 +1456,13 @@
       </p:sp>
       <p:sp>
         <p:nvSpPr>
-          <p:cNvPr id="3" name="Espaço Reservado para Anotações 2"/>
+          <p:cNvPr id="3" name="Espaço Reservado para Anotações 2">
+            <a:extLst>
+              <a:ext uri="{FF2B5EF4-FFF2-40B4-BE49-F238E27FC236}">
+                <a16:creationId xmlns:a16="http://schemas.microsoft.com/office/drawing/2014/main" id="{96825446-0841-8FC9-6683-A6ED9457FEAA}"/>
+              </a:ext>
+            </a:extLst>
+          </p:cNvPr>
           <p:cNvSpPr>
             <a:spLocks noGrp="1"/>
           </p:cNvSpPr>
@@ -750,7 +1482,7 @@
     </p:spTree>
     <p:extLst>
       <p:ext uri="{BB962C8B-B14F-4D97-AF65-F5344CB8AC3E}">
-        <p14:creationId xmlns:p14="http://schemas.microsoft.com/office/powerpoint/2010/main" val="2709569597"/>
+        <p14:creationId xmlns:p14="http://schemas.microsoft.com/office/powerpoint/2010/main" val="552172980"/>
       </p:ext>
     </p:extLst>
   </p:cSld>
@@ -765,7 +1497,13 @@
   <p:cSld>
     <p:spTree>
       <p:nvGrpSpPr>
-        <p:cNvPr id="1" name=""/>
+        <p:cNvPr id="1" name="">
+          <a:extLst>
+            <a:ext uri="{FF2B5EF4-FFF2-40B4-BE49-F238E27FC236}">
+              <a16:creationId xmlns:a16="http://schemas.microsoft.com/office/drawing/2014/main" id="{2E8D35F8-B1B0-BDF0-149A-7F94C96DEF7E}"/>
+            </a:ext>
+          </a:extLst>
+        </p:cNvPr>
         <p:cNvGrpSpPr/>
         <p:nvPr/>
       </p:nvGrpSpPr>
@@ -779,7 +1517,13 @@
       </p:grpSpPr>
       <p:sp>
         <p:nvSpPr>
-          <p:cNvPr id="2" name="Espaço Reservado para Imagem de Slide 1"/>
+          <p:cNvPr id="2" name="Espaço Reservado para Imagem de Slide 1">
+            <a:extLst>
+              <a:ext uri="{FF2B5EF4-FFF2-40B4-BE49-F238E27FC236}">
+                <a16:creationId xmlns:a16="http://schemas.microsoft.com/office/drawing/2014/main" id="{0EFD531F-F7F8-B20B-388C-4528A752CB2E}"/>
+              </a:ext>
+            </a:extLst>
+          </p:cNvPr>
           <p:cNvSpPr>
             <a:spLocks noGrp="1" noRot="1" noChangeAspect="1"/>
           </p:cNvSpPr>
@@ -796,7 +1540,13 @@
       </p:sp>
       <p:sp>
         <p:nvSpPr>
-          <p:cNvPr id="3" name="Espaço Reservado para Anotações 2"/>
+          <p:cNvPr id="3" name="Espaço Reservado para Anotações 2">
+            <a:extLst>
+              <a:ext uri="{FF2B5EF4-FFF2-40B4-BE49-F238E27FC236}">
+                <a16:creationId xmlns:a16="http://schemas.microsoft.com/office/drawing/2014/main" id="{D04DD94F-6DC9-699D-698D-031755FF3B43}"/>
+              </a:ext>
+            </a:extLst>
+          </p:cNvPr>
           <p:cNvSpPr>
             <a:spLocks noGrp="1"/>
           </p:cNvSpPr>
@@ -816,7 +1566,7 @@
     </p:spTree>
     <p:extLst>
       <p:ext uri="{BB962C8B-B14F-4D97-AF65-F5344CB8AC3E}">
-        <p14:creationId xmlns:p14="http://schemas.microsoft.com/office/powerpoint/2010/main" val="2296249050"/>
+        <p14:creationId xmlns:p14="http://schemas.microsoft.com/office/powerpoint/2010/main" val="2023375298"/>
       </p:ext>
     </p:extLst>
   </p:cSld>
@@ -831,7 +1581,13 @@
   <p:cSld>
     <p:spTree>
       <p:nvGrpSpPr>
-        <p:cNvPr id="1" name=""/>
+        <p:cNvPr id="1" name="">
+          <a:extLst>
+            <a:ext uri="{FF2B5EF4-FFF2-40B4-BE49-F238E27FC236}">
+              <a16:creationId xmlns:a16="http://schemas.microsoft.com/office/drawing/2014/main" id="{7A19089D-A9A5-32F8-73FB-B8FA608D442A}"/>
+            </a:ext>
+          </a:extLst>
+        </p:cNvPr>
         <p:cNvGrpSpPr/>
         <p:nvPr/>
       </p:nvGrpSpPr>
@@ -845,7 +1601,13 @@
       </p:grpSpPr>
       <p:sp>
         <p:nvSpPr>
-          <p:cNvPr id="2" name="Espaço Reservado para Imagem de Slide 1"/>
+          <p:cNvPr id="2" name="Espaço Reservado para Imagem de Slide 1">
+            <a:extLst>
+              <a:ext uri="{FF2B5EF4-FFF2-40B4-BE49-F238E27FC236}">
+                <a16:creationId xmlns:a16="http://schemas.microsoft.com/office/drawing/2014/main" id="{BEB899DB-AA6C-CE55-7419-038C72FD7FBF}"/>
+              </a:ext>
+            </a:extLst>
+          </p:cNvPr>
           <p:cNvSpPr>
             <a:spLocks noGrp="1" noRot="1" noChangeAspect="1"/>
           </p:cNvSpPr>
@@ -862,7 +1624,13 @@
       </p:sp>
       <p:sp>
         <p:nvSpPr>
-          <p:cNvPr id="3" name="Espaço Reservado para Anotações 2"/>
+          <p:cNvPr id="3" name="Espaço Reservado para Anotações 2">
+            <a:extLst>
+              <a:ext uri="{FF2B5EF4-FFF2-40B4-BE49-F238E27FC236}">
+                <a16:creationId xmlns:a16="http://schemas.microsoft.com/office/drawing/2014/main" id="{9A112C84-DE0B-F029-D843-4A007DD2291B}"/>
+              </a:ext>
+            </a:extLst>
+          </p:cNvPr>
           <p:cNvSpPr>
             <a:spLocks noGrp="1"/>
           </p:cNvSpPr>
@@ -882,7 +1650,259 @@
     </p:spTree>
     <p:extLst>
       <p:ext uri="{BB962C8B-B14F-4D97-AF65-F5344CB8AC3E}">
-        <p14:creationId xmlns:p14="http://schemas.microsoft.com/office/powerpoint/2010/main" val="4290351292"/>
+        <p14:creationId xmlns:p14="http://schemas.microsoft.com/office/powerpoint/2010/main" val="981326291"/>
+      </p:ext>
+    </p:extLst>
+  </p:cSld>
+  <p:clrMapOvr>
+    <a:masterClrMapping/>
+  </p:clrMapOvr>
+</p:notes>
+</file>
+
+<file path=ppt/notesSlides/notesSlide7.xml><?xml version="1.0" encoding="utf-8"?>
+<p:notes xmlns:a="http://schemas.openxmlformats.org/drawingml/2006/main" xmlns:r="http://schemas.openxmlformats.org/officeDocument/2006/relationships" xmlns:p="http://schemas.openxmlformats.org/presentationml/2006/main">
+  <p:cSld>
+    <p:spTree>
+      <p:nvGrpSpPr>
+        <p:cNvPr id="1" name="">
+          <a:extLst>
+            <a:ext uri="{FF2B5EF4-FFF2-40B4-BE49-F238E27FC236}">
+              <a16:creationId xmlns:a16="http://schemas.microsoft.com/office/drawing/2014/main" id="{492B96A6-1476-66A8-8BD6-D3FBAFDB6ECD}"/>
+            </a:ext>
+          </a:extLst>
+        </p:cNvPr>
+        <p:cNvGrpSpPr/>
+        <p:nvPr/>
+      </p:nvGrpSpPr>
+      <p:grpSpPr>
+        <a:xfrm>
+          <a:off x="0" y="0"/>
+          <a:ext cx="0" cy="0"/>
+          <a:chOff x="0" y="0"/>
+          <a:chExt cx="0" cy="0"/>
+        </a:xfrm>
+      </p:grpSpPr>
+      <p:sp>
+        <p:nvSpPr>
+          <p:cNvPr id="2" name="Espaço Reservado para Imagem de Slide 1">
+            <a:extLst>
+              <a:ext uri="{FF2B5EF4-FFF2-40B4-BE49-F238E27FC236}">
+                <a16:creationId xmlns:a16="http://schemas.microsoft.com/office/drawing/2014/main" id="{1180FDE7-F55C-3B3B-3840-16331069E245}"/>
+              </a:ext>
+            </a:extLst>
+          </p:cNvPr>
+          <p:cNvSpPr>
+            <a:spLocks noGrp="1" noRot="1" noChangeAspect="1"/>
+          </p:cNvSpPr>
+          <p:nvPr>
+            <p:ph type="sldImg"/>
+          </p:nvPr>
+        </p:nvSpPr>
+        <p:spPr>
+          <a:xfrm>
+            <a:off x="381000" y="685800"/>
+            <a:ext cx="6096000" cy="3429000"/>
+          </a:xfrm>
+        </p:spPr>
+      </p:sp>
+      <p:sp>
+        <p:nvSpPr>
+          <p:cNvPr id="3" name="Espaço Reservado para Anotações 2">
+            <a:extLst>
+              <a:ext uri="{FF2B5EF4-FFF2-40B4-BE49-F238E27FC236}">
+                <a16:creationId xmlns:a16="http://schemas.microsoft.com/office/drawing/2014/main" id="{EF23BAD2-5ECF-86DA-3CC7-19B9EEF86E44}"/>
+              </a:ext>
+            </a:extLst>
+          </p:cNvPr>
+          <p:cNvSpPr>
+            <a:spLocks noGrp="1"/>
+          </p:cNvSpPr>
+          <p:nvPr>
+            <p:ph type="body" idx="1"/>
+          </p:nvPr>
+        </p:nvSpPr>
+        <p:spPr/>
+        <p:txBody>
+          <a:bodyPr/>
+          <a:lstStyle/>
+          <a:p>
+            <a:endParaRPr lang="pt-BR" dirty="0"/>
+          </a:p>
+        </p:txBody>
+      </p:sp>
+    </p:spTree>
+    <p:extLst>
+      <p:ext uri="{BB962C8B-B14F-4D97-AF65-F5344CB8AC3E}">
+        <p14:creationId xmlns:p14="http://schemas.microsoft.com/office/powerpoint/2010/main" val="2665948458"/>
+      </p:ext>
+    </p:extLst>
+  </p:cSld>
+  <p:clrMapOvr>
+    <a:masterClrMapping/>
+  </p:clrMapOvr>
+</p:notes>
+</file>
+
+<file path=ppt/notesSlides/notesSlide8.xml><?xml version="1.0" encoding="utf-8"?>
+<p:notes xmlns:a="http://schemas.openxmlformats.org/drawingml/2006/main" xmlns:r="http://schemas.openxmlformats.org/officeDocument/2006/relationships" xmlns:p="http://schemas.openxmlformats.org/presentationml/2006/main">
+  <p:cSld>
+    <p:spTree>
+      <p:nvGrpSpPr>
+        <p:cNvPr id="1" name="">
+          <a:extLst>
+            <a:ext uri="{FF2B5EF4-FFF2-40B4-BE49-F238E27FC236}">
+              <a16:creationId xmlns:a16="http://schemas.microsoft.com/office/drawing/2014/main" id="{FECF5549-AE72-C2C7-542A-CF9DB4921EF0}"/>
+            </a:ext>
+          </a:extLst>
+        </p:cNvPr>
+        <p:cNvGrpSpPr/>
+        <p:nvPr/>
+      </p:nvGrpSpPr>
+      <p:grpSpPr>
+        <a:xfrm>
+          <a:off x="0" y="0"/>
+          <a:ext cx="0" cy="0"/>
+          <a:chOff x="0" y="0"/>
+          <a:chExt cx="0" cy="0"/>
+        </a:xfrm>
+      </p:grpSpPr>
+      <p:sp>
+        <p:nvSpPr>
+          <p:cNvPr id="2" name="Espaço Reservado para Imagem de Slide 1">
+            <a:extLst>
+              <a:ext uri="{FF2B5EF4-FFF2-40B4-BE49-F238E27FC236}">
+                <a16:creationId xmlns:a16="http://schemas.microsoft.com/office/drawing/2014/main" id="{F51FE3E0-2595-7CC1-C4B4-EF0367A02202}"/>
+              </a:ext>
+            </a:extLst>
+          </p:cNvPr>
+          <p:cNvSpPr>
+            <a:spLocks noGrp="1" noRot="1" noChangeAspect="1"/>
+          </p:cNvSpPr>
+          <p:nvPr>
+            <p:ph type="sldImg"/>
+          </p:nvPr>
+        </p:nvSpPr>
+        <p:spPr>
+          <a:xfrm>
+            <a:off x="381000" y="685800"/>
+            <a:ext cx="6096000" cy="3429000"/>
+          </a:xfrm>
+        </p:spPr>
+      </p:sp>
+      <p:sp>
+        <p:nvSpPr>
+          <p:cNvPr id="3" name="Espaço Reservado para Anotações 2">
+            <a:extLst>
+              <a:ext uri="{FF2B5EF4-FFF2-40B4-BE49-F238E27FC236}">
+                <a16:creationId xmlns:a16="http://schemas.microsoft.com/office/drawing/2014/main" id="{A952F775-D91E-8740-0737-282E65AB3E25}"/>
+              </a:ext>
+            </a:extLst>
+          </p:cNvPr>
+          <p:cNvSpPr>
+            <a:spLocks noGrp="1"/>
+          </p:cNvSpPr>
+          <p:nvPr>
+            <p:ph type="body" idx="1"/>
+          </p:nvPr>
+        </p:nvSpPr>
+        <p:spPr/>
+        <p:txBody>
+          <a:bodyPr/>
+          <a:lstStyle/>
+          <a:p>
+            <a:endParaRPr lang="pt-BR" dirty="0"/>
+          </a:p>
+        </p:txBody>
+      </p:sp>
+    </p:spTree>
+    <p:extLst>
+      <p:ext uri="{BB962C8B-B14F-4D97-AF65-F5344CB8AC3E}">
+        <p14:creationId xmlns:p14="http://schemas.microsoft.com/office/powerpoint/2010/main" val="1028039243"/>
+      </p:ext>
+    </p:extLst>
+  </p:cSld>
+  <p:clrMapOvr>
+    <a:masterClrMapping/>
+  </p:clrMapOvr>
+</p:notes>
+</file>
+
+<file path=ppt/notesSlides/notesSlide9.xml><?xml version="1.0" encoding="utf-8"?>
+<p:notes xmlns:a="http://schemas.openxmlformats.org/drawingml/2006/main" xmlns:r="http://schemas.openxmlformats.org/officeDocument/2006/relationships" xmlns:p="http://schemas.openxmlformats.org/presentationml/2006/main">
+  <p:cSld>
+    <p:spTree>
+      <p:nvGrpSpPr>
+        <p:cNvPr id="1" name="">
+          <a:extLst>
+            <a:ext uri="{FF2B5EF4-FFF2-40B4-BE49-F238E27FC236}">
+              <a16:creationId xmlns:a16="http://schemas.microsoft.com/office/drawing/2014/main" id="{E184A065-6397-4D22-7F87-D3EE139A4EB2}"/>
+            </a:ext>
+          </a:extLst>
+        </p:cNvPr>
+        <p:cNvGrpSpPr/>
+        <p:nvPr/>
+      </p:nvGrpSpPr>
+      <p:grpSpPr>
+        <a:xfrm>
+          <a:off x="0" y="0"/>
+          <a:ext cx="0" cy="0"/>
+          <a:chOff x="0" y="0"/>
+          <a:chExt cx="0" cy="0"/>
+        </a:xfrm>
+      </p:grpSpPr>
+      <p:sp>
+        <p:nvSpPr>
+          <p:cNvPr id="2" name="Espaço Reservado para Imagem de Slide 1">
+            <a:extLst>
+              <a:ext uri="{FF2B5EF4-FFF2-40B4-BE49-F238E27FC236}">
+                <a16:creationId xmlns:a16="http://schemas.microsoft.com/office/drawing/2014/main" id="{A882CB6D-F0BE-B807-881C-545D27546141}"/>
+              </a:ext>
+            </a:extLst>
+          </p:cNvPr>
+          <p:cNvSpPr>
+            <a:spLocks noGrp="1" noRot="1" noChangeAspect="1"/>
+          </p:cNvSpPr>
+          <p:nvPr>
+            <p:ph type="sldImg"/>
+          </p:nvPr>
+        </p:nvSpPr>
+        <p:spPr>
+          <a:xfrm>
+            <a:off x="381000" y="685800"/>
+            <a:ext cx="6096000" cy="3429000"/>
+          </a:xfrm>
+        </p:spPr>
+      </p:sp>
+      <p:sp>
+        <p:nvSpPr>
+          <p:cNvPr id="3" name="Espaço Reservado para Anotações 2">
+            <a:extLst>
+              <a:ext uri="{FF2B5EF4-FFF2-40B4-BE49-F238E27FC236}">
+                <a16:creationId xmlns:a16="http://schemas.microsoft.com/office/drawing/2014/main" id="{E5DF702F-9BCD-7D91-B946-93B09E6B791B}"/>
+              </a:ext>
+            </a:extLst>
+          </p:cNvPr>
+          <p:cNvSpPr>
+            <a:spLocks noGrp="1"/>
+          </p:cNvSpPr>
+          <p:nvPr>
+            <p:ph type="body" idx="1"/>
+          </p:nvPr>
+        </p:nvSpPr>
+        <p:spPr/>
+        <p:txBody>
+          <a:bodyPr/>
+          <a:lstStyle/>
+          <a:p>
+            <a:endParaRPr lang="pt-BR" dirty="0"/>
+          </a:p>
+        </p:txBody>
+      </p:sp>
+    </p:spTree>
+    <p:extLst>
+      <p:ext uri="{BB962C8B-B14F-4D97-AF65-F5344CB8AC3E}">
+        <p14:creationId xmlns:p14="http://schemas.microsoft.com/office/powerpoint/2010/main" val="1571180077"/>
       </p:ext>
     </p:extLst>
   </p:cSld>
@@ -3829,6 +4849,3985 @@
 </p:sld>
 </file>
 
+<file path=ppt/slides/slide10.xml><?xml version="1.0" encoding="utf-8"?>
+<p:sld xmlns:a="http://schemas.openxmlformats.org/drawingml/2006/main" xmlns:r="http://schemas.openxmlformats.org/officeDocument/2006/relationships" xmlns:p="http://schemas.openxmlformats.org/presentationml/2006/main">
+  <p:cSld>
+    <p:spTree>
+      <p:nvGrpSpPr>
+        <p:cNvPr id="1" name="">
+          <a:extLst>
+            <a:ext uri="{FF2B5EF4-FFF2-40B4-BE49-F238E27FC236}">
+              <a16:creationId xmlns:a16="http://schemas.microsoft.com/office/drawing/2014/main" id="{74F4F81D-21A2-1540-C036-CE36CACC3283}"/>
+            </a:ext>
+          </a:extLst>
+        </p:cNvPr>
+        <p:cNvGrpSpPr/>
+        <p:nvPr/>
+      </p:nvGrpSpPr>
+      <p:grpSpPr>
+        <a:xfrm>
+          <a:off x="0" y="0"/>
+          <a:ext cx="0" cy="0"/>
+          <a:chOff x="0" y="0"/>
+          <a:chExt cx="0" cy="0"/>
+        </a:xfrm>
+      </p:grpSpPr>
+      <p:sp>
+        <p:nvSpPr>
+          <p:cNvPr id="6" name="Title 1">
+            <a:extLst>
+              <a:ext uri="{FF2B5EF4-FFF2-40B4-BE49-F238E27FC236}">
+                <a16:creationId xmlns:a16="http://schemas.microsoft.com/office/drawing/2014/main" id="{3C8CFCFA-505E-F200-0EA4-A991974CA52C}"/>
+              </a:ext>
+            </a:extLst>
+          </p:cNvPr>
+          <p:cNvSpPr>
+            <a:spLocks noGrp="1"/>
+          </p:cNvSpPr>
+          <p:nvPr>
+            <p:ph type="title"/>
+          </p:nvPr>
+        </p:nvSpPr>
+        <p:spPr>
+          <a:xfrm>
+            <a:off x="457200" y="205980"/>
+            <a:ext cx="8229600" cy="857251"/>
+          </a:xfrm>
+        </p:spPr>
+        <p:txBody>
+          <a:bodyPr>
+            <a:normAutofit/>
+          </a:bodyPr>
+          <a:lstStyle/>
+          <a:p>
+            <a:r>
+              <a:rPr lang="en-US" b="1" dirty="0" err="1">
+                <a:solidFill>
+                  <a:srgbClr val="0070C0"/>
+                </a:solidFill>
+              </a:rPr>
+              <a:t>Problema</a:t>
+            </a:r>
+            <a:r>
+              <a:rPr lang="en-US" b="1" dirty="0">
+                <a:solidFill>
+                  <a:srgbClr val="0070C0"/>
+                </a:solidFill>
+              </a:rPr>
+              <a:t> das </a:t>
+            </a:r>
+            <a:r>
+              <a:rPr lang="en-US" b="1" dirty="0" err="1">
+                <a:solidFill>
+                  <a:srgbClr val="0070C0"/>
+                </a:solidFill>
+              </a:rPr>
+              <a:t>Árvores</a:t>
+            </a:r>
+            <a:r>
+              <a:rPr lang="en-US" b="1" dirty="0">
+                <a:solidFill>
+                  <a:srgbClr val="0070C0"/>
+                </a:solidFill>
+              </a:rPr>
+              <a:t> </a:t>
+            </a:r>
+            <a:r>
+              <a:rPr lang="en-US" b="1" dirty="0" err="1">
+                <a:solidFill>
+                  <a:srgbClr val="0070C0"/>
+                </a:solidFill>
+              </a:rPr>
+              <a:t>Binárias</a:t>
+            </a:r>
+            <a:endParaRPr lang="en-US" b="1" dirty="0">
+              <a:solidFill>
+                <a:srgbClr val="0070C0"/>
+              </a:solidFill>
+            </a:endParaRPr>
+          </a:p>
+        </p:txBody>
+      </p:sp>
+      <p:sp>
+        <p:nvSpPr>
+          <p:cNvPr id="8" name="Text Placeholder 2">
+            <a:extLst>
+              <a:ext uri="{FF2B5EF4-FFF2-40B4-BE49-F238E27FC236}">
+                <a16:creationId xmlns:a16="http://schemas.microsoft.com/office/drawing/2014/main" id="{049B26C6-B9EC-85BC-BB1B-D8306CCDF144}"/>
+              </a:ext>
+            </a:extLst>
+          </p:cNvPr>
+          <p:cNvSpPr>
+            <a:spLocks noGrp="1"/>
+          </p:cNvSpPr>
+          <p:nvPr>
+            <p:ph type="body" sz="half" idx="1"/>
+          </p:nvPr>
+        </p:nvSpPr>
+        <p:spPr>
+          <a:xfrm>
+            <a:off x="142865" y="1200150"/>
+            <a:ext cx="8865056" cy="3737370"/>
+          </a:xfrm>
+        </p:spPr>
+        <p:txBody>
+          <a:bodyPr>
+            <a:noAutofit/>
+          </a:bodyPr>
+          <a:lstStyle/>
+          <a:p>
+            <a:pPr marL="0" indent="0" algn="just">
+              <a:buNone/>
+            </a:pPr>
+            <a:r>
+              <a:rPr lang="pt-BR" sz="2000" dirty="0">
+                <a:latin typeface="Times New Roman" panose="02020603050405020304" pitchFamily="18" charset="0"/>
+                <a:cs typeface="Times New Roman" panose="02020603050405020304" pitchFamily="18" charset="0"/>
+              </a:rPr>
+              <a:t>Se os dados forem </a:t>
+            </a:r>
+            <a:r>
+              <a:rPr lang="pt-BR" sz="2000" b="1" dirty="0">
+                <a:solidFill>
+                  <a:srgbClr val="FF0000"/>
+                </a:solidFill>
+                <a:latin typeface="Times New Roman" panose="02020603050405020304" pitchFamily="18" charset="0"/>
+                <a:cs typeface="Times New Roman" panose="02020603050405020304" pitchFamily="18" charset="0"/>
+              </a:rPr>
+              <a:t>inseridos em ordem crescente</a:t>
+            </a:r>
+            <a:r>
+              <a:rPr lang="pt-BR" sz="2000" dirty="0">
+                <a:latin typeface="Times New Roman" panose="02020603050405020304" pitchFamily="18" charset="0"/>
+                <a:cs typeface="Times New Roman" panose="02020603050405020304" pitchFamily="18" charset="0"/>
+              </a:rPr>
+              <a:t>, a </a:t>
+            </a:r>
+            <a:r>
+              <a:rPr lang="pt-BR" sz="2000" b="1" dirty="0">
+                <a:latin typeface="Times New Roman" panose="02020603050405020304" pitchFamily="18" charset="0"/>
+                <a:cs typeface="Times New Roman" panose="02020603050405020304" pitchFamily="18" charset="0"/>
+              </a:rPr>
+              <a:t>árvore se degenera</a:t>
+            </a:r>
+            <a:r>
+              <a:rPr lang="pt-BR" sz="2000" dirty="0">
+                <a:latin typeface="Times New Roman" panose="02020603050405020304" pitchFamily="18" charset="0"/>
+                <a:cs typeface="Times New Roman" panose="02020603050405020304" pitchFamily="18" charset="0"/>
+              </a:rPr>
+              <a:t> em uma </a:t>
+            </a:r>
+            <a:r>
+              <a:rPr lang="pt-BR" sz="2000" b="1" dirty="0">
+                <a:solidFill>
+                  <a:srgbClr val="FF0000"/>
+                </a:solidFill>
+                <a:latin typeface="Times New Roman" panose="02020603050405020304" pitchFamily="18" charset="0"/>
+                <a:cs typeface="Times New Roman" panose="02020603050405020304" pitchFamily="18" charset="0"/>
+              </a:rPr>
+              <a:t>lista ligada</a:t>
+            </a:r>
+            <a:r>
+              <a:rPr lang="pt-BR" sz="2000" dirty="0">
+                <a:latin typeface="Times New Roman" panose="02020603050405020304" pitchFamily="18" charset="0"/>
+                <a:cs typeface="Times New Roman" panose="02020603050405020304" pitchFamily="18" charset="0"/>
+              </a:rPr>
+              <a:t>: </a:t>
+            </a:r>
+            <a:r>
+              <a:rPr lang="pt-BR" sz="2000" b="1" dirty="0">
+                <a:solidFill>
+                  <a:schemeClr val="tx1"/>
+                </a:solidFill>
+                <a:latin typeface="Times New Roman" panose="02020603050405020304" pitchFamily="18" charset="0"/>
+                <a:cs typeface="Times New Roman" panose="02020603050405020304" pitchFamily="18" charset="0"/>
+              </a:rPr>
+              <a:t>Complexidade</a:t>
+            </a:r>
+            <a:r>
+              <a:rPr lang="pt-BR" sz="2000" dirty="0">
+                <a:solidFill>
+                  <a:schemeClr val="tx1"/>
+                </a:solidFill>
+                <a:latin typeface="Times New Roman" panose="02020603050405020304" pitchFamily="18" charset="0"/>
+                <a:cs typeface="Times New Roman" panose="02020603050405020304" pitchFamily="18" charset="0"/>
+              </a:rPr>
+              <a:t> da busca passa de O(</a:t>
+            </a:r>
+            <a:r>
+              <a:rPr lang="pt-BR" sz="2000" b="1" dirty="0">
+                <a:solidFill>
+                  <a:srgbClr val="FF0000"/>
+                </a:solidFill>
+                <a:latin typeface="Times New Roman" panose="02020603050405020304" pitchFamily="18" charset="0"/>
+                <a:cs typeface="Times New Roman" panose="02020603050405020304" pitchFamily="18" charset="0"/>
+              </a:rPr>
+              <a:t>log n</a:t>
+            </a:r>
+            <a:r>
+              <a:rPr lang="pt-BR" sz="2000" dirty="0">
+                <a:solidFill>
+                  <a:schemeClr val="tx1"/>
+                </a:solidFill>
+                <a:latin typeface="Times New Roman" panose="02020603050405020304" pitchFamily="18" charset="0"/>
+                <a:cs typeface="Times New Roman" panose="02020603050405020304" pitchFamily="18" charset="0"/>
+              </a:rPr>
+              <a:t>) para O(n</a:t>
+            </a:r>
+            <a:r>
+              <a:rPr lang="pt-BR" sz="2000" b="1" dirty="0">
+                <a:solidFill>
+                  <a:srgbClr val="FF0000"/>
+                </a:solidFill>
+                <a:latin typeface="Times New Roman" panose="02020603050405020304" pitchFamily="18" charset="0"/>
+                <a:cs typeface="Times New Roman" panose="02020603050405020304" pitchFamily="18" charset="0"/>
+              </a:rPr>
+              <a:t>).</a:t>
+            </a:r>
+            <a:r>
+              <a:rPr lang="pt-BR" sz="2000" dirty="0">
+                <a:solidFill>
+                  <a:schemeClr val="tx1"/>
+                </a:solidFill>
+                <a:latin typeface="Times New Roman" panose="02020603050405020304" pitchFamily="18" charset="0"/>
+                <a:cs typeface="Times New Roman" panose="02020603050405020304" pitchFamily="18" charset="0"/>
+              </a:rPr>
+              <a:t> Para evitar isso,  </a:t>
+            </a:r>
+            <a:r>
+              <a:rPr lang="pt-BR" sz="2000" b="1" dirty="0">
+                <a:solidFill>
+                  <a:srgbClr val="FF0000"/>
+                </a:solidFill>
+                <a:latin typeface="Times New Roman" panose="02020603050405020304" pitchFamily="18" charset="0"/>
+                <a:cs typeface="Times New Roman" panose="02020603050405020304" pitchFamily="18" charset="0"/>
+              </a:rPr>
+              <a:t>árvores balanceadas</a:t>
+            </a:r>
+            <a:r>
+              <a:rPr lang="pt-BR" sz="2000" dirty="0">
+                <a:solidFill>
+                  <a:schemeClr val="tx1"/>
+                </a:solidFill>
+                <a:latin typeface="Times New Roman" panose="02020603050405020304" pitchFamily="18" charset="0"/>
+                <a:cs typeface="Times New Roman" panose="02020603050405020304" pitchFamily="18" charset="0"/>
+              </a:rPr>
+              <a:t>.</a:t>
+            </a:r>
+            <a:endParaRPr lang="pt-BR" sz="2000" dirty="0">
+              <a:latin typeface="Times New Roman" panose="02020603050405020304" pitchFamily="18" charset="0"/>
+              <a:cs typeface="Times New Roman" panose="02020603050405020304" pitchFamily="18" charset="0"/>
+            </a:endParaRPr>
+          </a:p>
+          <a:p>
+            <a:pPr marL="3223260" lvl="7" indent="0" algn="just">
+              <a:buNone/>
+            </a:pPr>
+            <a:r>
+              <a:rPr lang="pt-BR" sz="2000" dirty="0">
+                <a:solidFill>
+                  <a:schemeClr val="tx1"/>
+                </a:solidFill>
+                <a:latin typeface="Times New Roman" panose="02020603050405020304" pitchFamily="18" charset="0"/>
+                <a:cs typeface="Times New Roman" panose="02020603050405020304" pitchFamily="18" charset="0"/>
+              </a:rPr>
+              <a:t>1</a:t>
+            </a:r>
+          </a:p>
+          <a:p>
+            <a:pPr marL="3223260" lvl="7" indent="0" algn="just">
+              <a:buNone/>
+            </a:pPr>
+            <a:r>
+              <a:rPr lang="pt-BR" sz="2000" dirty="0">
+                <a:solidFill>
+                  <a:schemeClr val="tx1"/>
+                </a:solidFill>
+                <a:latin typeface="Times New Roman" panose="02020603050405020304" pitchFamily="18" charset="0"/>
+                <a:cs typeface="Times New Roman" panose="02020603050405020304" pitchFamily="18" charset="0"/>
+              </a:rPr>
+              <a:t> \</a:t>
+            </a:r>
+          </a:p>
+          <a:p>
+            <a:pPr marL="3223260" lvl="7" indent="0" algn="just">
+              <a:buNone/>
+            </a:pPr>
+            <a:r>
+              <a:rPr lang="pt-BR" sz="2000" dirty="0">
+                <a:solidFill>
+                  <a:schemeClr val="tx1"/>
+                </a:solidFill>
+                <a:latin typeface="Times New Roman" panose="02020603050405020304" pitchFamily="18" charset="0"/>
+                <a:cs typeface="Times New Roman" panose="02020603050405020304" pitchFamily="18" charset="0"/>
+              </a:rPr>
+              <a:t>  2</a:t>
+            </a:r>
+          </a:p>
+          <a:p>
+            <a:pPr marL="3223260" lvl="7" indent="0" algn="just">
+              <a:buNone/>
+            </a:pPr>
+            <a:r>
+              <a:rPr lang="pt-BR" sz="2000" dirty="0">
+                <a:solidFill>
+                  <a:schemeClr val="tx1"/>
+                </a:solidFill>
+                <a:latin typeface="Times New Roman" panose="02020603050405020304" pitchFamily="18" charset="0"/>
+                <a:cs typeface="Times New Roman" panose="02020603050405020304" pitchFamily="18" charset="0"/>
+              </a:rPr>
+              <a:t>   \</a:t>
+            </a:r>
+          </a:p>
+          <a:p>
+            <a:pPr marL="3223260" lvl="7" indent="0" algn="just">
+              <a:buNone/>
+            </a:pPr>
+            <a:r>
+              <a:rPr lang="pt-BR" sz="2000" dirty="0">
+                <a:solidFill>
+                  <a:schemeClr val="tx1"/>
+                </a:solidFill>
+                <a:latin typeface="Times New Roman" panose="02020603050405020304" pitchFamily="18" charset="0"/>
+                <a:cs typeface="Times New Roman" panose="02020603050405020304" pitchFamily="18" charset="0"/>
+              </a:rPr>
+              <a:t>    3</a:t>
+            </a:r>
+          </a:p>
+          <a:p>
+            <a:pPr marL="3223260" lvl="7" indent="0" algn="just">
+              <a:buNone/>
+            </a:pPr>
+            <a:r>
+              <a:rPr lang="pt-BR" sz="2000" dirty="0">
+                <a:solidFill>
+                  <a:schemeClr val="tx1"/>
+                </a:solidFill>
+                <a:latin typeface="Times New Roman" panose="02020603050405020304" pitchFamily="18" charset="0"/>
+                <a:cs typeface="Times New Roman" panose="02020603050405020304" pitchFamily="18" charset="0"/>
+              </a:rPr>
+              <a:t>     \</a:t>
+            </a:r>
+          </a:p>
+          <a:p>
+            <a:pPr marL="3223260" lvl="7" indent="0" algn="just">
+              <a:buNone/>
+            </a:pPr>
+            <a:r>
+              <a:rPr lang="pt-BR" sz="2000" dirty="0">
+                <a:solidFill>
+                  <a:schemeClr val="tx1"/>
+                </a:solidFill>
+                <a:latin typeface="Times New Roman" panose="02020603050405020304" pitchFamily="18" charset="0"/>
+                <a:cs typeface="Times New Roman" panose="02020603050405020304" pitchFamily="18" charset="0"/>
+              </a:rPr>
+              <a:t>      4</a:t>
+            </a:r>
+          </a:p>
+        </p:txBody>
+      </p:sp>
+    </p:spTree>
+    <p:extLst>
+      <p:ext uri="{BB962C8B-B14F-4D97-AF65-F5344CB8AC3E}">
+        <p14:creationId xmlns:p14="http://schemas.microsoft.com/office/powerpoint/2010/main" val="503818611"/>
+      </p:ext>
+    </p:extLst>
+  </p:cSld>
+  <p:clrMapOvr>
+    <a:masterClrMapping/>
+  </p:clrMapOvr>
+  <p:transition spd="med"/>
+</p:sld>
+</file>
+
+<file path=ppt/slides/slide11.xml><?xml version="1.0" encoding="utf-8"?>
+<p:sld xmlns:a="http://schemas.openxmlformats.org/drawingml/2006/main" xmlns:r="http://schemas.openxmlformats.org/officeDocument/2006/relationships" xmlns:p="http://schemas.openxmlformats.org/presentationml/2006/main">
+  <p:cSld>
+    <p:spTree>
+      <p:nvGrpSpPr>
+        <p:cNvPr id="1" name="">
+          <a:extLst>
+            <a:ext uri="{FF2B5EF4-FFF2-40B4-BE49-F238E27FC236}">
+              <a16:creationId xmlns:a16="http://schemas.microsoft.com/office/drawing/2014/main" id="{720A4C3E-00C0-127C-5421-0288017579BB}"/>
+            </a:ext>
+          </a:extLst>
+        </p:cNvPr>
+        <p:cNvGrpSpPr/>
+        <p:nvPr/>
+      </p:nvGrpSpPr>
+      <p:grpSpPr>
+        <a:xfrm>
+          <a:off x="0" y="0"/>
+          <a:ext cx="0" cy="0"/>
+          <a:chOff x="0" y="0"/>
+          <a:chExt cx="0" cy="0"/>
+        </a:xfrm>
+      </p:grpSpPr>
+      <p:sp>
+        <p:nvSpPr>
+          <p:cNvPr id="6" name="Title 1">
+            <a:extLst>
+              <a:ext uri="{FF2B5EF4-FFF2-40B4-BE49-F238E27FC236}">
+                <a16:creationId xmlns:a16="http://schemas.microsoft.com/office/drawing/2014/main" id="{50AE743D-4E5F-B291-816C-3C373CF42B6C}"/>
+              </a:ext>
+            </a:extLst>
+          </p:cNvPr>
+          <p:cNvSpPr>
+            <a:spLocks noGrp="1"/>
+          </p:cNvSpPr>
+          <p:nvPr>
+            <p:ph type="title"/>
+          </p:nvPr>
+        </p:nvSpPr>
+        <p:spPr>
+          <a:xfrm>
+            <a:off x="457200" y="205980"/>
+            <a:ext cx="8229600" cy="857251"/>
+          </a:xfrm>
+        </p:spPr>
+        <p:txBody>
+          <a:bodyPr>
+            <a:normAutofit/>
+          </a:bodyPr>
+          <a:lstStyle/>
+          <a:p>
+            <a:r>
+              <a:rPr lang="en-US" b="1" dirty="0" err="1">
+                <a:solidFill>
+                  <a:srgbClr val="0070C0"/>
+                </a:solidFill>
+              </a:rPr>
+              <a:t>Definição</a:t>
+            </a:r>
+            <a:r>
+              <a:rPr lang="en-US" b="1" dirty="0">
+                <a:solidFill>
+                  <a:srgbClr val="0070C0"/>
+                </a:solidFill>
+              </a:rPr>
+              <a:t> de </a:t>
+            </a:r>
+            <a:r>
+              <a:rPr lang="en-US" b="1" dirty="0" err="1">
+                <a:solidFill>
+                  <a:srgbClr val="0070C0"/>
+                </a:solidFill>
+              </a:rPr>
+              <a:t>Árvore</a:t>
+            </a:r>
+            <a:r>
+              <a:rPr lang="en-US" b="1" dirty="0">
+                <a:solidFill>
+                  <a:srgbClr val="0070C0"/>
+                </a:solidFill>
+              </a:rPr>
+              <a:t> AVL</a:t>
+            </a:r>
+          </a:p>
+        </p:txBody>
+      </p:sp>
+      <p:sp>
+        <p:nvSpPr>
+          <p:cNvPr id="8" name="Text Placeholder 2">
+            <a:extLst>
+              <a:ext uri="{FF2B5EF4-FFF2-40B4-BE49-F238E27FC236}">
+                <a16:creationId xmlns:a16="http://schemas.microsoft.com/office/drawing/2014/main" id="{6F700BA4-F9D6-44A6-7195-7A93A21544F3}"/>
+              </a:ext>
+            </a:extLst>
+          </p:cNvPr>
+          <p:cNvSpPr>
+            <a:spLocks noGrp="1"/>
+          </p:cNvSpPr>
+          <p:nvPr>
+            <p:ph type="body" sz="half" idx="1"/>
+          </p:nvPr>
+        </p:nvSpPr>
+        <p:spPr>
+          <a:xfrm>
+            <a:off x="142865" y="1200150"/>
+            <a:ext cx="8865056" cy="3737370"/>
+          </a:xfrm>
+        </p:spPr>
+        <p:txBody>
+          <a:bodyPr>
+            <a:noAutofit/>
+          </a:bodyPr>
+          <a:lstStyle/>
+          <a:p>
+            <a:pPr lvl="0"/>
+            <a:r>
+              <a:rPr lang="pt-BR" sz="2200" dirty="0">
+                <a:latin typeface="Times New Roman" panose="02020603050405020304" pitchFamily="18" charset="0"/>
+                <a:cs typeface="Times New Roman" panose="02020603050405020304" pitchFamily="18" charset="0"/>
+              </a:rPr>
+              <a:t>Proposta por </a:t>
+            </a:r>
+            <a:r>
+              <a:rPr lang="pt-BR" sz="2200" b="1" dirty="0">
+                <a:latin typeface="Times New Roman" panose="02020603050405020304" pitchFamily="18" charset="0"/>
+                <a:cs typeface="Times New Roman" panose="02020603050405020304" pitchFamily="18" charset="0"/>
+              </a:rPr>
+              <a:t>Adelson-</a:t>
+            </a:r>
+            <a:r>
+              <a:rPr lang="pt-BR" sz="2200" b="1" dirty="0" err="1">
+                <a:latin typeface="Times New Roman" panose="02020603050405020304" pitchFamily="18" charset="0"/>
+                <a:cs typeface="Times New Roman" panose="02020603050405020304" pitchFamily="18" charset="0"/>
+              </a:rPr>
+              <a:t>Velsky</a:t>
+            </a:r>
+            <a:r>
+              <a:rPr lang="pt-BR" sz="2200" b="1" dirty="0">
+                <a:latin typeface="Times New Roman" panose="02020603050405020304" pitchFamily="18" charset="0"/>
+                <a:cs typeface="Times New Roman" panose="02020603050405020304" pitchFamily="18" charset="0"/>
+              </a:rPr>
+              <a:t> e Landis</a:t>
+            </a:r>
+            <a:r>
+              <a:rPr lang="pt-BR" sz="2200" dirty="0">
+                <a:latin typeface="Times New Roman" panose="02020603050405020304" pitchFamily="18" charset="0"/>
+                <a:cs typeface="Times New Roman" panose="02020603050405020304" pitchFamily="18" charset="0"/>
+              </a:rPr>
+              <a:t> (</a:t>
+            </a:r>
+            <a:r>
+              <a:rPr lang="pt-BR" sz="2200" b="1" dirty="0">
+                <a:solidFill>
+                  <a:srgbClr val="FF0000"/>
+                </a:solidFill>
+                <a:latin typeface="Times New Roman" panose="02020603050405020304" pitchFamily="18" charset="0"/>
+                <a:cs typeface="Times New Roman" panose="02020603050405020304" pitchFamily="18" charset="0"/>
+              </a:rPr>
+              <a:t>1962</a:t>
+            </a:r>
+            <a:r>
+              <a:rPr lang="pt-BR" sz="2200" dirty="0">
+                <a:latin typeface="Times New Roman" panose="02020603050405020304" pitchFamily="18" charset="0"/>
+                <a:cs typeface="Times New Roman" panose="02020603050405020304" pitchFamily="18" charset="0"/>
+              </a:rPr>
+              <a:t>).</a:t>
+            </a:r>
+          </a:p>
+          <a:p>
+            <a:pPr lvl="0"/>
+            <a:r>
+              <a:rPr lang="pt-BR" sz="2200" dirty="0">
+                <a:latin typeface="Times New Roman" panose="02020603050405020304" pitchFamily="18" charset="0"/>
+                <a:cs typeface="Times New Roman" panose="02020603050405020304" pitchFamily="18" charset="0"/>
+              </a:rPr>
+              <a:t>É uma </a:t>
+            </a:r>
+            <a:r>
+              <a:rPr lang="pt-BR" sz="2200" b="1" dirty="0">
+                <a:latin typeface="Times New Roman" panose="02020603050405020304" pitchFamily="18" charset="0"/>
+                <a:cs typeface="Times New Roman" panose="02020603050405020304" pitchFamily="18" charset="0"/>
+              </a:rPr>
+              <a:t>Árvore Binária de Busca balanceada</a:t>
+            </a:r>
+            <a:r>
+              <a:rPr lang="pt-BR" sz="2200" dirty="0">
+                <a:latin typeface="Times New Roman" panose="02020603050405020304" pitchFamily="18" charset="0"/>
+                <a:cs typeface="Times New Roman" panose="02020603050405020304" pitchFamily="18" charset="0"/>
+              </a:rPr>
+              <a:t>.</a:t>
+            </a:r>
+          </a:p>
+          <a:p>
+            <a:pPr lvl="0">
+              <a:buFont typeface="Wingdings" panose="05000000000000000000" pitchFamily="2" charset="2"/>
+              <a:buChar char="§"/>
+            </a:pPr>
+            <a:r>
+              <a:rPr lang="pt-BR" sz="2200" b="1" dirty="0">
+                <a:latin typeface="Times New Roman" panose="02020603050405020304" pitchFamily="18" charset="0"/>
+                <a:cs typeface="Times New Roman" panose="02020603050405020304" pitchFamily="18" charset="0"/>
+              </a:rPr>
+              <a:t>Propriedade AVL:</a:t>
+            </a:r>
+          </a:p>
+          <a:p>
+            <a:pPr lvl="1">
+              <a:buFont typeface="Wingdings" panose="05000000000000000000" pitchFamily="2" charset="2"/>
+              <a:buChar char="q"/>
+            </a:pPr>
+            <a:r>
+              <a:rPr lang="pt-BR" sz="2000" dirty="0">
+                <a:latin typeface="Times New Roman" panose="02020603050405020304" pitchFamily="18" charset="0"/>
+                <a:cs typeface="Times New Roman" panose="02020603050405020304" pitchFamily="18" charset="0"/>
+              </a:rPr>
+              <a:t>Para todo nó, a diferença de altura entre </a:t>
+            </a:r>
+            <a:r>
+              <a:rPr lang="pt-BR" sz="2000" dirty="0" err="1">
+                <a:latin typeface="Times New Roman" panose="02020603050405020304" pitchFamily="18" charset="0"/>
+                <a:cs typeface="Times New Roman" panose="02020603050405020304" pitchFamily="18" charset="0"/>
+              </a:rPr>
+              <a:t>subárvore</a:t>
+            </a:r>
+            <a:r>
+              <a:rPr lang="pt-BR" sz="2000" dirty="0">
+                <a:latin typeface="Times New Roman" panose="02020603050405020304" pitchFamily="18" charset="0"/>
+                <a:cs typeface="Times New Roman" panose="02020603050405020304" pitchFamily="18" charset="0"/>
+              </a:rPr>
+              <a:t> esquerda e direita (</a:t>
+            </a:r>
+            <a:r>
+              <a:rPr lang="pt-BR" sz="2000" b="1" dirty="0">
+                <a:latin typeface="Times New Roman" panose="02020603050405020304" pitchFamily="18" charset="0"/>
+                <a:cs typeface="Times New Roman" panose="02020603050405020304" pitchFamily="18" charset="0"/>
+              </a:rPr>
+              <a:t>fator de balanceamento</a:t>
+            </a:r>
+            <a:r>
+              <a:rPr lang="pt-BR" sz="2000" dirty="0">
+                <a:latin typeface="Times New Roman" panose="02020603050405020304" pitchFamily="18" charset="0"/>
+                <a:cs typeface="Times New Roman" panose="02020603050405020304" pitchFamily="18" charset="0"/>
+              </a:rPr>
+              <a:t>) é no máximo </a:t>
+            </a:r>
+            <a:r>
+              <a:rPr lang="pt-BR" sz="2000" b="1" dirty="0">
+                <a:latin typeface="Times New Roman" panose="02020603050405020304" pitchFamily="18" charset="0"/>
+                <a:cs typeface="Times New Roman" panose="02020603050405020304" pitchFamily="18" charset="0"/>
+              </a:rPr>
+              <a:t>1</a:t>
+            </a:r>
+            <a:r>
+              <a:rPr lang="pt-BR" sz="2000" dirty="0">
+                <a:latin typeface="Times New Roman" panose="02020603050405020304" pitchFamily="18" charset="0"/>
+                <a:cs typeface="Times New Roman" panose="02020603050405020304" pitchFamily="18" charset="0"/>
+              </a:rPr>
+              <a:t>.</a:t>
+            </a:r>
+          </a:p>
+          <a:p>
+            <a:pPr lvl="1">
+              <a:buFont typeface="Wingdings" panose="05000000000000000000" pitchFamily="2" charset="2"/>
+              <a:buChar char="q"/>
+            </a:pPr>
+            <a:r>
+              <a:rPr lang="pt-BR" sz="2000" b="1" dirty="0">
+                <a:latin typeface="Times New Roman" panose="02020603050405020304" pitchFamily="18" charset="0"/>
+                <a:cs typeface="Times New Roman" panose="02020603050405020304" pitchFamily="18" charset="0"/>
+              </a:rPr>
+              <a:t>FB(n) </a:t>
+            </a:r>
+            <a:r>
+              <a:rPr lang="pt-BR" sz="2000" dirty="0">
+                <a:latin typeface="Times New Roman" panose="02020603050405020304" pitchFamily="18" charset="0"/>
+                <a:cs typeface="Times New Roman" panose="02020603050405020304" pitchFamily="18" charset="0"/>
+              </a:rPr>
+              <a:t>= altura(</a:t>
+            </a:r>
+            <a:r>
+              <a:rPr lang="pt-BR" sz="2000" b="1" dirty="0" err="1">
+                <a:solidFill>
+                  <a:srgbClr val="FF0000"/>
+                </a:solidFill>
+                <a:latin typeface="Times New Roman" panose="02020603050405020304" pitchFamily="18" charset="0"/>
+                <a:cs typeface="Times New Roman" panose="02020603050405020304" pitchFamily="18" charset="0"/>
+              </a:rPr>
+              <a:t>subarvore_esquerda</a:t>
+            </a:r>
+            <a:r>
+              <a:rPr lang="pt-BR" sz="2000" dirty="0">
+                <a:latin typeface="Times New Roman" panose="02020603050405020304" pitchFamily="18" charset="0"/>
+                <a:cs typeface="Times New Roman" panose="02020603050405020304" pitchFamily="18" charset="0"/>
+              </a:rPr>
+              <a:t>) − altura(</a:t>
+            </a:r>
+            <a:r>
+              <a:rPr lang="pt-BR" sz="2000" b="1" dirty="0" err="1">
+                <a:solidFill>
+                  <a:srgbClr val="FF0000"/>
+                </a:solidFill>
+                <a:latin typeface="Times New Roman" panose="02020603050405020304" pitchFamily="18" charset="0"/>
+                <a:cs typeface="Times New Roman" panose="02020603050405020304" pitchFamily="18" charset="0"/>
+              </a:rPr>
+              <a:t>subarvore_direita</a:t>
+            </a:r>
+            <a:r>
+              <a:rPr lang="pt-BR" sz="2000" dirty="0">
+                <a:latin typeface="Times New Roman" panose="02020603050405020304" pitchFamily="18" charset="0"/>
+                <a:cs typeface="Times New Roman" panose="02020603050405020304" pitchFamily="18" charset="0"/>
+              </a:rPr>
+              <a:t>)  </a:t>
+            </a:r>
+          </a:p>
+          <a:p>
+            <a:pPr lvl="0"/>
+            <a:r>
+              <a:rPr lang="pt-BR" sz="2200" dirty="0">
+                <a:latin typeface="Times New Roman" panose="02020603050405020304" pitchFamily="18" charset="0"/>
+                <a:cs typeface="Times New Roman" panose="02020603050405020304" pitchFamily="18" charset="0"/>
+              </a:rPr>
+              <a:t>Valores possíveis de FB: </a:t>
+            </a:r>
+            <a:r>
+              <a:rPr lang="pt-BR" sz="2200" b="1" dirty="0">
+                <a:latin typeface="Times New Roman" panose="02020603050405020304" pitchFamily="18" charset="0"/>
+                <a:cs typeface="Times New Roman" panose="02020603050405020304" pitchFamily="18" charset="0"/>
+              </a:rPr>
+              <a:t>-1, 0, +1</a:t>
+            </a:r>
+            <a:r>
+              <a:rPr lang="pt-BR" sz="2200" dirty="0">
+                <a:latin typeface="Times New Roman" panose="02020603050405020304" pitchFamily="18" charset="0"/>
+                <a:cs typeface="Times New Roman" panose="02020603050405020304" pitchFamily="18" charset="0"/>
+              </a:rPr>
+              <a:t>.</a:t>
+            </a:r>
+          </a:p>
+        </p:txBody>
+      </p:sp>
+    </p:spTree>
+    <p:extLst>
+      <p:ext uri="{BB962C8B-B14F-4D97-AF65-F5344CB8AC3E}">
+        <p14:creationId xmlns:p14="http://schemas.microsoft.com/office/powerpoint/2010/main" val="2529093546"/>
+      </p:ext>
+    </p:extLst>
+  </p:cSld>
+  <p:clrMapOvr>
+    <a:masterClrMapping/>
+  </p:clrMapOvr>
+  <p:transition spd="med"/>
+</p:sld>
+</file>
+
+<file path=ppt/slides/slide12.xml><?xml version="1.0" encoding="utf-8"?>
+<p:sld xmlns:a="http://schemas.openxmlformats.org/drawingml/2006/main" xmlns:r="http://schemas.openxmlformats.org/officeDocument/2006/relationships" xmlns:p="http://schemas.openxmlformats.org/presentationml/2006/main">
+  <p:cSld>
+    <p:spTree>
+      <p:nvGrpSpPr>
+        <p:cNvPr id="1" name="">
+          <a:extLst>
+            <a:ext uri="{FF2B5EF4-FFF2-40B4-BE49-F238E27FC236}">
+              <a16:creationId xmlns:a16="http://schemas.microsoft.com/office/drawing/2014/main" id="{FD3C973B-CFA3-0017-1326-CE2360B49A06}"/>
+            </a:ext>
+          </a:extLst>
+        </p:cNvPr>
+        <p:cNvGrpSpPr/>
+        <p:nvPr/>
+      </p:nvGrpSpPr>
+      <p:grpSpPr>
+        <a:xfrm>
+          <a:off x="0" y="0"/>
+          <a:ext cx="0" cy="0"/>
+          <a:chOff x="0" y="0"/>
+          <a:chExt cx="0" cy="0"/>
+        </a:xfrm>
+      </p:grpSpPr>
+      <p:sp>
+        <p:nvSpPr>
+          <p:cNvPr id="6" name="Title 1">
+            <a:extLst>
+              <a:ext uri="{FF2B5EF4-FFF2-40B4-BE49-F238E27FC236}">
+                <a16:creationId xmlns:a16="http://schemas.microsoft.com/office/drawing/2014/main" id="{6933AA58-5D1F-1989-B47D-8197C6BCB836}"/>
+              </a:ext>
+            </a:extLst>
+          </p:cNvPr>
+          <p:cNvSpPr>
+            <a:spLocks noGrp="1"/>
+          </p:cNvSpPr>
+          <p:nvPr>
+            <p:ph type="title"/>
+          </p:nvPr>
+        </p:nvSpPr>
+        <p:spPr>
+          <a:xfrm>
+            <a:off x="457200" y="205980"/>
+            <a:ext cx="8229600" cy="857251"/>
+          </a:xfrm>
+        </p:spPr>
+        <p:txBody>
+          <a:bodyPr>
+            <a:normAutofit/>
+          </a:bodyPr>
+          <a:lstStyle/>
+          <a:p>
+            <a:r>
+              <a:rPr lang="en-US" b="1" dirty="0" err="1">
+                <a:solidFill>
+                  <a:srgbClr val="0070C0"/>
+                </a:solidFill>
+              </a:rPr>
+              <a:t>Balanceamento</a:t>
+            </a:r>
+            <a:r>
+              <a:rPr lang="en-US" b="1" dirty="0">
+                <a:solidFill>
+                  <a:srgbClr val="0070C0"/>
+                </a:solidFill>
+              </a:rPr>
+              <a:t> com </a:t>
+            </a:r>
+            <a:r>
+              <a:rPr lang="en-US" b="1" dirty="0" err="1">
+                <a:solidFill>
+                  <a:srgbClr val="0070C0"/>
+                </a:solidFill>
+              </a:rPr>
+              <a:t>Rotações</a:t>
+            </a:r>
+            <a:r>
+              <a:rPr lang="en-US" b="1" dirty="0">
+                <a:solidFill>
+                  <a:srgbClr val="0070C0"/>
+                </a:solidFill>
+              </a:rPr>
+              <a:t> AVL</a:t>
+            </a:r>
+          </a:p>
+        </p:txBody>
+      </p:sp>
+      <p:sp>
+        <p:nvSpPr>
+          <p:cNvPr id="8" name="Text Placeholder 2">
+            <a:extLst>
+              <a:ext uri="{FF2B5EF4-FFF2-40B4-BE49-F238E27FC236}">
+                <a16:creationId xmlns:a16="http://schemas.microsoft.com/office/drawing/2014/main" id="{FE9269D6-CA2C-A588-979D-5559F336FA4A}"/>
+              </a:ext>
+            </a:extLst>
+          </p:cNvPr>
+          <p:cNvSpPr>
+            <a:spLocks noGrp="1"/>
+          </p:cNvSpPr>
+          <p:nvPr>
+            <p:ph type="body" sz="half" idx="1"/>
+          </p:nvPr>
+        </p:nvSpPr>
+        <p:spPr>
+          <a:xfrm>
+            <a:off x="142865" y="1200150"/>
+            <a:ext cx="8865056" cy="3737370"/>
+          </a:xfrm>
+        </p:spPr>
+        <p:txBody>
+          <a:bodyPr>
+            <a:noAutofit/>
+          </a:bodyPr>
+          <a:lstStyle/>
+          <a:p>
+            <a:pPr marL="0" indent="0" algn="just">
+              <a:buNone/>
+            </a:pPr>
+            <a:r>
+              <a:rPr lang="pt-BR" sz="2200" dirty="0">
+                <a:latin typeface="Times New Roman" panose="02020603050405020304" pitchFamily="18" charset="0"/>
+                <a:cs typeface="Times New Roman" panose="02020603050405020304" pitchFamily="18" charset="0"/>
+              </a:rPr>
+              <a:t>Quando ocorre </a:t>
+            </a:r>
+            <a:r>
+              <a:rPr lang="pt-BR" sz="2200" b="1" dirty="0">
+                <a:latin typeface="Times New Roman" panose="02020603050405020304" pitchFamily="18" charset="0"/>
+                <a:cs typeface="Times New Roman" panose="02020603050405020304" pitchFamily="18" charset="0"/>
+              </a:rPr>
+              <a:t>inserção ou remoção </a:t>
+            </a:r>
+            <a:r>
+              <a:rPr lang="pt-BR" sz="2200" dirty="0">
+                <a:latin typeface="Times New Roman" panose="02020603050405020304" pitchFamily="18" charset="0"/>
+                <a:cs typeface="Times New Roman" panose="02020603050405020304" pitchFamily="18" charset="0"/>
+              </a:rPr>
+              <a:t>que </a:t>
+            </a:r>
+            <a:r>
+              <a:rPr lang="pt-BR" sz="2200" b="1" dirty="0">
+                <a:solidFill>
+                  <a:srgbClr val="FF0000"/>
+                </a:solidFill>
+                <a:latin typeface="Times New Roman" panose="02020603050405020304" pitchFamily="18" charset="0"/>
+                <a:cs typeface="Times New Roman" panose="02020603050405020304" pitchFamily="18" charset="0"/>
+              </a:rPr>
+              <a:t>quebra o balanceamento</a:t>
+            </a:r>
+            <a:r>
+              <a:rPr lang="pt-BR" sz="2200" dirty="0">
+                <a:latin typeface="Times New Roman" panose="02020603050405020304" pitchFamily="18" charset="0"/>
+                <a:cs typeface="Times New Roman" panose="02020603050405020304" pitchFamily="18" charset="0"/>
+              </a:rPr>
+              <a:t>, a </a:t>
+            </a:r>
+            <a:r>
+              <a:rPr lang="pt-BR" sz="2200" b="1" dirty="0">
+                <a:latin typeface="Times New Roman" panose="02020603050405020304" pitchFamily="18" charset="0"/>
+                <a:cs typeface="Times New Roman" panose="02020603050405020304" pitchFamily="18" charset="0"/>
+              </a:rPr>
+              <a:t>AVL aplica rotações</a:t>
+            </a:r>
+            <a:r>
+              <a:rPr lang="pt-BR" sz="2200" dirty="0">
+                <a:latin typeface="Times New Roman" panose="02020603050405020304" pitchFamily="18" charset="0"/>
+                <a:cs typeface="Times New Roman" panose="02020603050405020304" pitchFamily="18" charset="0"/>
+              </a:rPr>
+              <a:t> para corrigir.</a:t>
+            </a:r>
+          </a:p>
+          <a:p>
+            <a:pPr marL="0" indent="0" algn="just">
+              <a:buNone/>
+            </a:pPr>
+            <a:endParaRPr lang="pt-BR" sz="2200" dirty="0">
+              <a:latin typeface="Times New Roman" panose="02020603050405020304" pitchFamily="18" charset="0"/>
+              <a:cs typeface="Times New Roman" panose="02020603050405020304" pitchFamily="18" charset="0"/>
+            </a:endParaRPr>
+          </a:p>
+          <a:p>
+            <a:pPr marL="0" indent="0" algn="just">
+              <a:buNone/>
+            </a:pPr>
+            <a:r>
+              <a:rPr lang="pt-BR" sz="2200" b="1" dirty="0">
+                <a:solidFill>
+                  <a:srgbClr val="FF0000"/>
+                </a:solidFill>
+                <a:latin typeface="Times New Roman" panose="02020603050405020304" pitchFamily="18" charset="0"/>
+                <a:cs typeface="Times New Roman" panose="02020603050405020304" pitchFamily="18" charset="0"/>
+              </a:rPr>
+              <a:t>Tipos de rotações</a:t>
+            </a:r>
+            <a:r>
+              <a:rPr lang="pt-BR" sz="2200" dirty="0">
+                <a:latin typeface="Times New Roman" panose="02020603050405020304" pitchFamily="18" charset="0"/>
+                <a:cs typeface="Times New Roman" panose="02020603050405020304" pitchFamily="18" charset="0"/>
+              </a:rPr>
+              <a:t>:</a:t>
+            </a:r>
+          </a:p>
+          <a:p>
+            <a:pPr algn="just">
+              <a:buFont typeface="Wingdings" panose="05000000000000000000" pitchFamily="2" charset="2"/>
+              <a:buChar char="§"/>
+            </a:pPr>
+            <a:r>
+              <a:rPr lang="pt-BR" sz="2200" dirty="0">
+                <a:latin typeface="Times New Roman" panose="02020603050405020304" pitchFamily="18" charset="0"/>
+                <a:cs typeface="Times New Roman" panose="02020603050405020304" pitchFamily="18" charset="0"/>
+              </a:rPr>
+              <a:t>Rotação Simples à Direita (</a:t>
+            </a:r>
+            <a:r>
+              <a:rPr lang="pt-BR" sz="2200" b="1" dirty="0">
+                <a:latin typeface="Times New Roman" panose="02020603050405020304" pitchFamily="18" charset="0"/>
+                <a:cs typeface="Times New Roman" panose="02020603050405020304" pitchFamily="18" charset="0"/>
+              </a:rPr>
+              <a:t>RR</a:t>
+            </a:r>
+            <a:r>
+              <a:rPr lang="pt-BR" sz="2200" dirty="0">
+                <a:latin typeface="Times New Roman" panose="02020603050405020304" pitchFamily="18" charset="0"/>
+                <a:cs typeface="Times New Roman" panose="02020603050405020304" pitchFamily="18" charset="0"/>
+              </a:rPr>
+              <a:t>)</a:t>
+            </a:r>
+          </a:p>
+          <a:p>
+            <a:pPr algn="just">
+              <a:buFont typeface="Wingdings" panose="05000000000000000000" pitchFamily="2" charset="2"/>
+              <a:buChar char="§"/>
+            </a:pPr>
+            <a:r>
+              <a:rPr lang="pt-BR" sz="2200" dirty="0">
+                <a:latin typeface="Times New Roman" panose="02020603050405020304" pitchFamily="18" charset="0"/>
+                <a:cs typeface="Times New Roman" panose="02020603050405020304" pitchFamily="18" charset="0"/>
+              </a:rPr>
+              <a:t>Rotação Simples à Esquerda (</a:t>
+            </a:r>
+            <a:r>
+              <a:rPr lang="pt-BR" sz="2200" b="1" dirty="0">
+                <a:latin typeface="Times New Roman" panose="02020603050405020304" pitchFamily="18" charset="0"/>
+                <a:cs typeface="Times New Roman" panose="02020603050405020304" pitchFamily="18" charset="0"/>
+              </a:rPr>
+              <a:t>LL</a:t>
+            </a:r>
+            <a:r>
+              <a:rPr lang="pt-BR" sz="2200" dirty="0">
+                <a:latin typeface="Times New Roman" panose="02020603050405020304" pitchFamily="18" charset="0"/>
+                <a:cs typeface="Times New Roman" panose="02020603050405020304" pitchFamily="18" charset="0"/>
+              </a:rPr>
+              <a:t>)</a:t>
+            </a:r>
+          </a:p>
+          <a:p>
+            <a:pPr algn="just">
+              <a:buFont typeface="Wingdings" panose="05000000000000000000" pitchFamily="2" charset="2"/>
+              <a:buChar char="§"/>
+            </a:pPr>
+            <a:r>
+              <a:rPr lang="pt-BR" sz="2200" dirty="0">
+                <a:latin typeface="Times New Roman" panose="02020603050405020304" pitchFamily="18" charset="0"/>
+                <a:cs typeface="Times New Roman" panose="02020603050405020304" pitchFamily="18" charset="0"/>
+              </a:rPr>
+              <a:t>Rotação Dupla à Direita (</a:t>
+            </a:r>
+            <a:r>
+              <a:rPr lang="pt-BR" sz="2200" b="1" dirty="0">
+                <a:solidFill>
+                  <a:srgbClr val="FF0000"/>
+                </a:solidFill>
+                <a:latin typeface="Times New Roman" panose="02020603050405020304" pitchFamily="18" charset="0"/>
+                <a:cs typeface="Times New Roman" panose="02020603050405020304" pitchFamily="18" charset="0"/>
+              </a:rPr>
+              <a:t>LR</a:t>
+            </a:r>
+            <a:r>
+              <a:rPr lang="pt-BR" sz="2200" dirty="0">
+                <a:latin typeface="Times New Roman" panose="02020603050405020304" pitchFamily="18" charset="0"/>
+                <a:cs typeface="Times New Roman" panose="02020603050405020304" pitchFamily="18" charset="0"/>
+              </a:rPr>
+              <a:t>)</a:t>
+            </a:r>
+          </a:p>
+          <a:p>
+            <a:pPr algn="just">
+              <a:buFont typeface="Wingdings" panose="05000000000000000000" pitchFamily="2" charset="2"/>
+              <a:buChar char="§"/>
+            </a:pPr>
+            <a:r>
+              <a:rPr lang="pt-BR" sz="2200" dirty="0">
+                <a:latin typeface="Times New Roman" panose="02020603050405020304" pitchFamily="18" charset="0"/>
+                <a:cs typeface="Times New Roman" panose="02020603050405020304" pitchFamily="18" charset="0"/>
+              </a:rPr>
+              <a:t>Rotação Dupla à Esquerda (</a:t>
+            </a:r>
+            <a:r>
+              <a:rPr lang="pt-BR" sz="2200" b="1" dirty="0">
+                <a:solidFill>
+                  <a:srgbClr val="FF0000"/>
+                </a:solidFill>
+                <a:latin typeface="Times New Roman" panose="02020603050405020304" pitchFamily="18" charset="0"/>
+                <a:cs typeface="Times New Roman" panose="02020603050405020304" pitchFamily="18" charset="0"/>
+              </a:rPr>
+              <a:t>RL</a:t>
+            </a:r>
+            <a:r>
+              <a:rPr lang="pt-BR" sz="2200" dirty="0">
+                <a:latin typeface="Times New Roman" panose="02020603050405020304" pitchFamily="18" charset="0"/>
+                <a:cs typeface="Times New Roman" panose="02020603050405020304" pitchFamily="18" charset="0"/>
+              </a:rPr>
+              <a:t>)</a:t>
+            </a:r>
+            <a:endParaRPr lang="pt-BR" sz="2200" dirty="0">
+              <a:solidFill>
+                <a:schemeClr val="tx1"/>
+              </a:solidFill>
+              <a:latin typeface="Times New Roman" panose="02020603050405020304" pitchFamily="18" charset="0"/>
+              <a:cs typeface="Times New Roman" panose="02020603050405020304" pitchFamily="18" charset="0"/>
+            </a:endParaRPr>
+          </a:p>
+        </p:txBody>
+      </p:sp>
+    </p:spTree>
+    <p:extLst>
+      <p:ext uri="{BB962C8B-B14F-4D97-AF65-F5344CB8AC3E}">
+        <p14:creationId xmlns:p14="http://schemas.microsoft.com/office/powerpoint/2010/main" val="715683358"/>
+      </p:ext>
+    </p:extLst>
+  </p:cSld>
+  <p:clrMapOvr>
+    <a:masterClrMapping/>
+  </p:clrMapOvr>
+  <p:transition spd="med"/>
+</p:sld>
+</file>
+
+<file path=ppt/slides/slide13.xml><?xml version="1.0" encoding="utf-8"?>
+<p:sld xmlns:a="http://schemas.openxmlformats.org/drawingml/2006/main" xmlns:r="http://schemas.openxmlformats.org/officeDocument/2006/relationships" xmlns:p="http://schemas.openxmlformats.org/presentationml/2006/main">
+  <p:cSld>
+    <p:spTree>
+      <p:nvGrpSpPr>
+        <p:cNvPr id="1" name="">
+          <a:extLst>
+            <a:ext uri="{FF2B5EF4-FFF2-40B4-BE49-F238E27FC236}">
+              <a16:creationId xmlns:a16="http://schemas.microsoft.com/office/drawing/2014/main" id="{CC951FD3-A488-8A7B-A503-F828DF867A12}"/>
+            </a:ext>
+          </a:extLst>
+        </p:cNvPr>
+        <p:cNvGrpSpPr/>
+        <p:nvPr/>
+      </p:nvGrpSpPr>
+      <p:grpSpPr>
+        <a:xfrm>
+          <a:off x="0" y="0"/>
+          <a:ext cx="0" cy="0"/>
+          <a:chOff x="0" y="0"/>
+          <a:chExt cx="0" cy="0"/>
+        </a:xfrm>
+      </p:grpSpPr>
+      <p:sp>
+        <p:nvSpPr>
+          <p:cNvPr id="6" name="Title 1">
+            <a:extLst>
+              <a:ext uri="{FF2B5EF4-FFF2-40B4-BE49-F238E27FC236}">
+                <a16:creationId xmlns:a16="http://schemas.microsoft.com/office/drawing/2014/main" id="{C8240248-2BE8-C2EE-87A0-5BA276689D39}"/>
+              </a:ext>
+            </a:extLst>
+          </p:cNvPr>
+          <p:cNvSpPr>
+            <a:spLocks noGrp="1"/>
+          </p:cNvSpPr>
+          <p:nvPr>
+            <p:ph type="title"/>
+          </p:nvPr>
+        </p:nvSpPr>
+        <p:spPr>
+          <a:xfrm>
+            <a:off x="457200" y="205980"/>
+            <a:ext cx="8229600" cy="857251"/>
+          </a:xfrm>
+        </p:spPr>
+        <p:txBody>
+          <a:bodyPr>
+            <a:normAutofit fontScale="90000"/>
+          </a:bodyPr>
+          <a:lstStyle/>
+          <a:p>
+            <a:r>
+              <a:rPr lang="en-US" b="1" dirty="0" err="1">
+                <a:solidFill>
+                  <a:srgbClr val="0070C0"/>
+                </a:solidFill>
+              </a:rPr>
+              <a:t>Exemplo</a:t>
+            </a:r>
+            <a:r>
+              <a:rPr lang="en-US" b="1" dirty="0">
+                <a:solidFill>
+                  <a:srgbClr val="0070C0"/>
+                </a:solidFill>
+              </a:rPr>
+              <a:t> </a:t>
+            </a:r>
+            <a:r>
+              <a:rPr lang="en-US" b="1" dirty="0" err="1">
+                <a:solidFill>
+                  <a:srgbClr val="0070C0"/>
+                </a:solidFill>
+              </a:rPr>
+              <a:t>Balanc</a:t>
+            </a:r>
+            <a:r>
+              <a:rPr lang="en-US" b="1" dirty="0">
+                <a:solidFill>
+                  <a:srgbClr val="0070C0"/>
+                </a:solidFill>
+              </a:rPr>
+              <a:t>. com </a:t>
+            </a:r>
+            <a:r>
+              <a:rPr lang="en-US" b="1" dirty="0" err="1">
+                <a:solidFill>
+                  <a:srgbClr val="0070C0"/>
+                </a:solidFill>
+              </a:rPr>
+              <a:t>Rotações</a:t>
+            </a:r>
+            <a:r>
+              <a:rPr lang="en-US" b="1" dirty="0">
+                <a:solidFill>
+                  <a:srgbClr val="0070C0"/>
+                </a:solidFill>
+              </a:rPr>
+              <a:t> AVL</a:t>
+            </a:r>
+          </a:p>
+        </p:txBody>
+      </p:sp>
+      <p:sp>
+        <p:nvSpPr>
+          <p:cNvPr id="8" name="Text Placeholder 2">
+            <a:extLst>
+              <a:ext uri="{FF2B5EF4-FFF2-40B4-BE49-F238E27FC236}">
+                <a16:creationId xmlns:a16="http://schemas.microsoft.com/office/drawing/2014/main" id="{BE819A43-3A47-BCA8-33BB-849A0283FA35}"/>
+              </a:ext>
+            </a:extLst>
+          </p:cNvPr>
+          <p:cNvSpPr>
+            <a:spLocks noGrp="1"/>
+          </p:cNvSpPr>
+          <p:nvPr>
+            <p:ph type="body" sz="half" idx="1"/>
+          </p:nvPr>
+        </p:nvSpPr>
+        <p:spPr>
+          <a:xfrm>
+            <a:off x="142865" y="1200150"/>
+            <a:ext cx="8865056" cy="3737370"/>
+          </a:xfrm>
+        </p:spPr>
+        <p:txBody>
+          <a:bodyPr>
+            <a:noAutofit/>
+          </a:bodyPr>
+          <a:lstStyle/>
+          <a:p>
+            <a:pPr marL="0" indent="0" algn="just">
+              <a:buNone/>
+            </a:pPr>
+            <a:r>
+              <a:rPr lang="pt-BR" sz="2200" dirty="0">
+                <a:latin typeface="Times New Roman" panose="02020603050405020304" pitchFamily="18" charset="0"/>
+                <a:cs typeface="Times New Roman" panose="02020603050405020304" pitchFamily="18" charset="0"/>
+              </a:rPr>
+              <a:t>Inserindo </a:t>
+            </a:r>
+            <a:r>
+              <a:rPr lang="pt-BR" sz="2200" b="1" dirty="0">
+                <a:latin typeface="Times New Roman" panose="02020603050405020304" pitchFamily="18" charset="0"/>
+                <a:cs typeface="Times New Roman" panose="02020603050405020304" pitchFamily="18" charset="0"/>
+              </a:rPr>
+              <a:t>10, 20, 30 </a:t>
+            </a:r>
+            <a:r>
+              <a:rPr lang="pt-BR" sz="2200" dirty="0">
+                <a:latin typeface="Times New Roman" panose="02020603050405020304" pitchFamily="18" charset="0"/>
+                <a:cs typeface="Times New Roman" panose="02020603050405020304" pitchFamily="18" charset="0"/>
+              </a:rPr>
+              <a:t>em uma árvore </a:t>
+            </a:r>
+            <a:r>
+              <a:rPr lang="pt-BR" sz="2200" b="1" dirty="0">
+                <a:latin typeface="Times New Roman" panose="02020603050405020304" pitchFamily="18" charset="0"/>
+                <a:cs typeface="Times New Roman" panose="02020603050405020304" pitchFamily="18" charset="0"/>
+              </a:rPr>
+              <a:t>AVL</a:t>
+            </a:r>
+            <a:r>
+              <a:rPr lang="pt-BR" sz="2200" dirty="0">
+                <a:latin typeface="Times New Roman" panose="02020603050405020304" pitchFamily="18" charset="0"/>
+                <a:cs typeface="Times New Roman" panose="02020603050405020304" pitchFamily="18" charset="0"/>
+              </a:rPr>
+              <a:t>:</a:t>
+            </a:r>
+          </a:p>
+          <a:p>
+            <a:pPr marL="0" indent="0" algn="just">
+              <a:buNone/>
+            </a:pPr>
+            <a:endParaRPr lang="pt-BR" sz="2200" dirty="0">
+              <a:latin typeface="Times New Roman" panose="02020603050405020304" pitchFamily="18" charset="0"/>
+              <a:cs typeface="Times New Roman" panose="02020603050405020304" pitchFamily="18" charset="0"/>
+            </a:endParaRPr>
+          </a:p>
+          <a:p>
+            <a:pPr marL="0" indent="0" algn="just">
+              <a:buNone/>
+            </a:pPr>
+            <a:r>
+              <a:rPr lang="pt-BR" sz="2200" b="1" dirty="0">
+                <a:latin typeface="Times New Roman" panose="02020603050405020304" pitchFamily="18" charset="0"/>
+                <a:cs typeface="Times New Roman" panose="02020603050405020304" pitchFamily="18" charset="0"/>
+              </a:rPr>
+              <a:t>Passo 1</a:t>
+            </a:r>
+            <a:r>
+              <a:rPr lang="pt-BR" sz="2200" dirty="0">
+                <a:latin typeface="Times New Roman" panose="02020603050405020304" pitchFamily="18" charset="0"/>
+                <a:cs typeface="Times New Roman" panose="02020603050405020304" pitchFamily="18" charset="0"/>
+              </a:rPr>
+              <a:t>: Inserir 10</a:t>
+            </a:r>
+          </a:p>
+          <a:p>
+            <a:pPr marL="0" indent="0" algn="just">
+              <a:buNone/>
+            </a:pPr>
+            <a:r>
+              <a:rPr lang="pt-BR" sz="2200" b="1" dirty="0">
+                <a:solidFill>
+                  <a:schemeClr val="tx1"/>
+                </a:solidFill>
+                <a:latin typeface="Times New Roman" panose="02020603050405020304" pitchFamily="18" charset="0"/>
+                <a:cs typeface="Times New Roman" panose="02020603050405020304" pitchFamily="18" charset="0"/>
+              </a:rPr>
+              <a:t>Passo 2</a:t>
+            </a:r>
+            <a:r>
+              <a:rPr lang="pt-BR" sz="2200" dirty="0">
+                <a:solidFill>
+                  <a:schemeClr val="tx1"/>
+                </a:solidFill>
+                <a:latin typeface="Times New Roman" panose="02020603050405020304" pitchFamily="18" charset="0"/>
+                <a:cs typeface="Times New Roman" panose="02020603050405020304" pitchFamily="18" charset="0"/>
+              </a:rPr>
+              <a:t>: Inserir 20</a:t>
+            </a:r>
+          </a:p>
+          <a:p>
+            <a:pPr marL="0" indent="0" algn="just">
+              <a:buNone/>
+            </a:pPr>
+            <a:r>
+              <a:rPr lang="pt-BR" sz="2200" b="1" dirty="0">
+                <a:solidFill>
+                  <a:schemeClr val="tx1"/>
+                </a:solidFill>
+                <a:latin typeface="Times New Roman" panose="02020603050405020304" pitchFamily="18" charset="0"/>
+                <a:cs typeface="Times New Roman" panose="02020603050405020304" pitchFamily="18" charset="0"/>
+              </a:rPr>
+              <a:t>Passo 3</a:t>
+            </a:r>
+            <a:r>
+              <a:rPr lang="pt-BR" sz="2200" dirty="0">
+                <a:solidFill>
+                  <a:schemeClr val="tx1"/>
+                </a:solidFill>
+                <a:latin typeface="Times New Roman" panose="02020603050405020304" pitchFamily="18" charset="0"/>
+                <a:cs typeface="Times New Roman" panose="02020603050405020304" pitchFamily="18" charset="0"/>
+              </a:rPr>
+              <a:t>: Inserir 30 (</a:t>
+            </a:r>
+            <a:r>
+              <a:rPr lang="pt-BR" sz="2200" b="1" dirty="0" err="1">
+                <a:solidFill>
+                  <a:srgbClr val="FF0000"/>
+                </a:solidFill>
+                <a:latin typeface="Times New Roman" panose="02020603050405020304" pitchFamily="18" charset="0"/>
+                <a:cs typeface="Times New Roman" panose="02020603050405020304" pitchFamily="18" charset="0"/>
+              </a:rPr>
+              <a:t>desbalanceia</a:t>
+            </a:r>
+            <a:r>
+              <a:rPr lang="pt-BR" sz="2200" dirty="0">
+                <a:solidFill>
+                  <a:schemeClr val="tx1"/>
+                </a:solidFill>
+                <a:latin typeface="Times New Roman" panose="02020603050405020304" pitchFamily="18" charset="0"/>
+                <a:cs typeface="Times New Roman" panose="02020603050405020304" pitchFamily="18" charset="0"/>
+              </a:rPr>
+              <a:t>)</a:t>
+            </a:r>
+          </a:p>
+          <a:p>
+            <a:pPr marL="0" indent="0" algn="just">
+              <a:buNone/>
+            </a:pPr>
+            <a:endParaRPr lang="pt-BR" sz="2200" dirty="0">
+              <a:solidFill>
+                <a:schemeClr val="tx1"/>
+              </a:solidFill>
+              <a:latin typeface="Times New Roman" panose="02020603050405020304" pitchFamily="18" charset="0"/>
+              <a:cs typeface="Times New Roman" panose="02020603050405020304" pitchFamily="18" charset="0"/>
+            </a:endParaRPr>
+          </a:p>
+          <a:p>
+            <a:pPr marL="0" indent="0" algn="just">
+              <a:buNone/>
+            </a:pPr>
+            <a:r>
+              <a:rPr lang="pt-BR" sz="2200" b="1" dirty="0">
+                <a:solidFill>
+                  <a:srgbClr val="FF0000"/>
+                </a:solidFill>
+                <a:latin typeface="Times New Roman" panose="02020603050405020304" pitchFamily="18" charset="0"/>
+                <a:cs typeface="Times New Roman" panose="02020603050405020304" pitchFamily="18" charset="0"/>
+              </a:rPr>
+              <a:t>Fator de balanceamento </a:t>
+            </a:r>
+            <a:r>
+              <a:rPr lang="pt-BR" sz="2200" dirty="0">
+                <a:solidFill>
+                  <a:schemeClr val="tx1"/>
+                </a:solidFill>
+                <a:latin typeface="Times New Roman" panose="02020603050405020304" pitchFamily="18" charset="0"/>
+                <a:cs typeface="Times New Roman" panose="02020603050405020304" pitchFamily="18" charset="0"/>
+              </a:rPr>
+              <a:t>do </a:t>
+            </a:r>
+            <a:r>
+              <a:rPr lang="pt-BR" sz="2200" b="1" dirty="0">
+                <a:solidFill>
+                  <a:schemeClr val="tx1"/>
+                </a:solidFill>
+                <a:latin typeface="Times New Roman" panose="02020603050405020304" pitchFamily="18" charset="0"/>
+                <a:cs typeface="Times New Roman" panose="02020603050405020304" pitchFamily="18" charset="0"/>
+              </a:rPr>
+              <a:t>nó 10 </a:t>
+            </a:r>
+            <a:r>
+              <a:rPr lang="pt-BR" sz="2200" dirty="0">
+                <a:solidFill>
+                  <a:schemeClr val="tx1"/>
+                </a:solidFill>
+                <a:latin typeface="Times New Roman" panose="02020603050405020304" pitchFamily="18" charset="0"/>
+                <a:cs typeface="Times New Roman" panose="02020603050405020304" pitchFamily="18" charset="0"/>
+              </a:rPr>
+              <a:t>= </a:t>
+            </a:r>
+            <a:r>
+              <a:rPr lang="pt-BR" sz="2200" b="1" dirty="0">
+                <a:solidFill>
+                  <a:srgbClr val="FF0000"/>
+                </a:solidFill>
+                <a:latin typeface="Times New Roman" panose="02020603050405020304" pitchFamily="18" charset="0"/>
+                <a:cs typeface="Times New Roman" panose="02020603050405020304" pitchFamily="18" charset="0"/>
+              </a:rPr>
+              <a:t>-2 → inválido</a:t>
+            </a:r>
+            <a:r>
+              <a:rPr lang="pt-BR" sz="2200" dirty="0">
+                <a:solidFill>
+                  <a:schemeClr val="tx1"/>
+                </a:solidFill>
+                <a:latin typeface="Times New Roman" panose="02020603050405020304" pitchFamily="18" charset="0"/>
+                <a:cs typeface="Times New Roman" panose="02020603050405020304" pitchFamily="18" charset="0"/>
+              </a:rPr>
+              <a:t>.</a:t>
+            </a:r>
+          </a:p>
+          <a:p>
+            <a:pPr marL="0" indent="0" algn="just">
+              <a:buNone/>
+            </a:pPr>
+            <a:r>
+              <a:rPr lang="pt-BR" sz="2200" dirty="0">
+                <a:solidFill>
+                  <a:schemeClr val="tx1"/>
+                </a:solidFill>
+                <a:latin typeface="Times New Roman" panose="02020603050405020304" pitchFamily="18" charset="0"/>
+                <a:cs typeface="Times New Roman" panose="02020603050405020304" pitchFamily="18" charset="0"/>
+              </a:rPr>
+              <a:t>Corrige com </a:t>
+            </a:r>
+            <a:r>
+              <a:rPr lang="pt-BR" sz="2200" b="1" dirty="0">
+                <a:solidFill>
+                  <a:schemeClr val="tx1"/>
+                </a:solidFill>
+                <a:latin typeface="Times New Roman" panose="02020603050405020304" pitchFamily="18" charset="0"/>
+                <a:cs typeface="Times New Roman" panose="02020603050405020304" pitchFamily="18" charset="0"/>
+              </a:rPr>
+              <a:t>Rotação Simples à Esquerda</a:t>
+            </a:r>
+            <a:r>
+              <a:rPr lang="pt-BR" sz="2200" dirty="0">
+                <a:solidFill>
+                  <a:schemeClr val="tx1"/>
+                </a:solidFill>
+                <a:latin typeface="Times New Roman" panose="02020603050405020304" pitchFamily="18" charset="0"/>
+                <a:cs typeface="Times New Roman" panose="02020603050405020304" pitchFamily="18" charset="0"/>
+              </a:rPr>
+              <a:t>. </a:t>
+            </a:r>
+            <a:r>
+              <a:rPr lang="pt-BR" sz="2200" b="1" dirty="0">
+                <a:solidFill>
+                  <a:srgbClr val="FF0000"/>
+                </a:solidFill>
+                <a:latin typeface="Times New Roman" panose="02020603050405020304" pitchFamily="18" charset="0"/>
+                <a:cs typeface="Times New Roman" panose="02020603050405020304" pitchFamily="18" charset="0"/>
+              </a:rPr>
+              <a:t>Árvore balanceada</a:t>
+            </a:r>
+            <a:r>
+              <a:rPr lang="pt-BR" sz="2200" dirty="0">
+                <a:solidFill>
+                  <a:schemeClr val="tx1"/>
+                </a:solidFill>
+                <a:latin typeface="Times New Roman" panose="02020603050405020304" pitchFamily="18" charset="0"/>
+                <a:cs typeface="Times New Roman" panose="02020603050405020304" pitchFamily="18" charset="0"/>
+              </a:rPr>
+              <a:t>.</a:t>
+            </a:r>
+          </a:p>
+        </p:txBody>
+      </p:sp>
+      <p:sp>
+        <p:nvSpPr>
+          <p:cNvPr id="2" name="CaixaDeTexto 1">
+            <a:extLst>
+              <a:ext uri="{FF2B5EF4-FFF2-40B4-BE49-F238E27FC236}">
+                <a16:creationId xmlns:a16="http://schemas.microsoft.com/office/drawing/2014/main" id="{B39F7D2E-DE1C-D510-B113-E6C04487BF25}"/>
+              </a:ext>
+            </a:extLst>
+          </p:cNvPr>
+          <p:cNvSpPr txBox="1"/>
+          <p:nvPr/>
+        </p:nvSpPr>
+        <p:spPr>
+          <a:xfrm>
+            <a:off x="6629401" y="1279090"/>
+            <a:ext cx="1331258" cy="2585319"/>
+          </a:xfrm>
+          <a:prstGeom prst="rect">
+            <a:avLst/>
+          </a:prstGeom>
+          <a:noFill/>
+          <a:ln w="12700" cap="flat">
+            <a:noFill/>
+            <a:miter lim="400000"/>
+          </a:ln>
+        </p:spPr>
+        <p:style>
+          <a:lnRef idx="0">
+            <a:scrgbClr r="0" g="0" b="0"/>
+          </a:lnRef>
+          <a:fillRef idx="0">
+            <a:scrgbClr r="0" g="0" b="0"/>
+          </a:fillRef>
+          <a:effectRef idx="0">
+            <a:scrgbClr r="0" g="0" b="0"/>
+          </a:effectRef>
+          <a:fontRef idx="none"/>
+        </p:style>
+        <p:txBody>
+          <a:bodyPr rot="0" spcFirstLastPara="1" vertOverflow="overflow" horzOverflow="overflow" vert="horz" wrap="square" lIns="45718" tIns="45718" rIns="45718" bIns="45718" numCol="1" spcCol="38100" rtlCol="0" anchor="t">
+            <a:spAutoFit/>
+          </a:bodyPr>
+          <a:lstStyle/>
+          <a:p>
+            <a:pPr lvl="3"/>
+            <a:r>
+              <a:rPr lang="pt-BR" b="1" dirty="0">
+                <a:latin typeface="Times New Roman" panose="02020603050405020304" pitchFamily="18" charset="0"/>
+                <a:cs typeface="Times New Roman" panose="02020603050405020304" pitchFamily="18" charset="0"/>
+              </a:rPr>
+              <a:t> 10</a:t>
+            </a:r>
+          </a:p>
+          <a:p>
+            <a:pPr lvl="3"/>
+            <a:r>
+              <a:rPr lang="pt-BR" b="1" dirty="0">
+                <a:latin typeface="Times New Roman" panose="02020603050405020304" pitchFamily="18" charset="0"/>
+                <a:cs typeface="Times New Roman" panose="02020603050405020304" pitchFamily="18" charset="0"/>
+              </a:rPr>
+              <a:t>     \</a:t>
+            </a:r>
+          </a:p>
+          <a:p>
+            <a:pPr lvl="3"/>
+            <a:r>
+              <a:rPr lang="pt-BR" b="1" dirty="0">
+                <a:latin typeface="Times New Roman" panose="02020603050405020304" pitchFamily="18" charset="0"/>
+                <a:cs typeface="Times New Roman" panose="02020603050405020304" pitchFamily="18" charset="0"/>
+              </a:rPr>
+              <a:t>      20</a:t>
+            </a:r>
+          </a:p>
+          <a:p>
+            <a:pPr lvl="3"/>
+            <a:r>
+              <a:rPr lang="pt-BR" b="1" dirty="0">
+                <a:latin typeface="Times New Roman" panose="02020603050405020304" pitchFamily="18" charset="0"/>
+                <a:cs typeface="Times New Roman" panose="02020603050405020304" pitchFamily="18" charset="0"/>
+              </a:rPr>
+              <a:t>        \</a:t>
+            </a:r>
+          </a:p>
+          <a:p>
+            <a:pPr lvl="3"/>
+            <a:r>
+              <a:rPr lang="pt-BR" b="1" dirty="0">
+                <a:latin typeface="Times New Roman" panose="02020603050405020304" pitchFamily="18" charset="0"/>
+                <a:cs typeface="Times New Roman" panose="02020603050405020304" pitchFamily="18" charset="0"/>
+              </a:rPr>
+              <a:t>         30</a:t>
+            </a:r>
+          </a:p>
+          <a:p>
+            <a:endParaRPr lang="pt-BR" b="1" dirty="0">
+              <a:solidFill>
+                <a:srgbClr val="FF0000"/>
+              </a:solidFill>
+              <a:latin typeface="Times New Roman" panose="02020603050405020304" pitchFamily="18" charset="0"/>
+              <a:cs typeface="Times New Roman" panose="02020603050405020304" pitchFamily="18" charset="0"/>
+            </a:endParaRPr>
+          </a:p>
+          <a:p>
+            <a:pPr lvl="2"/>
+            <a:r>
+              <a:rPr lang="pt-BR" b="1" dirty="0">
+                <a:solidFill>
+                  <a:srgbClr val="FF0000"/>
+                </a:solidFill>
+                <a:latin typeface="Times New Roman" panose="02020603050405020304" pitchFamily="18" charset="0"/>
+                <a:cs typeface="Times New Roman" panose="02020603050405020304" pitchFamily="18" charset="0"/>
+              </a:rPr>
+              <a:t>    	  20</a:t>
+            </a:r>
+          </a:p>
+          <a:p>
+            <a:pPr lvl="2"/>
+            <a:r>
+              <a:rPr lang="pt-BR" b="1" dirty="0">
+                <a:solidFill>
+                  <a:srgbClr val="FF0000"/>
+                </a:solidFill>
+                <a:latin typeface="Times New Roman" panose="02020603050405020304" pitchFamily="18" charset="0"/>
+                <a:cs typeface="Times New Roman" panose="02020603050405020304" pitchFamily="18" charset="0"/>
+              </a:rPr>
+              <a:t>  	  /  \</a:t>
+            </a:r>
+          </a:p>
+          <a:p>
+            <a:pPr lvl="2"/>
+            <a:r>
+              <a:rPr lang="pt-BR" b="1" dirty="0">
+                <a:solidFill>
+                  <a:srgbClr val="FF0000"/>
+                </a:solidFill>
+                <a:latin typeface="Times New Roman" panose="02020603050405020304" pitchFamily="18" charset="0"/>
+                <a:cs typeface="Times New Roman" panose="02020603050405020304" pitchFamily="18" charset="0"/>
+              </a:rPr>
+              <a:t>   	10   30</a:t>
+            </a:r>
+            <a:endParaRPr kumimoji="0" lang="pt-BR" b="1" i="0" u="none" strike="noStrike" cap="none" spc="0" normalizeH="0" baseline="0" dirty="0">
+              <a:ln>
+                <a:noFill/>
+              </a:ln>
+              <a:solidFill>
+                <a:srgbClr val="FF0000"/>
+              </a:solidFill>
+              <a:effectLst/>
+              <a:uFillTx/>
+              <a:latin typeface="Times New Roman" panose="02020603050405020304" pitchFamily="18" charset="0"/>
+              <a:cs typeface="Times New Roman" panose="02020603050405020304" pitchFamily="18" charset="0"/>
+              <a:sym typeface="Calibri"/>
+            </a:endParaRPr>
+          </a:p>
+        </p:txBody>
+      </p:sp>
+    </p:spTree>
+    <p:extLst>
+      <p:ext uri="{BB962C8B-B14F-4D97-AF65-F5344CB8AC3E}">
+        <p14:creationId xmlns:p14="http://schemas.microsoft.com/office/powerpoint/2010/main" val="2442447882"/>
+      </p:ext>
+    </p:extLst>
+  </p:cSld>
+  <p:clrMapOvr>
+    <a:masterClrMapping/>
+  </p:clrMapOvr>
+  <p:transition spd="med"/>
+</p:sld>
+</file>
+
+<file path=ppt/slides/slide14.xml><?xml version="1.0" encoding="utf-8"?>
+<p:sld xmlns:a="http://schemas.openxmlformats.org/drawingml/2006/main" xmlns:r="http://schemas.openxmlformats.org/officeDocument/2006/relationships" xmlns:p="http://schemas.openxmlformats.org/presentationml/2006/main">
+  <p:cSld>
+    <p:spTree>
+      <p:nvGrpSpPr>
+        <p:cNvPr id="1" name="">
+          <a:extLst>
+            <a:ext uri="{FF2B5EF4-FFF2-40B4-BE49-F238E27FC236}">
+              <a16:creationId xmlns:a16="http://schemas.microsoft.com/office/drawing/2014/main" id="{2DA92FD2-1CAF-471D-77C9-59E6AF42B17E}"/>
+            </a:ext>
+          </a:extLst>
+        </p:cNvPr>
+        <p:cNvGrpSpPr/>
+        <p:nvPr/>
+      </p:nvGrpSpPr>
+      <p:grpSpPr>
+        <a:xfrm>
+          <a:off x="0" y="0"/>
+          <a:ext cx="0" cy="0"/>
+          <a:chOff x="0" y="0"/>
+          <a:chExt cx="0" cy="0"/>
+        </a:xfrm>
+      </p:grpSpPr>
+      <p:sp>
+        <p:nvSpPr>
+          <p:cNvPr id="6" name="Title 1">
+            <a:extLst>
+              <a:ext uri="{FF2B5EF4-FFF2-40B4-BE49-F238E27FC236}">
+                <a16:creationId xmlns:a16="http://schemas.microsoft.com/office/drawing/2014/main" id="{02244BEC-14B6-B346-45B2-D12292A3B80E}"/>
+              </a:ext>
+            </a:extLst>
+          </p:cNvPr>
+          <p:cNvSpPr>
+            <a:spLocks noGrp="1"/>
+          </p:cNvSpPr>
+          <p:nvPr>
+            <p:ph type="title"/>
+          </p:nvPr>
+        </p:nvSpPr>
+        <p:spPr>
+          <a:xfrm>
+            <a:off x="457200" y="205980"/>
+            <a:ext cx="8229600" cy="857251"/>
+          </a:xfrm>
+        </p:spPr>
+        <p:txBody>
+          <a:bodyPr>
+            <a:normAutofit fontScale="90000"/>
+          </a:bodyPr>
+          <a:lstStyle/>
+          <a:p>
+            <a:r>
+              <a:rPr lang="en-US" b="1" dirty="0" err="1">
+                <a:solidFill>
+                  <a:srgbClr val="0070C0"/>
+                </a:solidFill>
+              </a:rPr>
+              <a:t>Complexidade</a:t>
+            </a:r>
+            <a:r>
+              <a:rPr lang="en-US" b="1" dirty="0">
+                <a:solidFill>
+                  <a:srgbClr val="0070C0"/>
+                </a:solidFill>
+              </a:rPr>
+              <a:t> Bal. com </a:t>
+            </a:r>
+            <a:r>
+              <a:rPr lang="en-US" b="1" dirty="0" err="1">
+                <a:solidFill>
+                  <a:srgbClr val="0070C0"/>
+                </a:solidFill>
+              </a:rPr>
+              <a:t>Rotações</a:t>
+            </a:r>
+            <a:r>
+              <a:rPr lang="en-US" b="1" dirty="0">
+                <a:solidFill>
+                  <a:srgbClr val="0070C0"/>
+                </a:solidFill>
+              </a:rPr>
+              <a:t> AVL</a:t>
+            </a:r>
+          </a:p>
+        </p:txBody>
+      </p:sp>
+      <p:sp>
+        <p:nvSpPr>
+          <p:cNvPr id="8" name="Text Placeholder 2">
+            <a:extLst>
+              <a:ext uri="{FF2B5EF4-FFF2-40B4-BE49-F238E27FC236}">
+                <a16:creationId xmlns:a16="http://schemas.microsoft.com/office/drawing/2014/main" id="{21F1E5E4-5CDE-058B-AE21-AD7A792BFB2D}"/>
+              </a:ext>
+            </a:extLst>
+          </p:cNvPr>
+          <p:cNvSpPr>
+            <a:spLocks noGrp="1"/>
+          </p:cNvSpPr>
+          <p:nvPr>
+            <p:ph type="body" sz="half" idx="1"/>
+          </p:nvPr>
+        </p:nvSpPr>
+        <p:spPr>
+          <a:xfrm>
+            <a:off x="142865" y="1200150"/>
+            <a:ext cx="8865056" cy="3737370"/>
+          </a:xfrm>
+        </p:spPr>
+        <p:txBody>
+          <a:bodyPr>
+            <a:noAutofit/>
+          </a:bodyPr>
+          <a:lstStyle/>
+          <a:p>
+            <a:pPr marL="0" indent="0" algn="just">
+              <a:buNone/>
+            </a:pPr>
+            <a:endParaRPr lang="pt-BR" sz="2200" dirty="0">
+              <a:latin typeface="Times New Roman" panose="02020603050405020304" pitchFamily="18" charset="0"/>
+              <a:cs typeface="Times New Roman" panose="02020603050405020304" pitchFamily="18" charset="0"/>
+            </a:endParaRPr>
+          </a:p>
+          <a:p>
+            <a:pPr marL="0" indent="0" algn="just">
+              <a:buNone/>
+            </a:pPr>
+            <a:endParaRPr lang="pt-BR" sz="2200" dirty="0">
+              <a:latin typeface="Times New Roman" panose="02020603050405020304" pitchFamily="18" charset="0"/>
+              <a:cs typeface="Times New Roman" panose="02020603050405020304" pitchFamily="18" charset="0"/>
+            </a:endParaRPr>
+          </a:p>
+        </p:txBody>
+      </p:sp>
+      <p:graphicFrame>
+        <p:nvGraphicFramePr>
+          <p:cNvPr id="3" name="Tabela 2">
+            <a:extLst>
+              <a:ext uri="{FF2B5EF4-FFF2-40B4-BE49-F238E27FC236}">
+                <a16:creationId xmlns:a16="http://schemas.microsoft.com/office/drawing/2014/main" id="{B385840A-D270-8F32-F0C0-1AE5C174E7B8}"/>
+              </a:ext>
+            </a:extLst>
+          </p:cNvPr>
+          <p:cNvGraphicFramePr>
+            <a:graphicFrameLocks noGrp="1"/>
+          </p:cNvGraphicFramePr>
+          <p:nvPr>
+            <p:extLst>
+              <p:ext uri="{D42A27DB-BD31-4B8C-83A1-F6EECF244321}">
+                <p14:modId xmlns:p14="http://schemas.microsoft.com/office/powerpoint/2010/main" val="1078877196"/>
+              </p:ext>
+            </p:extLst>
+          </p:nvPr>
+        </p:nvGraphicFramePr>
+        <p:xfrm>
+          <a:off x="598393" y="1200150"/>
+          <a:ext cx="7947213" cy="2900332"/>
+        </p:xfrm>
+        <a:graphic>
+          <a:graphicData uri="http://schemas.openxmlformats.org/drawingml/2006/table">
+            <a:tbl>
+              <a:tblPr firstRow="1" firstCol="1" bandRow="1">
+                <a:tableStyleId>{5C22544A-7EE6-4342-B048-85BDC9FD1C3A}</a:tableStyleId>
+              </a:tblPr>
+              <a:tblGrid>
+                <a:gridCol w="2918413">
+                  <a:extLst>
+                    <a:ext uri="{9D8B030D-6E8A-4147-A177-3AD203B41FA5}">
+                      <a16:colId xmlns:a16="http://schemas.microsoft.com/office/drawing/2014/main" val="1685279882"/>
+                    </a:ext>
+                  </a:extLst>
+                </a:gridCol>
+                <a:gridCol w="1567532">
+                  <a:extLst>
+                    <a:ext uri="{9D8B030D-6E8A-4147-A177-3AD203B41FA5}">
+                      <a16:colId xmlns:a16="http://schemas.microsoft.com/office/drawing/2014/main" val="2213916785"/>
+                    </a:ext>
+                  </a:extLst>
+                </a:gridCol>
+                <a:gridCol w="1672618">
+                  <a:extLst>
+                    <a:ext uri="{9D8B030D-6E8A-4147-A177-3AD203B41FA5}">
+                      <a16:colId xmlns:a16="http://schemas.microsoft.com/office/drawing/2014/main" val="3291998600"/>
+                    </a:ext>
+                  </a:extLst>
+                </a:gridCol>
+                <a:gridCol w="1788650">
+                  <a:extLst>
+                    <a:ext uri="{9D8B030D-6E8A-4147-A177-3AD203B41FA5}">
+                      <a16:colId xmlns:a16="http://schemas.microsoft.com/office/drawing/2014/main" val="520718073"/>
+                    </a:ext>
+                  </a:extLst>
+                </a:gridCol>
+              </a:tblGrid>
+              <a:tr h="725083">
+                <a:tc>
+                  <a:txBody>
+                    <a:bodyPr/>
+                    <a:lstStyle/>
+                    <a:p>
+                      <a:pPr algn="ctr">
+                        <a:lnSpc>
+                          <a:spcPct val="107000"/>
+                        </a:lnSpc>
+                        <a:spcAft>
+                          <a:spcPts val="800"/>
+                        </a:spcAft>
+                        <a:buNone/>
+                      </a:pPr>
+                      <a:r>
+                        <a:rPr lang="pt-BR" sz="2400" kern="100" dirty="0">
+                          <a:effectLst/>
+                          <a:latin typeface="Times New Roman" panose="02020603050405020304" pitchFamily="18" charset="0"/>
+                          <a:cs typeface="Times New Roman" panose="02020603050405020304" pitchFamily="18" charset="0"/>
+                        </a:rPr>
+                        <a:t>Estrutura</a:t>
+                      </a:r>
+                      <a:endParaRPr lang="pt-BR" sz="2400" kern="100" dirty="0">
+                        <a:effectLst/>
+                        <a:latin typeface="Times New Roman" panose="02020603050405020304" pitchFamily="18" charset="0"/>
+                        <a:ea typeface="Aptos" panose="020B0004020202020204" pitchFamily="34" charset="0"/>
+                        <a:cs typeface="Times New Roman" panose="02020603050405020304" pitchFamily="18" charset="0"/>
+                      </a:endParaRPr>
+                    </a:p>
+                  </a:txBody>
+                  <a:tcPr marL="9525" marR="9525" marT="9525" marB="9525" anchor="ctr"/>
+                </a:tc>
+                <a:tc>
+                  <a:txBody>
+                    <a:bodyPr/>
+                    <a:lstStyle/>
+                    <a:p>
+                      <a:pPr algn="ctr">
+                        <a:lnSpc>
+                          <a:spcPct val="107000"/>
+                        </a:lnSpc>
+                        <a:spcAft>
+                          <a:spcPts val="800"/>
+                        </a:spcAft>
+                        <a:buNone/>
+                      </a:pPr>
+                      <a:r>
+                        <a:rPr lang="pt-BR" sz="2400" kern="100">
+                          <a:effectLst/>
+                          <a:latin typeface="Times New Roman" panose="02020603050405020304" pitchFamily="18" charset="0"/>
+                          <a:cs typeface="Times New Roman" panose="02020603050405020304" pitchFamily="18" charset="0"/>
+                        </a:rPr>
+                        <a:t>Busca</a:t>
+                      </a:r>
+                      <a:endParaRPr lang="pt-BR" sz="2400" kern="100">
+                        <a:effectLst/>
+                        <a:latin typeface="Times New Roman" panose="02020603050405020304" pitchFamily="18" charset="0"/>
+                        <a:ea typeface="Aptos" panose="020B0004020202020204" pitchFamily="34" charset="0"/>
+                        <a:cs typeface="Times New Roman" panose="02020603050405020304" pitchFamily="18" charset="0"/>
+                      </a:endParaRPr>
+                    </a:p>
+                  </a:txBody>
+                  <a:tcPr marL="9525" marR="9525" marT="9525" marB="9525" anchor="ctr"/>
+                </a:tc>
+                <a:tc>
+                  <a:txBody>
+                    <a:bodyPr/>
+                    <a:lstStyle/>
+                    <a:p>
+                      <a:pPr algn="ctr">
+                        <a:lnSpc>
+                          <a:spcPct val="107000"/>
+                        </a:lnSpc>
+                        <a:spcAft>
+                          <a:spcPts val="800"/>
+                        </a:spcAft>
+                        <a:buNone/>
+                      </a:pPr>
+                      <a:r>
+                        <a:rPr lang="pt-BR" sz="2400" kern="100">
+                          <a:effectLst/>
+                          <a:latin typeface="Times New Roman" panose="02020603050405020304" pitchFamily="18" charset="0"/>
+                          <a:cs typeface="Times New Roman" panose="02020603050405020304" pitchFamily="18" charset="0"/>
+                        </a:rPr>
+                        <a:t>Inserção</a:t>
+                      </a:r>
+                      <a:endParaRPr lang="pt-BR" sz="2400" kern="100">
+                        <a:effectLst/>
+                        <a:latin typeface="Times New Roman" panose="02020603050405020304" pitchFamily="18" charset="0"/>
+                        <a:ea typeface="Aptos" panose="020B0004020202020204" pitchFamily="34" charset="0"/>
+                        <a:cs typeface="Times New Roman" panose="02020603050405020304" pitchFamily="18" charset="0"/>
+                      </a:endParaRPr>
+                    </a:p>
+                  </a:txBody>
+                  <a:tcPr marL="9525" marR="9525" marT="9525" marB="9525" anchor="ctr"/>
+                </a:tc>
+                <a:tc>
+                  <a:txBody>
+                    <a:bodyPr/>
+                    <a:lstStyle/>
+                    <a:p>
+                      <a:pPr algn="ctr">
+                        <a:lnSpc>
+                          <a:spcPct val="107000"/>
+                        </a:lnSpc>
+                        <a:spcAft>
+                          <a:spcPts val="800"/>
+                        </a:spcAft>
+                        <a:buNone/>
+                      </a:pPr>
+                      <a:r>
+                        <a:rPr lang="pt-BR" sz="2400" kern="100">
+                          <a:effectLst/>
+                          <a:latin typeface="Times New Roman" panose="02020603050405020304" pitchFamily="18" charset="0"/>
+                          <a:cs typeface="Times New Roman" panose="02020603050405020304" pitchFamily="18" charset="0"/>
+                        </a:rPr>
+                        <a:t>Remoção</a:t>
+                      </a:r>
+                      <a:endParaRPr lang="pt-BR" sz="2400" kern="100">
+                        <a:effectLst/>
+                        <a:latin typeface="Times New Roman" panose="02020603050405020304" pitchFamily="18" charset="0"/>
+                        <a:ea typeface="Aptos" panose="020B0004020202020204" pitchFamily="34" charset="0"/>
+                        <a:cs typeface="Times New Roman" panose="02020603050405020304" pitchFamily="18" charset="0"/>
+                      </a:endParaRPr>
+                    </a:p>
+                  </a:txBody>
+                  <a:tcPr marL="9525" marR="9525" marT="9525" marB="9525" anchor="ctr"/>
+                </a:tc>
+                <a:extLst>
+                  <a:ext uri="{0D108BD9-81ED-4DB2-BD59-A6C34878D82A}">
+                    <a16:rowId xmlns:a16="http://schemas.microsoft.com/office/drawing/2014/main" val="851692082"/>
+                  </a:ext>
+                </a:extLst>
+              </a:tr>
+              <a:tr h="725083">
+                <a:tc>
+                  <a:txBody>
+                    <a:bodyPr/>
+                    <a:lstStyle/>
+                    <a:p>
+                      <a:pPr>
+                        <a:lnSpc>
+                          <a:spcPct val="107000"/>
+                        </a:lnSpc>
+                        <a:spcAft>
+                          <a:spcPts val="800"/>
+                        </a:spcAft>
+                        <a:buNone/>
+                      </a:pPr>
+                      <a:r>
+                        <a:rPr lang="pt-BR" sz="2400" kern="100">
+                          <a:effectLst/>
+                          <a:latin typeface="Times New Roman" panose="02020603050405020304" pitchFamily="18" charset="0"/>
+                          <a:cs typeface="Times New Roman" panose="02020603050405020304" pitchFamily="18" charset="0"/>
+                        </a:rPr>
+                        <a:t>BST (média)</a:t>
+                      </a:r>
+                      <a:endParaRPr lang="pt-BR" sz="2400" kern="100">
+                        <a:effectLst/>
+                        <a:latin typeface="Times New Roman" panose="02020603050405020304" pitchFamily="18" charset="0"/>
+                        <a:ea typeface="Aptos" panose="020B0004020202020204" pitchFamily="34" charset="0"/>
+                        <a:cs typeface="Times New Roman" panose="02020603050405020304" pitchFamily="18" charset="0"/>
+                      </a:endParaRPr>
+                    </a:p>
+                  </a:txBody>
+                  <a:tcPr marL="9525" marR="9525" marT="9525" marB="9525" anchor="ctr"/>
+                </a:tc>
+                <a:tc>
+                  <a:txBody>
+                    <a:bodyPr/>
+                    <a:lstStyle/>
+                    <a:p>
+                      <a:pPr>
+                        <a:lnSpc>
+                          <a:spcPct val="107000"/>
+                        </a:lnSpc>
+                        <a:spcAft>
+                          <a:spcPts val="800"/>
+                        </a:spcAft>
+                        <a:buNone/>
+                      </a:pPr>
+                      <a:r>
+                        <a:rPr lang="pt-BR" sz="2400" kern="100" dirty="0">
+                          <a:effectLst/>
+                          <a:latin typeface="Times New Roman" panose="02020603050405020304" pitchFamily="18" charset="0"/>
+                          <a:cs typeface="Times New Roman" panose="02020603050405020304" pitchFamily="18" charset="0"/>
+                        </a:rPr>
+                        <a:t>O(</a:t>
+                      </a:r>
+                      <a:r>
+                        <a:rPr lang="pt-BR" sz="2400" b="1" kern="100" dirty="0">
+                          <a:effectLst/>
+                          <a:latin typeface="Times New Roman" panose="02020603050405020304" pitchFamily="18" charset="0"/>
+                          <a:cs typeface="Times New Roman" panose="02020603050405020304" pitchFamily="18" charset="0"/>
+                        </a:rPr>
+                        <a:t>log n</a:t>
+                      </a:r>
+                      <a:r>
+                        <a:rPr lang="pt-BR" sz="2400" kern="100" dirty="0">
+                          <a:effectLst/>
+                          <a:latin typeface="Times New Roman" panose="02020603050405020304" pitchFamily="18" charset="0"/>
+                          <a:cs typeface="Times New Roman" panose="02020603050405020304" pitchFamily="18" charset="0"/>
+                        </a:rPr>
+                        <a:t>)</a:t>
+                      </a:r>
+                      <a:endParaRPr lang="pt-BR" sz="2400" kern="100" dirty="0">
+                        <a:effectLst/>
+                        <a:latin typeface="Times New Roman" panose="02020603050405020304" pitchFamily="18" charset="0"/>
+                        <a:ea typeface="Aptos" panose="020B0004020202020204" pitchFamily="34" charset="0"/>
+                        <a:cs typeface="Times New Roman" panose="02020603050405020304" pitchFamily="18" charset="0"/>
+                      </a:endParaRPr>
+                    </a:p>
+                  </a:txBody>
+                  <a:tcPr marL="9525" marR="9525" marT="9525" marB="9525" anchor="ctr"/>
+                </a:tc>
+                <a:tc>
+                  <a:txBody>
+                    <a:bodyPr/>
+                    <a:lstStyle/>
+                    <a:p>
+                      <a:pPr>
+                        <a:lnSpc>
+                          <a:spcPct val="107000"/>
+                        </a:lnSpc>
+                        <a:spcAft>
+                          <a:spcPts val="800"/>
+                        </a:spcAft>
+                        <a:buNone/>
+                      </a:pPr>
+                      <a:r>
+                        <a:rPr lang="pt-BR" sz="2400" kern="100" dirty="0">
+                          <a:effectLst/>
+                          <a:latin typeface="Times New Roman" panose="02020603050405020304" pitchFamily="18" charset="0"/>
+                          <a:cs typeface="Times New Roman" panose="02020603050405020304" pitchFamily="18" charset="0"/>
+                        </a:rPr>
+                        <a:t>O(</a:t>
+                      </a:r>
+                      <a:r>
+                        <a:rPr lang="pt-BR" sz="2400" b="1" kern="100" dirty="0">
+                          <a:effectLst/>
+                          <a:latin typeface="Times New Roman" panose="02020603050405020304" pitchFamily="18" charset="0"/>
+                          <a:cs typeface="Times New Roman" panose="02020603050405020304" pitchFamily="18" charset="0"/>
+                        </a:rPr>
+                        <a:t>log n</a:t>
+                      </a:r>
+                      <a:r>
+                        <a:rPr lang="pt-BR" sz="2400" kern="100" dirty="0">
+                          <a:effectLst/>
+                          <a:latin typeface="Times New Roman" panose="02020603050405020304" pitchFamily="18" charset="0"/>
+                          <a:cs typeface="Times New Roman" panose="02020603050405020304" pitchFamily="18" charset="0"/>
+                        </a:rPr>
+                        <a:t>)</a:t>
+                      </a:r>
+                      <a:endParaRPr lang="pt-BR" sz="2400" kern="100" dirty="0">
+                        <a:effectLst/>
+                        <a:latin typeface="Times New Roman" panose="02020603050405020304" pitchFamily="18" charset="0"/>
+                        <a:ea typeface="Aptos" panose="020B0004020202020204" pitchFamily="34" charset="0"/>
+                        <a:cs typeface="Times New Roman" panose="02020603050405020304" pitchFamily="18" charset="0"/>
+                      </a:endParaRPr>
+                    </a:p>
+                  </a:txBody>
+                  <a:tcPr marL="9525" marR="9525" marT="9525" marB="9525" anchor="ctr"/>
+                </a:tc>
+                <a:tc>
+                  <a:txBody>
+                    <a:bodyPr/>
+                    <a:lstStyle/>
+                    <a:p>
+                      <a:pPr>
+                        <a:lnSpc>
+                          <a:spcPct val="107000"/>
+                        </a:lnSpc>
+                        <a:spcAft>
+                          <a:spcPts val="800"/>
+                        </a:spcAft>
+                        <a:buNone/>
+                      </a:pPr>
+                      <a:r>
+                        <a:rPr lang="pt-BR" sz="2400" kern="100" dirty="0">
+                          <a:effectLst/>
+                          <a:latin typeface="Times New Roman" panose="02020603050405020304" pitchFamily="18" charset="0"/>
+                          <a:cs typeface="Times New Roman" panose="02020603050405020304" pitchFamily="18" charset="0"/>
+                        </a:rPr>
+                        <a:t>O(</a:t>
+                      </a:r>
+                      <a:r>
+                        <a:rPr lang="pt-BR" sz="2400" b="1" kern="100" dirty="0">
+                          <a:effectLst/>
+                          <a:latin typeface="Times New Roman" panose="02020603050405020304" pitchFamily="18" charset="0"/>
+                          <a:cs typeface="Times New Roman" panose="02020603050405020304" pitchFamily="18" charset="0"/>
+                        </a:rPr>
+                        <a:t>log n</a:t>
+                      </a:r>
+                      <a:r>
+                        <a:rPr lang="pt-BR" sz="2400" kern="100" dirty="0">
+                          <a:effectLst/>
+                          <a:latin typeface="Times New Roman" panose="02020603050405020304" pitchFamily="18" charset="0"/>
+                          <a:cs typeface="Times New Roman" panose="02020603050405020304" pitchFamily="18" charset="0"/>
+                        </a:rPr>
+                        <a:t>)</a:t>
+                      </a:r>
+                      <a:endParaRPr lang="pt-BR" sz="2400" kern="100" dirty="0">
+                        <a:effectLst/>
+                        <a:latin typeface="Times New Roman" panose="02020603050405020304" pitchFamily="18" charset="0"/>
+                        <a:ea typeface="Aptos" panose="020B0004020202020204" pitchFamily="34" charset="0"/>
+                        <a:cs typeface="Times New Roman" panose="02020603050405020304" pitchFamily="18" charset="0"/>
+                      </a:endParaRPr>
+                    </a:p>
+                  </a:txBody>
+                  <a:tcPr marL="9525" marR="9525" marT="9525" marB="9525" anchor="ctr"/>
+                </a:tc>
+                <a:extLst>
+                  <a:ext uri="{0D108BD9-81ED-4DB2-BD59-A6C34878D82A}">
+                    <a16:rowId xmlns:a16="http://schemas.microsoft.com/office/drawing/2014/main" val="2410508523"/>
+                  </a:ext>
+                </a:extLst>
+              </a:tr>
+              <a:tr h="725083">
+                <a:tc>
+                  <a:txBody>
+                    <a:bodyPr/>
+                    <a:lstStyle/>
+                    <a:p>
+                      <a:pPr>
+                        <a:lnSpc>
+                          <a:spcPct val="107000"/>
+                        </a:lnSpc>
+                        <a:spcAft>
+                          <a:spcPts val="800"/>
+                        </a:spcAft>
+                        <a:buNone/>
+                      </a:pPr>
+                      <a:r>
+                        <a:rPr lang="pt-BR" sz="2400" kern="100" dirty="0">
+                          <a:effectLst/>
+                          <a:latin typeface="Times New Roman" panose="02020603050405020304" pitchFamily="18" charset="0"/>
+                          <a:cs typeface="Times New Roman" panose="02020603050405020304" pitchFamily="18" charset="0"/>
+                        </a:rPr>
+                        <a:t>BST (pior caso)</a:t>
+                      </a:r>
+                      <a:endParaRPr lang="pt-BR" sz="2400" kern="100" dirty="0">
+                        <a:effectLst/>
+                        <a:latin typeface="Times New Roman" panose="02020603050405020304" pitchFamily="18" charset="0"/>
+                        <a:ea typeface="Aptos" panose="020B0004020202020204" pitchFamily="34" charset="0"/>
+                        <a:cs typeface="Times New Roman" panose="02020603050405020304" pitchFamily="18" charset="0"/>
+                      </a:endParaRPr>
+                    </a:p>
+                  </a:txBody>
+                  <a:tcPr marL="9525" marR="9525" marT="9525" marB="9525" anchor="ctr"/>
+                </a:tc>
+                <a:tc>
+                  <a:txBody>
+                    <a:bodyPr/>
+                    <a:lstStyle/>
+                    <a:p>
+                      <a:pPr>
+                        <a:lnSpc>
+                          <a:spcPct val="107000"/>
+                        </a:lnSpc>
+                        <a:spcAft>
+                          <a:spcPts val="800"/>
+                        </a:spcAft>
+                        <a:buNone/>
+                      </a:pPr>
+                      <a:r>
+                        <a:rPr lang="pt-BR" sz="2400" kern="100" dirty="0">
+                          <a:effectLst/>
+                          <a:latin typeface="Times New Roman" panose="02020603050405020304" pitchFamily="18" charset="0"/>
+                          <a:cs typeface="Times New Roman" panose="02020603050405020304" pitchFamily="18" charset="0"/>
+                        </a:rPr>
+                        <a:t>O(</a:t>
+                      </a:r>
+                      <a:r>
+                        <a:rPr lang="pt-BR" sz="2400" b="1" kern="100" dirty="0">
+                          <a:solidFill>
+                            <a:srgbClr val="FF0000"/>
+                          </a:solidFill>
+                          <a:effectLst/>
+                          <a:latin typeface="Times New Roman" panose="02020603050405020304" pitchFamily="18" charset="0"/>
+                          <a:cs typeface="Times New Roman" panose="02020603050405020304" pitchFamily="18" charset="0"/>
+                        </a:rPr>
+                        <a:t>n</a:t>
+                      </a:r>
+                      <a:r>
+                        <a:rPr lang="pt-BR" sz="2400" kern="100" dirty="0">
+                          <a:effectLst/>
+                          <a:latin typeface="Times New Roman" panose="02020603050405020304" pitchFamily="18" charset="0"/>
+                          <a:cs typeface="Times New Roman" panose="02020603050405020304" pitchFamily="18" charset="0"/>
+                        </a:rPr>
+                        <a:t>)</a:t>
+                      </a:r>
+                      <a:endParaRPr lang="pt-BR" sz="2400" kern="100" dirty="0">
+                        <a:effectLst/>
+                        <a:latin typeface="Times New Roman" panose="02020603050405020304" pitchFamily="18" charset="0"/>
+                        <a:ea typeface="Aptos" panose="020B0004020202020204" pitchFamily="34" charset="0"/>
+                        <a:cs typeface="Times New Roman" panose="02020603050405020304" pitchFamily="18" charset="0"/>
+                      </a:endParaRPr>
+                    </a:p>
+                  </a:txBody>
+                  <a:tcPr marL="9525" marR="9525" marT="9525" marB="9525" anchor="ctr"/>
+                </a:tc>
+                <a:tc>
+                  <a:txBody>
+                    <a:bodyPr/>
+                    <a:lstStyle/>
+                    <a:p>
+                      <a:pPr>
+                        <a:lnSpc>
+                          <a:spcPct val="107000"/>
+                        </a:lnSpc>
+                        <a:spcAft>
+                          <a:spcPts val="800"/>
+                        </a:spcAft>
+                        <a:buNone/>
+                      </a:pPr>
+                      <a:r>
+                        <a:rPr lang="pt-BR" sz="2400" kern="100" dirty="0">
+                          <a:effectLst/>
+                          <a:latin typeface="Times New Roman" panose="02020603050405020304" pitchFamily="18" charset="0"/>
+                          <a:cs typeface="Times New Roman" panose="02020603050405020304" pitchFamily="18" charset="0"/>
+                        </a:rPr>
+                        <a:t>O(</a:t>
+                      </a:r>
+                      <a:r>
+                        <a:rPr lang="pt-BR" sz="2400" b="1" kern="100" dirty="0">
+                          <a:solidFill>
+                            <a:srgbClr val="FF0000"/>
+                          </a:solidFill>
+                          <a:effectLst/>
+                          <a:latin typeface="Times New Roman" panose="02020603050405020304" pitchFamily="18" charset="0"/>
+                          <a:cs typeface="Times New Roman" panose="02020603050405020304" pitchFamily="18" charset="0"/>
+                        </a:rPr>
+                        <a:t>n</a:t>
+                      </a:r>
+                      <a:r>
+                        <a:rPr lang="pt-BR" sz="2400" kern="100" dirty="0">
+                          <a:effectLst/>
+                          <a:latin typeface="Times New Roman" panose="02020603050405020304" pitchFamily="18" charset="0"/>
+                          <a:cs typeface="Times New Roman" panose="02020603050405020304" pitchFamily="18" charset="0"/>
+                        </a:rPr>
+                        <a:t>)</a:t>
+                      </a:r>
+                      <a:endParaRPr lang="pt-BR" sz="2400" kern="100" dirty="0">
+                        <a:effectLst/>
+                        <a:latin typeface="Times New Roman" panose="02020603050405020304" pitchFamily="18" charset="0"/>
+                        <a:ea typeface="Aptos" panose="020B0004020202020204" pitchFamily="34" charset="0"/>
+                        <a:cs typeface="Times New Roman" panose="02020603050405020304" pitchFamily="18" charset="0"/>
+                      </a:endParaRPr>
+                    </a:p>
+                  </a:txBody>
+                  <a:tcPr marL="9525" marR="9525" marT="9525" marB="9525" anchor="ctr"/>
+                </a:tc>
+                <a:tc>
+                  <a:txBody>
+                    <a:bodyPr/>
+                    <a:lstStyle/>
+                    <a:p>
+                      <a:pPr>
+                        <a:lnSpc>
+                          <a:spcPct val="107000"/>
+                        </a:lnSpc>
+                        <a:spcAft>
+                          <a:spcPts val="800"/>
+                        </a:spcAft>
+                        <a:buNone/>
+                      </a:pPr>
+                      <a:r>
+                        <a:rPr lang="pt-BR" sz="2400" kern="100" dirty="0">
+                          <a:effectLst/>
+                          <a:latin typeface="Times New Roman" panose="02020603050405020304" pitchFamily="18" charset="0"/>
+                          <a:cs typeface="Times New Roman" panose="02020603050405020304" pitchFamily="18" charset="0"/>
+                        </a:rPr>
+                        <a:t>O(</a:t>
+                      </a:r>
+                      <a:r>
+                        <a:rPr lang="pt-BR" sz="2400" b="1" kern="100" dirty="0">
+                          <a:solidFill>
+                            <a:srgbClr val="FF0000"/>
+                          </a:solidFill>
+                          <a:effectLst/>
+                          <a:latin typeface="Times New Roman" panose="02020603050405020304" pitchFamily="18" charset="0"/>
+                          <a:cs typeface="Times New Roman" panose="02020603050405020304" pitchFamily="18" charset="0"/>
+                        </a:rPr>
+                        <a:t>n</a:t>
+                      </a:r>
+                      <a:r>
+                        <a:rPr lang="pt-BR" sz="2400" kern="100" dirty="0">
+                          <a:effectLst/>
+                          <a:latin typeface="Times New Roman" panose="02020603050405020304" pitchFamily="18" charset="0"/>
+                          <a:cs typeface="Times New Roman" panose="02020603050405020304" pitchFamily="18" charset="0"/>
+                        </a:rPr>
+                        <a:t>)</a:t>
+                      </a:r>
+                      <a:endParaRPr lang="pt-BR" sz="2400" kern="100" dirty="0">
+                        <a:effectLst/>
+                        <a:latin typeface="Times New Roman" panose="02020603050405020304" pitchFamily="18" charset="0"/>
+                        <a:ea typeface="Aptos" panose="020B0004020202020204" pitchFamily="34" charset="0"/>
+                        <a:cs typeface="Times New Roman" panose="02020603050405020304" pitchFamily="18" charset="0"/>
+                      </a:endParaRPr>
+                    </a:p>
+                  </a:txBody>
+                  <a:tcPr marL="9525" marR="9525" marT="9525" marB="9525" anchor="ctr"/>
+                </a:tc>
+                <a:extLst>
+                  <a:ext uri="{0D108BD9-81ED-4DB2-BD59-A6C34878D82A}">
+                    <a16:rowId xmlns:a16="http://schemas.microsoft.com/office/drawing/2014/main" val="194381591"/>
+                  </a:ext>
+                </a:extLst>
+              </a:tr>
+              <a:tr h="725083">
+                <a:tc>
+                  <a:txBody>
+                    <a:bodyPr/>
+                    <a:lstStyle/>
+                    <a:p>
+                      <a:pPr>
+                        <a:lnSpc>
+                          <a:spcPct val="107000"/>
+                        </a:lnSpc>
+                        <a:spcAft>
+                          <a:spcPts val="800"/>
+                        </a:spcAft>
+                        <a:buNone/>
+                      </a:pPr>
+                      <a:r>
+                        <a:rPr lang="pt-BR" sz="2400" kern="100">
+                          <a:effectLst/>
+                          <a:latin typeface="Times New Roman" panose="02020603050405020304" pitchFamily="18" charset="0"/>
+                          <a:cs typeface="Times New Roman" panose="02020603050405020304" pitchFamily="18" charset="0"/>
+                        </a:rPr>
+                        <a:t>AVL (sempre)</a:t>
+                      </a:r>
+                      <a:endParaRPr lang="pt-BR" sz="2400" kern="100">
+                        <a:effectLst/>
+                        <a:latin typeface="Times New Roman" panose="02020603050405020304" pitchFamily="18" charset="0"/>
+                        <a:ea typeface="Aptos" panose="020B0004020202020204" pitchFamily="34" charset="0"/>
+                        <a:cs typeface="Times New Roman" panose="02020603050405020304" pitchFamily="18" charset="0"/>
+                      </a:endParaRPr>
+                    </a:p>
+                  </a:txBody>
+                  <a:tcPr marL="9525" marR="9525" marT="9525" marB="9525" anchor="ctr"/>
+                </a:tc>
+                <a:tc>
+                  <a:txBody>
+                    <a:bodyPr/>
+                    <a:lstStyle/>
+                    <a:p>
+                      <a:pPr>
+                        <a:lnSpc>
+                          <a:spcPct val="107000"/>
+                        </a:lnSpc>
+                        <a:spcAft>
+                          <a:spcPts val="800"/>
+                        </a:spcAft>
+                        <a:buNone/>
+                      </a:pPr>
+                      <a:r>
+                        <a:rPr lang="pt-BR" sz="2400" kern="100" dirty="0">
+                          <a:effectLst/>
+                          <a:latin typeface="Times New Roman" panose="02020603050405020304" pitchFamily="18" charset="0"/>
+                          <a:cs typeface="Times New Roman" panose="02020603050405020304" pitchFamily="18" charset="0"/>
+                        </a:rPr>
+                        <a:t>O(</a:t>
+                      </a:r>
+                      <a:r>
+                        <a:rPr lang="pt-BR" sz="2400" b="1" kern="100" dirty="0">
+                          <a:effectLst/>
+                          <a:latin typeface="Times New Roman" panose="02020603050405020304" pitchFamily="18" charset="0"/>
+                          <a:cs typeface="Times New Roman" panose="02020603050405020304" pitchFamily="18" charset="0"/>
+                        </a:rPr>
+                        <a:t>log n</a:t>
+                      </a:r>
+                      <a:r>
+                        <a:rPr lang="pt-BR" sz="2400" kern="100" dirty="0">
+                          <a:effectLst/>
+                          <a:latin typeface="Times New Roman" panose="02020603050405020304" pitchFamily="18" charset="0"/>
+                          <a:cs typeface="Times New Roman" panose="02020603050405020304" pitchFamily="18" charset="0"/>
+                        </a:rPr>
+                        <a:t>)</a:t>
+                      </a:r>
+                      <a:endParaRPr lang="pt-BR" sz="2400" kern="100" dirty="0">
+                        <a:effectLst/>
+                        <a:latin typeface="Times New Roman" panose="02020603050405020304" pitchFamily="18" charset="0"/>
+                        <a:ea typeface="Aptos" panose="020B0004020202020204" pitchFamily="34" charset="0"/>
+                        <a:cs typeface="Times New Roman" panose="02020603050405020304" pitchFamily="18" charset="0"/>
+                      </a:endParaRPr>
+                    </a:p>
+                  </a:txBody>
+                  <a:tcPr marL="9525" marR="9525" marT="9525" marB="9525" anchor="ctr"/>
+                </a:tc>
+                <a:tc>
+                  <a:txBody>
+                    <a:bodyPr/>
+                    <a:lstStyle/>
+                    <a:p>
+                      <a:pPr>
+                        <a:lnSpc>
+                          <a:spcPct val="107000"/>
+                        </a:lnSpc>
+                        <a:spcAft>
+                          <a:spcPts val="800"/>
+                        </a:spcAft>
+                        <a:buNone/>
+                      </a:pPr>
+                      <a:r>
+                        <a:rPr lang="pt-BR" sz="2400" kern="100" dirty="0">
+                          <a:effectLst/>
+                          <a:latin typeface="Times New Roman" panose="02020603050405020304" pitchFamily="18" charset="0"/>
+                          <a:cs typeface="Times New Roman" panose="02020603050405020304" pitchFamily="18" charset="0"/>
+                        </a:rPr>
+                        <a:t>O(</a:t>
+                      </a:r>
+                      <a:r>
+                        <a:rPr lang="pt-BR" sz="2400" b="1" kern="100" dirty="0">
+                          <a:effectLst/>
+                          <a:latin typeface="Times New Roman" panose="02020603050405020304" pitchFamily="18" charset="0"/>
+                          <a:cs typeface="Times New Roman" panose="02020603050405020304" pitchFamily="18" charset="0"/>
+                        </a:rPr>
+                        <a:t>log n</a:t>
+                      </a:r>
+                      <a:r>
+                        <a:rPr lang="pt-BR" sz="2400" kern="100" dirty="0">
+                          <a:effectLst/>
+                          <a:latin typeface="Times New Roman" panose="02020603050405020304" pitchFamily="18" charset="0"/>
+                          <a:cs typeface="Times New Roman" panose="02020603050405020304" pitchFamily="18" charset="0"/>
+                        </a:rPr>
+                        <a:t>)</a:t>
+                      </a:r>
+                      <a:endParaRPr lang="pt-BR" sz="2400" kern="100" dirty="0">
+                        <a:effectLst/>
+                        <a:latin typeface="Times New Roman" panose="02020603050405020304" pitchFamily="18" charset="0"/>
+                        <a:ea typeface="Aptos" panose="020B0004020202020204" pitchFamily="34" charset="0"/>
+                        <a:cs typeface="Times New Roman" panose="02020603050405020304" pitchFamily="18" charset="0"/>
+                      </a:endParaRPr>
+                    </a:p>
+                  </a:txBody>
+                  <a:tcPr marL="9525" marR="9525" marT="9525" marB="9525" anchor="ctr"/>
+                </a:tc>
+                <a:tc>
+                  <a:txBody>
+                    <a:bodyPr/>
+                    <a:lstStyle/>
+                    <a:p>
+                      <a:pPr>
+                        <a:lnSpc>
+                          <a:spcPct val="107000"/>
+                        </a:lnSpc>
+                        <a:spcAft>
+                          <a:spcPts val="800"/>
+                        </a:spcAft>
+                        <a:buNone/>
+                      </a:pPr>
+                      <a:r>
+                        <a:rPr lang="pt-BR" sz="2400" kern="100" dirty="0">
+                          <a:effectLst/>
+                          <a:latin typeface="Times New Roman" panose="02020603050405020304" pitchFamily="18" charset="0"/>
+                          <a:cs typeface="Times New Roman" panose="02020603050405020304" pitchFamily="18" charset="0"/>
+                        </a:rPr>
+                        <a:t>O(</a:t>
+                      </a:r>
+                      <a:r>
+                        <a:rPr lang="pt-BR" sz="2400" b="1" kern="100" dirty="0">
+                          <a:effectLst/>
+                          <a:latin typeface="Times New Roman" panose="02020603050405020304" pitchFamily="18" charset="0"/>
+                          <a:cs typeface="Times New Roman" panose="02020603050405020304" pitchFamily="18" charset="0"/>
+                        </a:rPr>
+                        <a:t>log n</a:t>
+                      </a:r>
+                      <a:r>
+                        <a:rPr lang="pt-BR" sz="2400" kern="100" dirty="0">
+                          <a:effectLst/>
+                          <a:latin typeface="Times New Roman" panose="02020603050405020304" pitchFamily="18" charset="0"/>
+                          <a:cs typeface="Times New Roman" panose="02020603050405020304" pitchFamily="18" charset="0"/>
+                        </a:rPr>
+                        <a:t>)</a:t>
+                      </a:r>
+                      <a:endParaRPr lang="pt-BR" sz="2400" kern="100" dirty="0">
+                        <a:effectLst/>
+                        <a:latin typeface="Times New Roman" panose="02020603050405020304" pitchFamily="18" charset="0"/>
+                        <a:ea typeface="Aptos" panose="020B0004020202020204" pitchFamily="34" charset="0"/>
+                        <a:cs typeface="Times New Roman" panose="02020603050405020304" pitchFamily="18" charset="0"/>
+                      </a:endParaRPr>
+                    </a:p>
+                  </a:txBody>
+                  <a:tcPr marL="9525" marR="9525" marT="9525" marB="9525" anchor="ctr"/>
+                </a:tc>
+                <a:extLst>
+                  <a:ext uri="{0D108BD9-81ED-4DB2-BD59-A6C34878D82A}">
+                    <a16:rowId xmlns:a16="http://schemas.microsoft.com/office/drawing/2014/main" val="292159423"/>
+                  </a:ext>
+                </a:extLst>
+              </a:tr>
+            </a:tbl>
+          </a:graphicData>
+        </a:graphic>
+      </p:graphicFrame>
+    </p:spTree>
+    <p:extLst>
+      <p:ext uri="{BB962C8B-B14F-4D97-AF65-F5344CB8AC3E}">
+        <p14:creationId xmlns:p14="http://schemas.microsoft.com/office/powerpoint/2010/main" val="3098794590"/>
+      </p:ext>
+    </p:extLst>
+  </p:cSld>
+  <p:clrMapOvr>
+    <a:masterClrMapping/>
+  </p:clrMapOvr>
+  <p:transition spd="med"/>
+</p:sld>
+</file>
+
+<file path=ppt/slides/slide15.xml><?xml version="1.0" encoding="utf-8"?>
+<p:sld xmlns:a="http://schemas.openxmlformats.org/drawingml/2006/main" xmlns:r="http://schemas.openxmlformats.org/officeDocument/2006/relationships" xmlns:p="http://schemas.openxmlformats.org/presentationml/2006/main">
+  <p:cSld>
+    <p:spTree>
+      <p:nvGrpSpPr>
+        <p:cNvPr id="1" name="">
+          <a:extLst>
+            <a:ext uri="{FF2B5EF4-FFF2-40B4-BE49-F238E27FC236}">
+              <a16:creationId xmlns:a16="http://schemas.microsoft.com/office/drawing/2014/main" id="{F6C6EE0A-E9FD-BCA7-C03D-14BB89D3FF55}"/>
+            </a:ext>
+          </a:extLst>
+        </p:cNvPr>
+        <p:cNvGrpSpPr/>
+        <p:nvPr/>
+      </p:nvGrpSpPr>
+      <p:grpSpPr>
+        <a:xfrm>
+          <a:off x="0" y="0"/>
+          <a:ext cx="0" cy="0"/>
+          <a:chOff x="0" y="0"/>
+          <a:chExt cx="0" cy="0"/>
+        </a:xfrm>
+      </p:grpSpPr>
+      <p:sp>
+        <p:nvSpPr>
+          <p:cNvPr id="6" name="Title 1">
+            <a:extLst>
+              <a:ext uri="{FF2B5EF4-FFF2-40B4-BE49-F238E27FC236}">
+                <a16:creationId xmlns:a16="http://schemas.microsoft.com/office/drawing/2014/main" id="{5C31B952-FE24-434C-0ADA-2BD8078CA80E}"/>
+              </a:ext>
+            </a:extLst>
+          </p:cNvPr>
+          <p:cNvSpPr>
+            <a:spLocks noGrp="1"/>
+          </p:cNvSpPr>
+          <p:nvPr>
+            <p:ph type="title"/>
+          </p:nvPr>
+        </p:nvSpPr>
+        <p:spPr>
+          <a:xfrm>
+            <a:off x="457200" y="205980"/>
+            <a:ext cx="8229600" cy="857251"/>
+          </a:xfrm>
+        </p:spPr>
+        <p:txBody>
+          <a:bodyPr>
+            <a:normAutofit/>
+          </a:bodyPr>
+          <a:lstStyle/>
+          <a:p>
+            <a:r>
+              <a:rPr lang="en-US" b="1" dirty="0" err="1">
+                <a:solidFill>
+                  <a:srgbClr val="0070C0"/>
+                </a:solidFill>
+              </a:rPr>
+              <a:t>Resumo</a:t>
+            </a:r>
+            <a:r>
+              <a:rPr lang="en-US" b="1" dirty="0">
+                <a:solidFill>
+                  <a:srgbClr val="0070C0"/>
+                </a:solidFill>
+              </a:rPr>
+              <a:t> </a:t>
+            </a:r>
+            <a:r>
+              <a:rPr lang="en-US" b="1" dirty="0" err="1">
+                <a:solidFill>
+                  <a:srgbClr val="0070C0"/>
+                </a:solidFill>
+              </a:rPr>
+              <a:t>Árvore</a:t>
+            </a:r>
+            <a:r>
+              <a:rPr lang="en-US" b="1" dirty="0">
+                <a:solidFill>
+                  <a:srgbClr val="0070C0"/>
+                </a:solidFill>
+              </a:rPr>
+              <a:t> </a:t>
+            </a:r>
+            <a:r>
+              <a:rPr lang="en-US" b="1" dirty="0" err="1">
+                <a:solidFill>
+                  <a:srgbClr val="0070C0"/>
+                </a:solidFill>
+              </a:rPr>
+              <a:t>Binária</a:t>
+            </a:r>
+            <a:r>
+              <a:rPr lang="en-US" b="1" dirty="0">
+                <a:solidFill>
+                  <a:srgbClr val="0070C0"/>
+                </a:solidFill>
+              </a:rPr>
+              <a:t> e AVL</a:t>
+            </a:r>
+          </a:p>
+        </p:txBody>
+      </p:sp>
+      <p:sp>
+        <p:nvSpPr>
+          <p:cNvPr id="8" name="Text Placeholder 2">
+            <a:extLst>
+              <a:ext uri="{FF2B5EF4-FFF2-40B4-BE49-F238E27FC236}">
+                <a16:creationId xmlns:a16="http://schemas.microsoft.com/office/drawing/2014/main" id="{D7B5DE63-EB51-10F3-FAD8-E983F64F9E37}"/>
+              </a:ext>
+            </a:extLst>
+          </p:cNvPr>
+          <p:cNvSpPr>
+            <a:spLocks noGrp="1"/>
+          </p:cNvSpPr>
+          <p:nvPr>
+            <p:ph type="body" sz="half" idx="1"/>
+          </p:nvPr>
+        </p:nvSpPr>
+        <p:spPr>
+          <a:xfrm>
+            <a:off x="142865" y="1200150"/>
+            <a:ext cx="8865056" cy="3737370"/>
+          </a:xfrm>
+        </p:spPr>
+        <p:txBody>
+          <a:bodyPr>
+            <a:noAutofit/>
+          </a:bodyPr>
+          <a:lstStyle/>
+          <a:p>
+            <a:pPr algn="just">
+              <a:buFont typeface="Wingdings" panose="05000000000000000000" pitchFamily="2" charset="2"/>
+              <a:buChar char="§"/>
+            </a:pPr>
+            <a:r>
+              <a:rPr lang="pt-BR" sz="2200" b="1" dirty="0">
+                <a:latin typeface="Times New Roman" panose="02020603050405020304" pitchFamily="18" charset="0"/>
+                <a:cs typeface="Times New Roman" panose="02020603050405020304" pitchFamily="18" charset="0"/>
+              </a:rPr>
+              <a:t>Árvores Binárias </a:t>
+            </a:r>
+            <a:r>
+              <a:rPr lang="pt-BR" sz="2200" dirty="0">
+                <a:latin typeface="Times New Roman" panose="02020603050405020304" pitchFamily="18" charset="0"/>
+                <a:cs typeface="Times New Roman" panose="02020603050405020304" pitchFamily="18" charset="0"/>
+              </a:rPr>
+              <a:t>são úteis, mas </a:t>
+            </a:r>
+            <a:r>
+              <a:rPr lang="pt-BR" sz="2200" b="1" dirty="0">
+                <a:solidFill>
+                  <a:srgbClr val="FF0000"/>
+                </a:solidFill>
+                <a:latin typeface="Times New Roman" panose="02020603050405020304" pitchFamily="18" charset="0"/>
+                <a:cs typeface="Times New Roman" panose="02020603050405020304" pitchFamily="18" charset="0"/>
+              </a:rPr>
+              <a:t>podem se degenerar</a:t>
+            </a:r>
+            <a:r>
+              <a:rPr lang="pt-BR" sz="2200" dirty="0">
+                <a:latin typeface="Times New Roman" panose="02020603050405020304" pitchFamily="18" charset="0"/>
+                <a:cs typeface="Times New Roman" panose="02020603050405020304" pitchFamily="18" charset="0"/>
+              </a:rPr>
+              <a:t>.</a:t>
+            </a:r>
+          </a:p>
+          <a:p>
+            <a:pPr algn="just">
+              <a:buFont typeface="Wingdings" panose="05000000000000000000" pitchFamily="2" charset="2"/>
+              <a:buChar char="§"/>
+            </a:pPr>
+            <a:endParaRPr lang="pt-BR" sz="2200" dirty="0">
+              <a:latin typeface="Times New Roman" panose="02020603050405020304" pitchFamily="18" charset="0"/>
+              <a:cs typeface="Times New Roman" panose="02020603050405020304" pitchFamily="18" charset="0"/>
+            </a:endParaRPr>
+          </a:p>
+          <a:p>
+            <a:pPr algn="just">
+              <a:buFont typeface="Wingdings" panose="05000000000000000000" pitchFamily="2" charset="2"/>
+              <a:buChar char="§"/>
+            </a:pPr>
+            <a:r>
+              <a:rPr lang="pt-BR" sz="2200" b="1" dirty="0">
+                <a:solidFill>
+                  <a:srgbClr val="FF0000"/>
+                </a:solidFill>
+                <a:latin typeface="Times New Roman" panose="02020603050405020304" pitchFamily="18" charset="0"/>
+                <a:cs typeface="Times New Roman" panose="02020603050405020304" pitchFamily="18" charset="0"/>
+              </a:rPr>
+              <a:t>Árvores AVL </a:t>
+            </a:r>
+            <a:r>
+              <a:rPr lang="pt-BR" sz="2200" b="1" dirty="0">
+                <a:latin typeface="Times New Roman" panose="02020603050405020304" pitchFamily="18" charset="0"/>
+                <a:cs typeface="Times New Roman" panose="02020603050405020304" pitchFamily="18" charset="0"/>
+              </a:rPr>
+              <a:t>mantêm o balanceamento automático</a:t>
+            </a:r>
+            <a:r>
+              <a:rPr lang="pt-BR" sz="2200" dirty="0">
+                <a:latin typeface="Times New Roman" panose="02020603050405020304" pitchFamily="18" charset="0"/>
+                <a:cs typeface="Times New Roman" panose="02020603050405020304" pitchFamily="18" charset="0"/>
+              </a:rPr>
+              <a:t>, garantindo eficiência O(</a:t>
+            </a:r>
+            <a:r>
+              <a:rPr lang="pt-BR" sz="2200" b="1" dirty="0">
+                <a:solidFill>
+                  <a:srgbClr val="FF0000"/>
+                </a:solidFill>
+                <a:latin typeface="Times New Roman" panose="02020603050405020304" pitchFamily="18" charset="0"/>
+                <a:cs typeface="Times New Roman" panose="02020603050405020304" pitchFamily="18" charset="0"/>
+              </a:rPr>
+              <a:t>log n</a:t>
+            </a:r>
+            <a:r>
+              <a:rPr lang="pt-BR" sz="2200" dirty="0">
+                <a:latin typeface="Times New Roman" panose="02020603050405020304" pitchFamily="18" charset="0"/>
+                <a:cs typeface="Times New Roman" panose="02020603050405020304" pitchFamily="18" charset="0"/>
+              </a:rPr>
+              <a:t>).</a:t>
+            </a:r>
+          </a:p>
+          <a:p>
+            <a:pPr algn="just">
+              <a:buFont typeface="Wingdings" panose="05000000000000000000" pitchFamily="2" charset="2"/>
+              <a:buChar char="§"/>
+            </a:pPr>
+            <a:endParaRPr lang="pt-BR" sz="2200" dirty="0">
+              <a:latin typeface="Times New Roman" panose="02020603050405020304" pitchFamily="18" charset="0"/>
+              <a:cs typeface="Times New Roman" panose="02020603050405020304" pitchFamily="18" charset="0"/>
+            </a:endParaRPr>
+          </a:p>
+          <a:p>
+            <a:pPr algn="just">
+              <a:buFont typeface="Wingdings" panose="05000000000000000000" pitchFamily="2" charset="2"/>
+              <a:buChar char="§"/>
+            </a:pPr>
+            <a:r>
+              <a:rPr lang="pt-BR" sz="2200" dirty="0">
+                <a:latin typeface="Times New Roman" panose="02020603050405020304" pitchFamily="18" charset="0"/>
+                <a:cs typeface="Times New Roman" panose="02020603050405020304" pitchFamily="18" charset="0"/>
+              </a:rPr>
+              <a:t>Esse conceito é base para outras </a:t>
+            </a:r>
+            <a:r>
+              <a:rPr lang="pt-BR" sz="2200" b="1" dirty="0">
+                <a:solidFill>
+                  <a:srgbClr val="FF0000"/>
+                </a:solidFill>
+                <a:latin typeface="Times New Roman" panose="02020603050405020304" pitchFamily="18" charset="0"/>
+                <a:cs typeface="Times New Roman" panose="02020603050405020304" pitchFamily="18" charset="0"/>
+              </a:rPr>
+              <a:t>árvores balanceadas</a:t>
+            </a:r>
+            <a:r>
+              <a:rPr lang="pt-BR" sz="2200" dirty="0">
+                <a:latin typeface="Times New Roman" panose="02020603050405020304" pitchFamily="18" charset="0"/>
+                <a:cs typeface="Times New Roman" panose="02020603050405020304" pitchFamily="18" charset="0"/>
+              </a:rPr>
+              <a:t>: </a:t>
+            </a:r>
+            <a:r>
+              <a:rPr lang="pt-BR" sz="2200" b="1" dirty="0" err="1">
+                <a:latin typeface="Times New Roman" panose="02020603050405020304" pitchFamily="18" charset="0"/>
+                <a:cs typeface="Times New Roman" panose="02020603050405020304" pitchFamily="18" charset="0"/>
+              </a:rPr>
+              <a:t>Red</a:t>
+            </a:r>
+            <a:r>
+              <a:rPr lang="pt-BR" sz="2200" b="1" dirty="0">
+                <a:latin typeface="Times New Roman" panose="02020603050405020304" pitchFamily="18" charset="0"/>
+                <a:cs typeface="Times New Roman" panose="02020603050405020304" pitchFamily="18" charset="0"/>
+              </a:rPr>
+              <a:t>-Black </a:t>
+            </a:r>
+            <a:r>
+              <a:rPr lang="pt-BR" sz="2200" b="1" dirty="0" err="1">
+                <a:latin typeface="Times New Roman" panose="02020603050405020304" pitchFamily="18" charset="0"/>
+                <a:cs typeface="Times New Roman" panose="02020603050405020304" pitchFamily="18" charset="0"/>
+              </a:rPr>
+              <a:t>Tree</a:t>
+            </a:r>
+            <a:r>
+              <a:rPr lang="pt-BR" sz="2200" dirty="0">
+                <a:latin typeface="Times New Roman" panose="02020603050405020304" pitchFamily="18" charset="0"/>
+                <a:cs typeface="Times New Roman" panose="02020603050405020304" pitchFamily="18" charset="0"/>
+              </a:rPr>
+              <a:t>, </a:t>
+            </a:r>
+            <a:r>
+              <a:rPr lang="pt-BR" sz="2200" b="1" dirty="0">
+                <a:latin typeface="Times New Roman" panose="02020603050405020304" pitchFamily="18" charset="0"/>
+                <a:cs typeface="Times New Roman" panose="02020603050405020304" pitchFamily="18" charset="0"/>
+              </a:rPr>
+              <a:t>B-</a:t>
+            </a:r>
+            <a:r>
+              <a:rPr lang="pt-BR" sz="2200" b="1" dirty="0" err="1">
+                <a:latin typeface="Times New Roman" panose="02020603050405020304" pitchFamily="18" charset="0"/>
+                <a:cs typeface="Times New Roman" panose="02020603050405020304" pitchFamily="18" charset="0"/>
+              </a:rPr>
+              <a:t>Tree</a:t>
+            </a:r>
+            <a:r>
+              <a:rPr lang="pt-BR" sz="2200" dirty="0">
+                <a:latin typeface="Times New Roman" panose="02020603050405020304" pitchFamily="18" charset="0"/>
+                <a:cs typeface="Times New Roman" panose="02020603050405020304" pitchFamily="18" charset="0"/>
+              </a:rPr>
+              <a:t>, etc.</a:t>
+            </a:r>
+            <a:endParaRPr lang="pt-BR" sz="2200" dirty="0">
+              <a:solidFill>
+                <a:schemeClr val="tx1"/>
+              </a:solidFill>
+              <a:latin typeface="Times New Roman" panose="02020603050405020304" pitchFamily="18" charset="0"/>
+              <a:cs typeface="Times New Roman" panose="02020603050405020304" pitchFamily="18" charset="0"/>
+            </a:endParaRPr>
+          </a:p>
+        </p:txBody>
+      </p:sp>
+    </p:spTree>
+    <p:extLst>
+      <p:ext uri="{BB962C8B-B14F-4D97-AF65-F5344CB8AC3E}">
+        <p14:creationId xmlns:p14="http://schemas.microsoft.com/office/powerpoint/2010/main" val="3505230791"/>
+      </p:ext>
+    </p:extLst>
+  </p:cSld>
+  <p:clrMapOvr>
+    <a:masterClrMapping/>
+  </p:clrMapOvr>
+  <p:transition spd="med"/>
+</p:sld>
+</file>
+
+<file path=ppt/slides/slide16.xml><?xml version="1.0" encoding="utf-8"?>
+<p:sld xmlns:a="http://schemas.openxmlformats.org/drawingml/2006/main" xmlns:r="http://schemas.openxmlformats.org/officeDocument/2006/relationships" xmlns:p="http://schemas.openxmlformats.org/presentationml/2006/main">
+  <p:cSld>
+    <p:spTree>
+      <p:nvGrpSpPr>
+        <p:cNvPr id="1" name=""/>
+        <p:cNvGrpSpPr/>
+        <p:nvPr/>
+      </p:nvGrpSpPr>
+      <p:grpSpPr>
+        <a:xfrm>
+          <a:off x="0" y="0"/>
+          <a:ext cx="0" cy="0"/>
+          <a:chOff x="0" y="0"/>
+          <a:chExt cx="0" cy="0"/>
+        </a:xfrm>
+      </p:grpSpPr>
+      <p:sp>
+        <p:nvSpPr>
+          <p:cNvPr id="6" name="Title 1"/>
+          <p:cNvSpPr>
+            <a:spLocks noGrp="1"/>
+          </p:cNvSpPr>
+          <p:nvPr>
+            <p:ph type="title"/>
+          </p:nvPr>
+        </p:nvSpPr>
+        <p:spPr>
+          <a:xfrm>
+            <a:off x="457200" y="205980"/>
+            <a:ext cx="8229600" cy="857251"/>
+          </a:xfrm>
+        </p:spPr>
+        <p:txBody>
+          <a:bodyPr>
+            <a:normAutofit/>
+          </a:bodyPr>
+          <a:lstStyle/>
+          <a:p>
+            <a:r>
+              <a:rPr lang="en-US" b="1" dirty="0" err="1">
+                <a:solidFill>
+                  <a:srgbClr val="0070C0"/>
+                </a:solidFill>
+              </a:rPr>
+              <a:t>Leitura</a:t>
+            </a:r>
+            <a:r>
+              <a:rPr lang="en-US" b="1" dirty="0">
+                <a:solidFill>
+                  <a:srgbClr val="0070C0"/>
+                </a:solidFill>
+              </a:rPr>
+              <a:t> </a:t>
+            </a:r>
+            <a:r>
+              <a:rPr lang="en-US" b="1" dirty="0" err="1">
+                <a:solidFill>
+                  <a:srgbClr val="0070C0"/>
+                </a:solidFill>
+              </a:rPr>
+              <a:t>Específica</a:t>
+            </a:r>
+            <a:endParaRPr lang="en-US" b="1" dirty="0">
+              <a:solidFill>
+                <a:srgbClr val="0070C0"/>
+              </a:solidFill>
+            </a:endParaRPr>
+          </a:p>
+        </p:txBody>
+      </p:sp>
+      <p:sp>
+        <p:nvSpPr>
+          <p:cNvPr id="8" name="Text Placeholder 2"/>
+          <p:cNvSpPr>
+            <a:spLocks noGrp="1"/>
+          </p:cNvSpPr>
+          <p:nvPr>
+            <p:ph type="body" sz="half" idx="1"/>
+          </p:nvPr>
+        </p:nvSpPr>
+        <p:spPr>
+          <a:xfrm>
+            <a:off x="142865" y="1200150"/>
+            <a:ext cx="8865056" cy="3737369"/>
+          </a:xfrm>
+        </p:spPr>
+        <p:txBody>
+          <a:bodyPr>
+            <a:noAutofit/>
+          </a:bodyPr>
+          <a:lstStyle/>
+          <a:p>
+            <a:pPr marL="0" indent="0" algn="just">
+              <a:buNone/>
+            </a:pPr>
+            <a:r>
+              <a:rPr lang="pt-BR" sz="2000" dirty="0">
+                <a:latin typeface="Times New Roman" panose="02020603050405020304" pitchFamily="18" charset="0"/>
+                <a:cs typeface="Times New Roman" panose="02020603050405020304" pitchFamily="18" charset="0"/>
+              </a:rPr>
+              <a:t>[1] </a:t>
+            </a:r>
+            <a:r>
+              <a:rPr lang="en-US" sz="2000" b="1" dirty="0" err="1">
+                <a:latin typeface="Times New Roman" panose="02020603050405020304" pitchFamily="18" charset="0"/>
+                <a:cs typeface="Times New Roman" panose="02020603050405020304" pitchFamily="18" charset="0"/>
+              </a:rPr>
+              <a:t>GeeksforGeeks</a:t>
+            </a:r>
+            <a:r>
+              <a:rPr lang="en-US" sz="2000" b="1" dirty="0">
+                <a:latin typeface="Times New Roman" panose="02020603050405020304" pitchFamily="18" charset="0"/>
+                <a:cs typeface="Times New Roman" panose="02020603050405020304" pitchFamily="18" charset="0"/>
+              </a:rPr>
+              <a:t> — AVL Tree Data Structure</a:t>
+            </a:r>
+            <a:r>
+              <a:rPr lang="pt-BR" sz="2000" dirty="0">
+                <a:latin typeface="Times New Roman" panose="02020603050405020304" pitchFamily="18" charset="0"/>
+                <a:cs typeface="Times New Roman" panose="02020603050405020304" pitchFamily="18" charset="0"/>
+              </a:rPr>
+              <a:t>.</a:t>
+            </a:r>
+          </a:p>
+          <a:p>
+            <a:pPr marL="0" indent="0" algn="just">
+              <a:buNone/>
+            </a:pPr>
+            <a:r>
+              <a:rPr lang="pt-BR" sz="2000" b="1" dirty="0">
+                <a:solidFill>
+                  <a:srgbClr val="FF0000"/>
+                </a:solidFill>
+                <a:latin typeface="Times New Roman" panose="02020603050405020304" pitchFamily="18" charset="0"/>
+                <a:cs typeface="Times New Roman" panose="02020603050405020304" pitchFamily="18" charset="0"/>
+              </a:rPr>
+              <a:t>Disponível em: </a:t>
+            </a:r>
+            <a:r>
+              <a:rPr lang="pt-BR" sz="2000" dirty="0">
+                <a:hlinkClick r:id="rId3"/>
+              </a:rPr>
+              <a:t>https://www.geeksforgeeks.org/dsa/introduction-to-avl-tree/</a:t>
+            </a:r>
+            <a:r>
+              <a:rPr lang="pt-BR" sz="2000" dirty="0"/>
+              <a:t> </a:t>
+            </a:r>
+            <a:endParaRPr lang="pt-BR" sz="2000" b="1" dirty="0">
+              <a:solidFill>
+                <a:srgbClr val="FF0000"/>
+              </a:solidFill>
+              <a:latin typeface="Times New Roman" panose="02020603050405020304" pitchFamily="18" charset="0"/>
+              <a:cs typeface="Times New Roman" panose="02020603050405020304" pitchFamily="18" charset="0"/>
+            </a:endParaRPr>
+          </a:p>
+          <a:p>
+            <a:pPr marL="0" indent="0" algn="just">
+              <a:buNone/>
+            </a:pPr>
+            <a:endParaRPr lang="pt-BR" sz="2000" dirty="0">
+              <a:latin typeface="Times New Roman" panose="02020603050405020304" pitchFamily="18" charset="0"/>
+              <a:cs typeface="Times New Roman" panose="02020603050405020304" pitchFamily="18" charset="0"/>
+            </a:endParaRPr>
+          </a:p>
+          <a:p>
+            <a:pPr marL="0" indent="0" algn="just">
+              <a:buNone/>
+            </a:pPr>
+            <a:endParaRPr lang="pt-BR" sz="2000" dirty="0">
+              <a:latin typeface="Times New Roman" panose="02020603050405020304" pitchFamily="18" charset="0"/>
+              <a:cs typeface="Times New Roman" panose="02020603050405020304" pitchFamily="18" charset="0"/>
+            </a:endParaRPr>
+          </a:p>
+          <a:p>
+            <a:pPr marL="0" indent="0" algn="just">
+              <a:buNone/>
+            </a:pPr>
+            <a:r>
+              <a:rPr lang="pt-BR" sz="2000" dirty="0">
+                <a:latin typeface="Times New Roman" panose="02020603050405020304" pitchFamily="18" charset="0"/>
+                <a:cs typeface="Times New Roman" panose="02020603050405020304" pitchFamily="18" charset="0"/>
+              </a:rPr>
+              <a:t>[2] </a:t>
+            </a:r>
+            <a:r>
+              <a:rPr lang="pt-BR" sz="2000" b="1" dirty="0" err="1">
+                <a:latin typeface="Times New Roman" panose="02020603050405020304" pitchFamily="18" charset="0"/>
+                <a:cs typeface="Times New Roman" panose="02020603050405020304" pitchFamily="18" charset="0"/>
+              </a:rPr>
+              <a:t>TutorialsPoint</a:t>
+            </a:r>
+            <a:r>
+              <a:rPr lang="pt-BR" sz="2000" b="1" dirty="0">
+                <a:latin typeface="Times New Roman" panose="02020603050405020304" pitchFamily="18" charset="0"/>
+                <a:cs typeface="Times New Roman" panose="02020603050405020304" pitchFamily="18" charset="0"/>
+              </a:rPr>
+              <a:t> — AVL </a:t>
+            </a:r>
+            <a:r>
+              <a:rPr lang="pt-BR" sz="2000" b="1" dirty="0" err="1">
+                <a:latin typeface="Times New Roman" panose="02020603050405020304" pitchFamily="18" charset="0"/>
+                <a:cs typeface="Times New Roman" panose="02020603050405020304" pitchFamily="18" charset="0"/>
+              </a:rPr>
+              <a:t>Trees</a:t>
+            </a:r>
+            <a:r>
+              <a:rPr lang="pt-BR" sz="2000" b="1" dirty="0">
+                <a:latin typeface="Times New Roman" panose="02020603050405020304" pitchFamily="18" charset="0"/>
+                <a:cs typeface="Times New Roman" panose="02020603050405020304" pitchFamily="18" charset="0"/>
+              </a:rPr>
+              <a:t> </a:t>
+            </a:r>
+            <a:r>
+              <a:rPr lang="pt-BR" sz="2000" b="1" dirty="0" err="1">
+                <a:latin typeface="Times New Roman" panose="02020603050405020304" pitchFamily="18" charset="0"/>
+                <a:cs typeface="Times New Roman" panose="02020603050405020304" pitchFamily="18" charset="0"/>
+              </a:rPr>
+              <a:t>Algorithm</a:t>
+            </a:r>
+            <a:r>
+              <a:rPr lang="pt-BR" sz="2000" dirty="0">
+                <a:latin typeface="Times New Roman" panose="02020603050405020304" pitchFamily="18" charset="0"/>
+                <a:cs typeface="Times New Roman" panose="02020603050405020304" pitchFamily="18" charset="0"/>
+              </a:rPr>
+              <a:t>. </a:t>
+            </a:r>
+          </a:p>
+          <a:p>
+            <a:pPr marL="0" indent="0" algn="just">
+              <a:buNone/>
+            </a:pPr>
+            <a:r>
+              <a:rPr lang="pt-BR" sz="2000" b="1" dirty="0">
+                <a:solidFill>
+                  <a:srgbClr val="FF0000"/>
+                </a:solidFill>
+                <a:latin typeface="Times New Roman" panose="02020603050405020304" pitchFamily="18" charset="0"/>
+                <a:cs typeface="Times New Roman" panose="02020603050405020304" pitchFamily="18" charset="0"/>
+              </a:rPr>
+              <a:t>Disponível em:</a:t>
+            </a:r>
+          </a:p>
+          <a:p>
+            <a:pPr marL="0" indent="0" algn="just">
+              <a:buNone/>
+            </a:pPr>
+            <a:r>
+              <a:rPr lang="pt-BR" sz="2000" dirty="0">
+                <a:hlinkClick r:id="rId4"/>
+              </a:rPr>
+              <a:t>https://www.tutorialspoint.com/data_structures_algorithms/avl_tree_algorithm.htm</a:t>
+            </a:r>
+            <a:r>
+              <a:rPr lang="pt-BR" sz="2000" dirty="0"/>
+              <a:t> </a:t>
+            </a:r>
+            <a:endParaRPr lang="pt-BR" sz="2000" dirty="0">
+              <a:latin typeface="Calibri" panose="020F0502020204030204" pitchFamily="34" charset="0"/>
+            </a:endParaRPr>
+          </a:p>
+        </p:txBody>
+      </p:sp>
+    </p:spTree>
+    <p:extLst>
+      <p:ext uri="{BB962C8B-B14F-4D97-AF65-F5344CB8AC3E}">
+        <p14:creationId xmlns:p14="http://schemas.microsoft.com/office/powerpoint/2010/main" val="3680270425"/>
+      </p:ext>
+    </p:extLst>
+  </p:cSld>
+  <p:clrMapOvr>
+    <a:masterClrMapping/>
+  </p:clrMapOvr>
+  <p:transition spd="med"/>
+</p:sld>
+</file>
+
+<file path=ppt/slides/slide17.xml><?xml version="1.0" encoding="utf-8"?>
+<p:sld xmlns:a="http://schemas.openxmlformats.org/drawingml/2006/main" xmlns:r="http://schemas.openxmlformats.org/officeDocument/2006/relationships" xmlns:p="http://schemas.openxmlformats.org/presentationml/2006/main">
+  <p:cSld>
+    <p:spTree>
+      <p:nvGrpSpPr>
+        <p:cNvPr id="1" name=""/>
+        <p:cNvGrpSpPr/>
+        <p:nvPr/>
+      </p:nvGrpSpPr>
+      <p:grpSpPr>
+        <a:xfrm>
+          <a:off x="0" y="0"/>
+          <a:ext cx="0" cy="0"/>
+          <a:chOff x="0" y="0"/>
+          <a:chExt cx="0" cy="0"/>
+        </a:xfrm>
+      </p:grpSpPr>
+      <p:sp>
+        <p:nvSpPr>
+          <p:cNvPr id="6" name="Title 1"/>
+          <p:cNvSpPr>
+            <a:spLocks noGrp="1"/>
+          </p:cNvSpPr>
+          <p:nvPr>
+            <p:ph type="title"/>
+          </p:nvPr>
+        </p:nvSpPr>
+        <p:spPr>
+          <a:xfrm>
+            <a:off x="457200" y="205980"/>
+            <a:ext cx="8229600" cy="857251"/>
+          </a:xfrm>
+        </p:spPr>
+        <p:txBody>
+          <a:bodyPr>
+            <a:normAutofit/>
+          </a:bodyPr>
+          <a:lstStyle/>
+          <a:p>
+            <a:r>
+              <a:rPr lang="en-US" b="1" dirty="0" err="1">
+                <a:solidFill>
+                  <a:srgbClr val="0070C0"/>
+                </a:solidFill>
+              </a:rPr>
+              <a:t>Aprenda</a:t>
+            </a:r>
+            <a:r>
+              <a:rPr lang="en-US" b="1" dirty="0">
+                <a:solidFill>
+                  <a:srgbClr val="0070C0"/>
+                </a:solidFill>
+              </a:rPr>
+              <a:t>+</a:t>
+            </a:r>
+          </a:p>
+        </p:txBody>
+      </p:sp>
+      <p:sp>
+        <p:nvSpPr>
+          <p:cNvPr id="8" name="Text Placeholder 2"/>
+          <p:cNvSpPr>
+            <a:spLocks noGrp="1"/>
+          </p:cNvSpPr>
+          <p:nvPr>
+            <p:ph type="body" sz="half" idx="1"/>
+          </p:nvPr>
+        </p:nvSpPr>
+        <p:spPr>
+          <a:xfrm>
+            <a:off x="142865" y="1200150"/>
+            <a:ext cx="8865056" cy="3737370"/>
+          </a:xfrm>
+        </p:spPr>
+        <p:txBody>
+          <a:bodyPr>
+            <a:noAutofit/>
+          </a:bodyPr>
+          <a:lstStyle/>
+          <a:p>
+            <a:pPr marL="0" indent="0" algn="just">
+              <a:buNone/>
+            </a:pPr>
+            <a:r>
+              <a:rPr lang="pt-BR" sz="2400" dirty="0">
+                <a:latin typeface="Times New Roman" panose="02020603050405020304" pitchFamily="18" charset="0"/>
+                <a:cs typeface="Times New Roman" panose="02020603050405020304" pitchFamily="18" charset="0"/>
+              </a:rPr>
+              <a:t>[1] </a:t>
+            </a:r>
+            <a:r>
+              <a:rPr lang="pt-BR" sz="2400" b="1" dirty="0">
+                <a:latin typeface="Times New Roman" panose="02020603050405020304" pitchFamily="18" charset="0"/>
+                <a:cs typeface="Times New Roman" panose="02020603050405020304" pitchFamily="18" charset="0"/>
+              </a:rPr>
+              <a:t>AVL </a:t>
+            </a:r>
+            <a:r>
+              <a:rPr lang="pt-BR" sz="2400" b="1" dirty="0" err="1">
+                <a:latin typeface="Times New Roman" panose="02020603050405020304" pitchFamily="18" charset="0"/>
+                <a:cs typeface="Times New Roman" panose="02020603050405020304" pitchFamily="18" charset="0"/>
+              </a:rPr>
+              <a:t>Trees</a:t>
+            </a:r>
+            <a:r>
+              <a:rPr lang="pt-BR" sz="2400" b="1" dirty="0">
+                <a:latin typeface="Times New Roman" panose="02020603050405020304" pitchFamily="18" charset="0"/>
+                <a:cs typeface="Times New Roman" panose="02020603050405020304" pitchFamily="18" charset="0"/>
+              </a:rPr>
+              <a:t> Simply </a:t>
+            </a:r>
+            <a:r>
+              <a:rPr lang="pt-BR" sz="2400" b="1" dirty="0" err="1">
+                <a:latin typeface="Times New Roman" panose="02020603050405020304" pitchFamily="18" charset="0"/>
+                <a:cs typeface="Times New Roman" panose="02020603050405020304" pitchFamily="18" charset="0"/>
+              </a:rPr>
+              <a:t>Explained</a:t>
+            </a:r>
+            <a:r>
+              <a:rPr lang="pt-BR" sz="2400" b="1" dirty="0">
+                <a:latin typeface="Times New Roman" panose="02020603050405020304" pitchFamily="18" charset="0"/>
+                <a:cs typeface="Times New Roman" panose="02020603050405020304" pitchFamily="18" charset="0"/>
+              </a:rPr>
+              <a:t> — </a:t>
+            </a:r>
+            <a:r>
+              <a:rPr lang="pt-BR" sz="2400" b="1" dirty="0" err="1">
+                <a:latin typeface="Times New Roman" panose="02020603050405020304" pitchFamily="18" charset="0"/>
+                <a:cs typeface="Times New Roman" panose="02020603050405020304" pitchFamily="18" charset="0"/>
+              </a:rPr>
+              <a:t>rotations</a:t>
+            </a:r>
+            <a:r>
+              <a:rPr lang="pt-BR" sz="2400" dirty="0">
+                <a:latin typeface="Times New Roman" panose="02020603050405020304" pitchFamily="18" charset="0"/>
+                <a:cs typeface="Times New Roman" panose="02020603050405020304" pitchFamily="18" charset="0"/>
+              </a:rPr>
+              <a:t>.</a:t>
+            </a:r>
+          </a:p>
+          <a:p>
+            <a:pPr marL="0" indent="0" algn="just">
+              <a:buNone/>
+            </a:pPr>
+            <a:r>
+              <a:rPr lang="pt-BR" sz="2400" b="1" dirty="0">
+                <a:solidFill>
+                  <a:srgbClr val="FF0000"/>
+                </a:solidFill>
+                <a:latin typeface="Times New Roman" panose="02020603050405020304" pitchFamily="18" charset="0"/>
+                <a:cs typeface="Times New Roman" panose="02020603050405020304" pitchFamily="18" charset="0"/>
+              </a:rPr>
+              <a:t>Disponível em:</a:t>
+            </a:r>
+          </a:p>
+          <a:p>
+            <a:pPr marL="0" indent="0" algn="just">
+              <a:buNone/>
+            </a:pPr>
+            <a:r>
+              <a:rPr lang="pt-BR" sz="2400" b="1" dirty="0">
+                <a:solidFill>
+                  <a:srgbClr val="FF0000"/>
+                </a:solidFill>
+                <a:latin typeface="Times New Roman" panose="02020603050405020304" pitchFamily="18" charset="0"/>
+                <a:cs typeface="Times New Roman" panose="02020603050405020304" pitchFamily="18" charset="0"/>
+              </a:rPr>
+              <a:t> </a:t>
+            </a:r>
+            <a:r>
+              <a:rPr lang="pt-BR" sz="2400" dirty="0">
+                <a:latin typeface="Times New Roman" panose="02020603050405020304" pitchFamily="18" charset="0"/>
+                <a:cs typeface="Times New Roman" panose="02020603050405020304" pitchFamily="18" charset="0"/>
+                <a:hlinkClick r:id="rId3"/>
+              </a:rPr>
+              <a:t>https://</a:t>
+            </a:r>
+            <a:r>
+              <a:rPr lang="pt-BR" sz="2400" dirty="0">
+                <a:hlinkClick r:id="rId3"/>
+              </a:rPr>
+              <a:t>www.youtube.com/watch?v=zP2xbKerIds</a:t>
+            </a:r>
+            <a:endParaRPr lang="pt-BR" sz="2400" dirty="0">
+              <a:latin typeface="Times New Roman" panose="02020603050405020304" pitchFamily="18" charset="0"/>
+              <a:cs typeface="Times New Roman" panose="02020603050405020304" pitchFamily="18" charset="0"/>
+            </a:endParaRPr>
+          </a:p>
+          <a:p>
+            <a:pPr marL="0" indent="0" algn="just">
+              <a:buNone/>
+            </a:pPr>
+            <a:endParaRPr lang="pt-BR" sz="2400" dirty="0">
+              <a:latin typeface="Times New Roman" panose="02020603050405020304" pitchFamily="18" charset="0"/>
+              <a:cs typeface="Times New Roman" panose="02020603050405020304" pitchFamily="18" charset="0"/>
+            </a:endParaRPr>
+          </a:p>
+          <a:p>
+            <a:pPr marL="0" indent="0" algn="just">
+              <a:buNone/>
+            </a:pPr>
+            <a:r>
+              <a:rPr lang="pt-BR" sz="2400" dirty="0">
+                <a:latin typeface="Times New Roman" panose="02020603050405020304" pitchFamily="18" charset="0"/>
+                <a:cs typeface="Times New Roman" panose="02020603050405020304" pitchFamily="18" charset="0"/>
+              </a:rPr>
+              <a:t>[2] </a:t>
+            </a:r>
+            <a:r>
+              <a:rPr lang="en-US" sz="2400" b="1" dirty="0">
+                <a:latin typeface="Times New Roman" panose="02020603050405020304" pitchFamily="18" charset="0"/>
+                <a:cs typeface="Times New Roman" panose="02020603050405020304" pitchFamily="18" charset="0"/>
+              </a:rPr>
+              <a:t>AVL Tree - Insertion and Rotations</a:t>
+            </a:r>
+            <a:r>
+              <a:rPr lang="en-US" sz="2400" dirty="0">
+                <a:latin typeface="Times New Roman" panose="02020603050405020304" pitchFamily="18" charset="0"/>
+                <a:cs typeface="Times New Roman" panose="02020603050405020304" pitchFamily="18" charset="0"/>
+              </a:rPr>
+              <a:t>.</a:t>
+            </a:r>
+          </a:p>
+          <a:p>
+            <a:pPr marL="0" indent="0" algn="just">
+              <a:buNone/>
+            </a:pPr>
+            <a:r>
+              <a:rPr lang="pt-BR" sz="2400" b="1" dirty="0">
+                <a:solidFill>
+                  <a:srgbClr val="FF0000"/>
+                </a:solidFill>
+                <a:latin typeface="Times New Roman" panose="02020603050405020304" pitchFamily="18" charset="0"/>
+                <a:cs typeface="Times New Roman" panose="02020603050405020304" pitchFamily="18" charset="0"/>
+              </a:rPr>
+              <a:t>Disponível em:</a:t>
+            </a:r>
+          </a:p>
+          <a:p>
+            <a:pPr marL="0" indent="0" algn="just">
+              <a:buNone/>
+            </a:pPr>
+            <a:r>
+              <a:rPr lang="pt-BR" sz="2400" b="1" dirty="0">
+                <a:solidFill>
+                  <a:srgbClr val="FF0000"/>
+                </a:solidFill>
+                <a:latin typeface="Times New Roman" panose="02020603050405020304" pitchFamily="18" charset="0"/>
+                <a:cs typeface="Times New Roman" panose="02020603050405020304" pitchFamily="18" charset="0"/>
+              </a:rPr>
+              <a:t> </a:t>
+            </a:r>
+            <a:r>
+              <a:rPr lang="pt-BR" sz="2400" dirty="0">
+                <a:latin typeface="Times New Roman" panose="02020603050405020304" pitchFamily="18" charset="0"/>
+                <a:cs typeface="Times New Roman" panose="02020603050405020304" pitchFamily="18" charset="0"/>
+                <a:hlinkClick r:id="rId4"/>
+              </a:rPr>
+              <a:t>https://</a:t>
+            </a:r>
+            <a:r>
+              <a:rPr lang="pt-BR" sz="2400" dirty="0">
+                <a:hlinkClick r:id="rId4"/>
+              </a:rPr>
+              <a:t>www.youtube.com/watch?v=jDM6_TnYIqE</a:t>
+            </a:r>
+            <a:r>
+              <a:rPr lang="pt-BR" sz="2400" dirty="0"/>
+              <a:t> </a:t>
+            </a:r>
+            <a:endParaRPr lang="pt-BR" sz="2400" dirty="0">
+              <a:latin typeface="Times New Roman" panose="02020603050405020304" pitchFamily="18" charset="0"/>
+              <a:cs typeface="Times New Roman" panose="02020603050405020304" pitchFamily="18" charset="0"/>
+            </a:endParaRPr>
+          </a:p>
+          <a:p>
+            <a:pPr marL="0" indent="0" algn="just">
+              <a:buNone/>
+            </a:pPr>
+            <a:endParaRPr lang="pt-BR" sz="2400" dirty="0">
+              <a:latin typeface="Times New Roman" panose="02020603050405020304" pitchFamily="18" charset="0"/>
+              <a:cs typeface="Times New Roman" panose="02020603050405020304" pitchFamily="18" charset="0"/>
+            </a:endParaRPr>
+          </a:p>
+        </p:txBody>
+      </p:sp>
+    </p:spTree>
+    <p:extLst>
+      <p:ext uri="{BB962C8B-B14F-4D97-AF65-F5344CB8AC3E}">
+        <p14:creationId xmlns:p14="http://schemas.microsoft.com/office/powerpoint/2010/main" val="2747596967"/>
+      </p:ext>
+    </p:extLst>
+  </p:cSld>
+  <p:clrMapOvr>
+    <a:masterClrMapping/>
+  </p:clrMapOvr>
+  <p:transition spd="med"/>
+</p:sld>
+</file>
+
+<file path=ppt/slides/slide18.xml><?xml version="1.0" encoding="utf-8"?>
+<p:sld xmlns:a="http://schemas.openxmlformats.org/drawingml/2006/main" xmlns:r="http://schemas.openxmlformats.org/officeDocument/2006/relationships" xmlns:p="http://schemas.openxmlformats.org/presentationml/2006/main">
+  <p:cSld>
+    <p:spTree>
+      <p:nvGrpSpPr>
+        <p:cNvPr id="1" name=""/>
+        <p:cNvGrpSpPr/>
+        <p:nvPr/>
+      </p:nvGrpSpPr>
+      <p:grpSpPr>
+        <a:xfrm>
+          <a:off x="0" y="0"/>
+          <a:ext cx="0" cy="0"/>
+          <a:chOff x="0" y="0"/>
+          <a:chExt cx="0" cy="0"/>
+        </a:xfrm>
+      </p:grpSpPr>
+      <p:sp>
+        <p:nvSpPr>
+          <p:cNvPr id="6" name="Title 1"/>
+          <p:cNvSpPr>
+            <a:spLocks noGrp="1"/>
+          </p:cNvSpPr>
+          <p:nvPr>
+            <p:ph type="title"/>
+          </p:nvPr>
+        </p:nvSpPr>
+        <p:spPr>
+          <a:xfrm>
+            <a:off x="457200" y="205980"/>
+            <a:ext cx="8229600" cy="857251"/>
+          </a:xfrm>
+        </p:spPr>
+        <p:txBody>
+          <a:bodyPr>
+            <a:normAutofit/>
+          </a:bodyPr>
+          <a:lstStyle/>
+          <a:p>
+            <a:r>
+              <a:rPr lang="en-US" b="1" dirty="0" err="1">
+                <a:solidFill>
+                  <a:srgbClr val="0070C0"/>
+                </a:solidFill>
+              </a:rPr>
+              <a:t>Dinâmica</a:t>
+            </a:r>
+            <a:r>
+              <a:rPr lang="en-US" b="1" dirty="0">
+                <a:solidFill>
+                  <a:srgbClr val="0070C0"/>
+                </a:solidFill>
+              </a:rPr>
+              <a:t>/</a:t>
+            </a:r>
+            <a:r>
+              <a:rPr lang="en-US" b="1" dirty="0" err="1">
+                <a:solidFill>
+                  <a:srgbClr val="0070C0"/>
+                </a:solidFill>
+              </a:rPr>
+              <a:t>Atividades</a:t>
+            </a:r>
+            <a:endParaRPr lang="en-US" b="1" dirty="0">
+              <a:solidFill>
+                <a:srgbClr val="0070C0"/>
+              </a:solidFill>
+            </a:endParaRPr>
+          </a:p>
+        </p:txBody>
+      </p:sp>
+      <p:sp>
+        <p:nvSpPr>
+          <p:cNvPr id="8" name="Text Placeholder 2"/>
+          <p:cNvSpPr>
+            <a:spLocks noGrp="1"/>
+          </p:cNvSpPr>
+          <p:nvPr>
+            <p:ph type="body" sz="half" idx="1"/>
+          </p:nvPr>
+        </p:nvSpPr>
+        <p:spPr>
+          <a:xfrm>
+            <a:off x="139472" y="1063230"/>
+            <a:ext cx="8865056" cy="3606305"/>
+          </a:xfrm>
+        </p:spPr>
+        <p:txBody>
+          <a:bodyPr>
+            <a:noAutofit/>
+          </a:bodyPr>
+          <a:lstStyle/>
+          <a:p>
+            <a:pPr marL="457200" indent="-457200" algn="just">
+              <a:buFont typeface="+mj-lt"/>
+              <a:buAutoNum type="arabicPeriod"/>
+            </a:pPr>
+            <a:r>
+              <a:rPr lang="pt-BR" sz="2200" dirty="0">
+                <a:latin typeface="Times New Roman" panose="02020603050405020304" pitchFamily="18" charset="0"/>
+                <a:cs typeface="Times New Roman" panose="02020603050405020304" pitchFamily="18" charset="0"/>
+              </a:rPr>
+              <a:t>Monte uma </a:t>
+            </a:r>
+            <a:r>
+              <a:rPr lang="pt-BR" sz="2200" b="1" dirty="0">
+                <a:latin typeface="Times New Roman" panose="02020603050405020304" pitchFamily="18" charset="0"/>
+                <a:cs typeface="Times New Roman" panose="02020603050405020304" pitchFamily="18" charset="0"/>
+              </a:rPr>
+              <a:t>árvore binária </a:t>
+            </a:r>
+            <a:r>
+              <a:rPr lang="pt-BR" sz="2200" dirty="0">
+                <a:latin typeface="Times New Roman" panose="02020603050405020304" pitchFamily="18" charset="0"/>
+                <a:cs typeface="Times New Roman" panose="02020603050405020304" pitchFamily="18" charset="0"/>
+              </a:rPr>
+              <a:t>de busca a partir da sequência:</a:t>
+            </a:r>
+          </a:p>
+          <a:p>
+            <a:pPr marL="904875" lvl="1" indent="-457200" algn="just">
+              <a:buFont typeface="Wingdings" panose="05000000000000000000" pitchFamily="2" charset="2"/>
+              <a:buChar char="§"/>
+            </a:pPr>
+            <a:r>
+              <a:rPr lang="pt-BR" sz="2200" b="1" dirty="0">
+                <a:solidFill>
+                  <a:srgbClr val="FF0000"/>
+                </a:solidFill>
+                <a:latin typeface="Times New Roman" panose="02020603050405020304" pitchFamily="18" charset="0"/>
+                <a:cs typeface="Times New Roman" panose="02020603050405020304" pitchFamily="18" charset="0"/>
+              </a:rPr>
+              <a:t>50, 30, 70, 20, 40, 60, 80</a:t>
+            </a:r>
+            <a:r>
+              <a:rPr lang="pt-BR" sz="2200" dirty="0">
+                <a:latin typeface="Times New Roman" panose="02020603050405020304" pitchFamily="18" charset="0"/>
+                <a:cs typeface="Times New Roman" panose="02020603050405020304" pitchFamily="18" charset="0"/>
+              </a:rPr>
+              <a:t>.</a:t>
+            </a:r>
+          </a:p>
+          <a:p>
+            <a:pPr marL="1348740" lvl="2" indent="-457200" algn="just">
+              <a:buFont typeface="Courier New" panose="02070309020205020404" pitchFamily="49" charset="0"/>
+              <a:buChar char="o"/>
+            </a:pPr>
+            <a:r>
+              <a:rPr lang="pt-BR" sz="2200" dirty="0">
+                <a:latin typeface="Times New Roman" panose="02020603050405020304" pitchFamily="18" charset="0"/>
+                <a:cs typeface="Times New Roman" panose="02020603050405020304" pitchFamily="18" charset="0"/>
+              </a:rPr>
+              <a:t>Desenhe a árvore resultante.</a:t>
+            </a:r>
+          </a:p>
+          <a:p>
+            <a:pPr marL="457200" indent="-457200" algn="just">
+              <a:buFont typeface="+mj-lt"/>
+              <a:buAutoNum type="arabicPeriod"/>
+            </a:pPr>
+            <a:r>
+              <a:rPr lang="pt-BR" sz="2200" dirty="0">
+                <a:latin typeface="Times New Roman" panose="02020603050405020304" pitchFamily="18" charset="0"/>
+                <a:cs typeface="Times New Roman" panose="02020603050405020304" pitchFamily="18" charset="0"/>
+              </a:rPr>
+              <a:t>Insira a sequência </a:t>
+            </a:r>
+            <a:r>
+              <a:rPr lang="pt-BR" sz="2200" b="1" dirty="0">
+                <a:latin typeface="Times New Roman" panose="02020603050405020304" pitchFamily="18" charset="0"/>
+                <a:cs typeface="Times New Roman" panose="02020603050405020304" pitchFamily="18" charset="0"/>
+              </a:rPr>
+              <a:t>10, 20, 30, 40, 50 </a:t>
+            </a:r>
+            <a:r>
+              <a:rPr lang="pt-BR" sz="2200" dirty="0">
+                <a:latin typeface="Times New Roman" panose="02020603050405020304" pitchFamily="18" charset="0"/>
+                <a:cs typeface="Times New Roman" panose="02020603050405020304" pitchFamily="18" charset="0"/>
+              </a:rPr>
+              <a:t>em uma </a:t>
+            </a:r>
+            <a:r>
+              <a:rPr lang="pt-BR" sz="2200" b="1" dirty="0">
+                <a:latin typeface="Times New Roman" panose="02020603050405020304" pitchFamily="18" charset="0"/>
+                <a:cs typeface="Times New Roman" panose="02020603050405020304" pitchFamily="18" charset="0"/>
+              </a:rPr>
+              <a:t>árvore AVL</a:t>
+            </a:r>
+            <a:r>
+              <a:rPr lang="pt-BR" sz="2200" dirty="0">
+                <a:latin typeface="Times New Roman" panose="02020603050405020304" pitchFamily="18" charset="0"/>
+                <a:cs typeface="Times New Roman" panose="02020603050405020304" pitchFamily="18" charset="0"/>
+              </a:rPr>
+              <a:t>.</a:t>
+            </a:r>
+          </a:p>
+          <a:p>
+            <a:pPr marL="904875" lvl="1" indent="-457200" algn="just">
+              <a:buFont typeface="Wingdings" panose="05000000000000000000" pitchFamily="2" charset="2"/>
+              <a:buChar char="§"/>
+            </a:pPr>
+            <a:r>
+              <a:rPr lang="pt-BR" sz="2200" dirty="0">
+                <a:latin typeface="Times New Roman" panose="02020603050405020304" pitchFamily="18" charset="0"/>
+                <a:cs typeface="Times New Roman" panose="02020603050405020304" pitchFamily="18" charset="0"/>
+              </a:rPr>
+              <a:t>Mostre cada passo de balanceamento.</a:t>
+            </a:r>
+          </a:p>
+          <a:p>
+            <a:pPr marL="457200" indent="-457200" algn="just">
+              <a:buFont typeface="+mj-lt"/>
+              <a:buAutoNum type="arabicPeriod"/>
+            </a:pPr>
+            <a:r>
+              <a:rPr lang="pt-BR" sz="2200" dirty="0">
+                <a:latin typeface="Times New Roman" panose="02020603050405020304" pitchFamily="18" charset="0"/>
+                <a:cs typeface="Times New Roman" panose="02020603050405020304" pitchFamily="18" charset="0"/>
+              </a:rPr>
+              <a:t>Explique por que as </a:t>
+            </a:r>
+            <a:r>
+              <a:rPr lang="pt-BR" sz="2200" b="1" dirty="0">
+                <a:latin typeface="Times New Roman" panose="02020603050405020304" pitchFamily="18" charset="0"/>
+                <a:cs typeface="Times New Roman" panose="02020603050405020304" pitchFamily="18" charset="0"/>
+              </a:rPr>
+              <a:t>rotações</a:t>
+            </a:r>
+            <a:r>
+              <a:rPr lang="pt-BR" sz="2200" dirty="0">
+                <a:latin typeface="Times New Roman" panose="02020603050405020304" pitchFamily="18" charset="0"/>
+                <a:cs typeface="Times New Roman" panose="02020603050405020304" pitchFamily="18" charset="0"/>
+              </a:rPr>
+              <a:t> preservam a propriedade de </a:t>
+            </a:r>
+            <a:r>
+              <a:rPr lang="pt-BR" sz="2200" b="1" dirty="0">
+                <a:solidFill>
+                  <a:srgbClr val="FF0000"/>
+                </a:solidFill>
+                <a:latin typeface="Times New Roman" panose="02020603050405020304" pitchFamily="18" charset="0"/>
+                <a:cs typeface="Times New Roman" panose="02020603050405020304" pitchFamily="18" charset="0"/>
+              </a:rPr>
+              <a:t>BST</a:t>
+            </a:r>
+            <a:r>
+              <a:rPr lang="pt-BR" sz="2200" dirty="0">
+                <a:latin typeface="Times New Roman" panose="02020603050405020304" pitchFamily="18" charset="0"/>
+                <a:cs typeface="Times New Roman" panose="02020603050405020304" pitchFamily="18" charset="0"/>
+              </a:rPr>
+              <a:t>.</a:t>
+            </a:r>
+          </a:p>
+          <a:p>
+            <a:pPr marL="0" indent="0" algn="just">
+              <a:buNone/>
+            </a:pPr>
+            <a:endParaRPr lang="pt-BR" sz="2200" dirty="0">
+              <a:latin typeface="Times New Roman" panose="02020603050405020304" pitchFamily="18" charset="0"/>
+              <a:cs typeface="Times New Roman" panose="02020603050405020304" pitchFamily="18" charset="0"/>
+            </a:endParaRPr>
+          </a:p>
+          <a:p>
+            <a:pPr marL="0" indent="0" algn="just">
+              <a:buNone/>
+            </a:pPr>
+            <a:r>
+              <a:rPr lang="pt-BR" sz="2200" dirty="0">
+                <a:latin typeface="Calibri" panose="020F0502020204030204" pitchFamily="34" charset="0"/>
+                <a:hlinkClick r:id="rId3"/>
+              </a:rPr>
+              <a:t>https://visualgo.net/en</a:t>
+            </a:r>
+            <a:r>
+              <a:rPr lang="pt-BR" sz="2200" dirty="0">
+                <a:latin typeface="Calibri" panose="020F0502020204030204" pitchFamily="34" charset="0"/>
+              </a:rPr>
+              <a:t> </a:t>
+            </a:r>
+          </a:p>
+        </p:txBody>
+      </p:sp>
+    </p:spTree>
+    <p:extLst>
+      <p:ext uri="{BB962C8B-B14F-4D97-AF65-F5344CB8AC3E}">
+        <p14:creationId xmlns:p14="http://schemas.microsoft.com/office/powerpoint/2010/main" val="2470652989"/>
+      </p:ext>
+    </p:extLst>
+  </p:cSld>
+  <p:clrMapOvr>
+    <a:masterClrMapping/>
+  </p:clrMapOvr>
+  <p:transition spd="med"/>
+</p:sld>
+</file>
+
+<file path=ppt/slides/slide19.xml><?xml version="1.0" encoding="utf-8"?>
+<p:sld xmlns:a="http://schemas.openxmlformats.org/drawingml/2006/main" xmlns:r="http://schemas.openxmlformats.org/officeDocument/2006/relationships" xmlns:p="http://schemas.openxmlformats.org/presentationml/2006/main">
+  <p:cSld>
+    <p:spTree>
+      <p:nvGrpSpPr>
+        <p:cNvPr id="1" name=""/>
+        <p:cNvGrpSpPr/>
+        <p:nvPr/>
+      </p:nvGrpSpPr>
+      <p:grpSpPr>
+        <a:xfrm>
+          <a:off x="0" y="0"/>
+          <a:ext cx="0" cy="0"/>
+          <a:chOff x="0" y="0"/>
+          <a:chExt cx="0" cy="0"/>
+        </a:xfrm>
+      </p:grpSpPr>
+      <p:sp>
+        <p:nvSpPr>
+          <p:cNvPr id="6" name="Title 1"/>
+          <p:cNvSpPr>
+            <a:spLocks noGrp="1"/>
+          </p:cNvSpPr>
+          <p:nvPr>
+            <p:ph type="title"/>
+          </p:nvPr>
+        </p:nvSpPr>
+        <p:spPr>
+          <a:xfrm>
+            <a:off x="457200" y="205980"/>
+            <a:ext cx="8229600" cy="857251"/>
+          </a:xfrm>
+        </p:spPr>
+        <p:txBody>
+          <a:bodyPr>
+            <a:normAutofit/>
+          </a:bodyPr>
+          <a:lstStyle/>
+          <a:p>
+            <a:r>
+              <a:rPr lang="en-US" b="1" dirty="0" err="1">
+                <a:solidFill>
+                  <a:srgbClr val="0070C0"/>
+                </a:solidFill>
+              </a:rPr>
+              <a:t>Referências</a:t>
+            </a:r>
+            <a:r>
+              <a:rPr lang="en-US" b="1" dirty="0">
+                <a:solidFill>
+                  <a:srgbClr val="0070C0"/>
+                </a:solidFill>
+              </a:rPr>
+              <a:t> </a:t>
+            </a:r>
+            <a:r>
+              <a:rPr lang="en-US" b="1" dirty="0" err="1">
+                <a:solidFill>
+                  <a:srgbClr val="0070C0"/>
+                </a:solidFill>
+              </a:rPr>
+              <a:t>Bibliográficas</a:t>
+            </a:r>
+            <a:endParaRPr lang="en-US" b="1" dirty="0">
+              <a:solidFill>
+                <a:srgbClr val="0070C0"/>
+              </a:solidFill>
+            </a:endParaRPr>
+          </a:p>
+        </p:txBody>
+      </p:sp>
+      <p:sp>
+        <p:nvSpPr>
+          <p:cNvPr id="8" name="Text Placeholder 2"/>
+          <p:cNvSpPr>
+            <a:spLocks noGrp="1"/>
+          </p:cNvSpPr>
+          <p:nvPr>
+            <p:ph type="body" sz="half" idx="1"/>
+          </p:nvPr>
+        </p:nvSpPr>
+        <p:spPr>
+          <a:xfrm>
+            <a:off x="142865" y="1200151"/>
+            <a:ext cx="8865056" cy="3394472"/>
+          </a:xfrm>
+        </p:spPr>
+        <p:txBody>
+          <a:bodyPr>
+            <a:noAutofit/>
+          </a:bodyPr>
+          <a:lstStyle/>
+          <a:p>
+            <a:pPr marL="0" indent="0" algn="just">
+              <a:buNone/>
+            </a:pPr>
+            <a:r>
+              <a:rPr lang="pt-BR" sz="2000" dirty="0">
+                <a:latin typeface="Times New Roman" panose="02020603050405020304" pitchFamily="18" charset="0"/>
+                <a:cs typeface="Times New Roman" panose="02020603050405020304" pitchFamily="18" charset="0"/>
+              </a:rPr>
+              <a:t>[1] </a:t>
+            </a:r>
+            <a:r>
+              <a:rPr lang="pt-BR" sz="2000" b="1" dirty="0">
+                <a:latin typeface="Times New Roman" panose="02020603050405020304" pitchFamily="18" charset="0"/>
+                <a:cs typeface="Times New Roman" panose="02020603050405020304" pitchFamily="18" charset="0"/>
+              </a:rPr>
+              <a:t>CORMEN, Thomas H.; LEISERSON, Charles E.; RIVEST, Ronald L.; STEIN, Clifford</a:t>
+            </a:r>
+            <a:r>
+              <a:rPr lang="pt-BR" sz="2000" dirty="0">
+                <a:latin typeface="Times New Roman" panose="02020603050405020304" pitchFamily="18" charset="0"/>
+                <a:cs typeface="Times New Roman" panose="02020603050405020304" pitchFamily="18" charset="0"/>
+              </a:rPr>
+              <a:t>. Algoritmos: teoria e prática. 3. ed. Rio de Janeiro: Elsevier, 2012.</a:t>
+            </a:r>
+          </a:p>
+          <a:p>
+            <a:pPr marL="0" indent="0" algn="just">
+              <a:buNone/>
+            </a:pPr>
+            <a:endParaRPr lang="pt-BR" sz="2000" dirty="0">
+              <a:latin typeface="Times New Roman" panose="02020603050405020304" pitchFamily="18" charset="0"/>
+              <a:cs typeface="Times New Roman" panose="02020603050405020304" pitchFamily="18" charset="0"/>
+            </a:endParaRPr>
+          </a:p>
+          <a:p>
+            <a:pPr marL="0" indent="0" algn="just">
+              <a:buNone/>
+            </a:pPr>
+            <a:endParaRPr lang="pt-BR" sz="2000" dirty="0">
+              <a:latin typeface="Times New Roman" panose="02020603050405020304" pitchFamily="18" charset="0"/>
+              <a:cs typeface="Times New Roman" panose="02020603050405020304" pitchFamily="18" charset="0"/>
+            </a:endParaRPr>
+          </a:p>
+          <a:p>
+            <a:pPr marL="0" indent="0" algn="just">
+              <a:buNone/>
+            </a:pPr>
+            <a:endParaRPr lang="pt-BR" sz="2000" dirty="0">
+              <a:latin typeface="Times New Roman" panose="02020603050405020304" pitchFamily="18" charset="0"/>
+              <a:cs typeface="Times New Roman" panose="02020603050405020304" pitchFamily="18" charset="0"/>
+            </a:endParaRPr>
+          </a:p>
+          <a:p>
+            <a:pPr marL="0" indent="0" algn="just">
+              <a:buNone/>
+            </a:pPr>
+            <a:r>
+              <a:rPr lang="pt-BR" sz="2000" dirty="0">
+                <a:latin typeface="Times New Roman" panose="02020603050405020304" pitchFamily="18" charset="0"/>
+                <a:cs typeface="Times New Roman" panose="02020603050405020304" pitchFamily="18" charset="0"/>
+              </a:rPr>
+              <a:t>[2] </a:t>
+            </a:r>
+            <a:r>
+              <a:rPr lang="pt-BR" sz="2000" b="1" dirty="0">
+                <a:latin typeface="Times New Roman" panose="02020603050405020304" pitchFamily="18" charset="0"/>
+                <a:cs typeface="Times New Roman" panose="02020603050405020304" pitchFamily="18" charset="0"/>
+              </a:rPr>
+              <a:t>SEDGEWICK, Robert; WAYNE, Kevin</a:t>
+            </a:r>
+            <a:r>
+              <a:rPr lang="pt-BR" sz="2000" dirty="0">
+                <a:latin typeface="Times New Roman" panose="02020603050405020304" pitchFamily="18" charset="0"/>
+                <a:cs typeface="Times New Roman" panose="02020603050405020304" pitchFamily="18" charset="0"/>
+              </a:rPr>
+              <a:t>. </a:t>
+            </a:r>
+            <a:r>
+              <a:rPr lang="pt-BR" sz="2000" dirty="0" err="1">
+                <a:latin typeface="Times New Roman" panose="02020603050405020304" pitchFamily="18" charset="0"/>
+                <a:cs typeface="Times New Roman" panose="02020603050405020304" pitchFamily="18" charset="0"/>
+              </a:rPr>
+              <a:t>Algorithms</a:t>
+            </a:r>
+            <a:r>
+              <a:rPr lang="pt-BR" sz="2000" dirty="0">
+                <a:latin typeface="Times New Roman" panose="02020603050405020304" pitchFamily="18" charset="0"/>
+                <a:cs typeface="Times New Roman" panose="02020603050405020304" pitchFamily="18" charset="0"/>
+              </a:rPr>
+              <a:t>. 4. ed. Boston: Addison-Wesley, </a:t>
+            </a:r>
+            <a:r>
+              <a:rPr lang="pt-BR" sz="2000">
+                <a:latin typeface="Times New Roman" panose="02020603050405020304" pitchFamily="18" charset="0"/>
+                <a:cs typeface="Times New Roman" panose="02020603050405020304" pitchFamily="18" charset="0"/>
+              </a:rPr>
+              <a:t>2011.</a:t>
+            </a:r>
+            <a:endParaRPr lang="pt-BR" sz="2000" dirty="0">
+              <a:latin typeface="Times New Roman" panose="02020603050405020304" pitchFamily="18" charset="0"/>
+              <a:cs typeface="Times New Roman" panose="02020603050405020304" pitchFamily="18" charset="0"/>
+            </a:endParaRPr>
+          </a:p>
+        </p:txBody>
+      </p:sp>
+    </p:spTree>
+    <p:extLst>
+      <p:ext uri="{BB962C8B-B14F-4D97-AF65-F5344CB8AC3E}">
+        <p14:creationId xmlns:p14="http://schemas.microsoft.com/office/powerpoint/2010/main" val="1115311843"/>
+      </p:ext>
+    </p:extLst>
+  </p:cSld>
+  <p:clrMapOvr>
+    <a:masterClrMapping/>
+  </p:clrMapOvr>
+  <p:transition spd="med"/>
+</p:sld>
+</file>
+
 <file path=ppt/slides/slide2.xml><?xml version="1.0" encoding="utf-8"?>
 <p:sld xmlns:a="http://schemas.openxmlformats.org/drawingml/2006/main" xmlns:r="http://schemas.openxmlformats.org/officeDocument/2006/relationships" xmlns:p="http://schemas.openxmlformats.org/presentationml/2006/main">
   <p:cSld>
@@ -3963,7 +8962,7 @@
                   <a:schemeClr val="bg1"/>
                 </a:solidFill>
               </a:rPr>
-              <a:t>Árvore Binária e AVL</a:t>
+              <a:t>Árvore Binária e Balanceamento AVL</a:t>
             </a:r>
           </a:p>
         </p:txBody>
@@ -4315,804 +9314,7 @@
 </p:sld>
 </file>
 
-<file path=ppt/slides/slide3.xml><?xml version="1.0" encoding="utf-8"?>
-<p:sld xmlns:a="http://schemas.openxmlformats.org/drawingml/2006/main" xmlns:r="http://schemas.openxmlformats.org/officeDocument/2006/relationships" xmlns:p="http://schemas.openxmlformats.org/presentationml/2006/main">
-  <p:cSld>
-    <p:spTree>
-      <p:nvGrpSpPr>
-        <p:cNvPr id="1" name=""/>
-        <p:cNvGrpSpPr/>
-        <p:nvPr/>
-      </p:nvGrpSpPr>
-      <p:grpSpPr>
-        <a:xfrm>
-          <a:off x="0" y="0"/>
-          <a:ext cx="0" cy="0"/>
-          <a:chOff x="0" y="0"/>
-          <a:chExt cx="0" cy="0"/>
-        </a:xfrm>
-      </p:grpSpPr>
-      <p:sp>
-        <p:nvSpPr>
-          <p:cNvPr id="6" name="Title 1"/>
-          <p:cNvSpPr>
-            <a:spLocks noGrp="1"/>
-          </p:cNvSpPr>
-          <p:nvPr>
-            <p:ph type="title"/>
-          </p:nvPr>
-        </p:nvSpPr>
-        <p:spPr>
-          <a:xfrm>
-            <a:off x="457200" y="205980"/>
-            <a:ext cx="8229600" cy="857251"/>
-          </a:xfrm>
-        </p:spPr>
-        <p:txBody>
-          <a:bodyPr>
-            <a:normAutofit/>
-          </a:bodyPr>
-          <a:lstStyle/>
-          <a:p>
-            <a:r>
-              <a:rPr lang="en-US" b="1" dirty="0" err="1">
-                <a:solidFill>
-                  <a:srgbClr val="0070C0"/>
-                </a:solidFill>
-              </a:rPr>
-              <a:t>Árvore</a:t>
-            </a:r>
-            <a:r>
-              <a:rPr lang="en-US" b="1" dirty="0">
-                <a:solidFill>
-                  <a:srgbClr val="0070C0"/>
-                </a:solidFill>
-              </a:rPr>
-              <a:t> </a:t>
-            </a:r>
-            <a:r>
-              <a:rPr lang="en-US" b="1" dirty="0" err="1">
-                <a:solidFill>
-                  <a:srgbClr val="0070C0"/>
-                </a:solidFill>
-              </a:rPr>
-              <a:t>Binária</a:t>
-            </a:r>
-            <a:r>
-              <a:rPr lang="en-US" b="1">
-                <a:solidFill>
-                  <a:srgbClr val="0070C0"/>
-                </a:solidFill>
-              </a:rPr>
-              <a:t> e AVL</a:t>
-            </a:r>
-            <a:endParaRPr lang="en-US" b="1" dirty="0">
-              <a:solidFill>
-                <a:srgbClr val="0070C0"/>
-              </a:solidFill>
-            </a:endParaRPr>
-          </a:p>
-        </p:txBody>
-      </p:sp>
-      <p:sp>
-        <p:nvSpPr>
-          <p:cNvPr id="8" name="Text Placeholder 2"/>
-          <p:cNvSpPr>
-            <a:spLocks noGrp="1"/>
-          </p:cNvSpPr>
-          <p:nvPr>
-            <p:ph type="body" sz="half" idx="1"/>
-          </p:nvPr>
-        </p:nvSpPr>
-        <p:spPr>
-          <a:xfrm>
-            <a:off x="142865" y="1200150"/>
-            <a:ext cx="8865056" cy="3737370"/>
-          </a:xfrm>
-        </p:spPr>
-        <p:txBody>
-          <a:bodyPr>
-            <a:noAutofit/>
-          </a:bodyPr>
-          <a:lstStyle/>
-          <a:p>
-            <a:pPr marL="0" indent="0" algn="just">
-              <a:buNone/>
-            </a:pPr>
-            <a:r>
-              <a:rPr lang="pt-BR" sz="2000" dirty="0">
-                <a:latin typeface="Times New Roman" panose="02020603050405020304" pitchFamily="18" charset="0"/>
-                <a:cs typeface="Times New Roman" panose="02020603050405020304" pitchFamily="18" charset="0"/>
-              </a:rPr>
-              <a:t>Algoritmos e Complexidade</a:t>
-            </a:r>
-            <a:r>
-              <a:rPr lang="pt-BR" sz="2000" dirty="0">
-                <a:solidFill>
-                  <a:schemeClr val="tx1"/>
-                </a:solidFill>
-                <a:latin typeface="Times New Roman" panose="02020603050405020304" pitchFamily="18" charset="0"/>
-                <a:cs typeface="Times New Roman" panose="02020603050405020304" pitchFamily="18" charset="0"/>
-              </a:rPr>
-              <a:t> ...</a:t>
-            </a:r>
-          </a:p>
-        </p:txBody>
-      </p:sp>
-    </p:spTree>
-    <p:extLst>
-      <p:ext uri="{BB962C8B-B14F-4D97-AF65-F5344CB8AC3E}">
-        <p14:creationId xmlns:p14="http://schemas.microsoft.com/office/powerpoint/2010/main" val="1362980025"/>
-      </p:ext>
-    </p:extLst>
-  </p:cSld>
-  <p:clrMapOvr>
-    <a:masterClrMapping/>
-  </p:clrMapOvr>
-  <p:transition spd="med"/>
-</p:sld>
-</file>
-
-<file path=ppt/slides/slide4.xml><?xml version="1.0" encoding="utf-8"?>
-<p:sld xmlns:a="http://schemas.openxmlformats.org/drawingml/2006/main" xmlns:r="http://schemas.openxmlformats.org/officeDocument/2006/relationships" xmlns:p="http://schemas.openxmlformats.org/presentationml/2006/main">
-  <p:cSld>
-    <p:spTree>
-      <p:nvGrpSpPr>
-        <p:cNvPr id="1" name=""/>
-        <p:cNvGrpSpPr/>
-        <p:nvPr/>
-      </p:nvGrpSpPr>
-      <p:grpSpPr>
-        <a:xfrm>
-          <a:off x="0" y="0"/>
-          <a:ext cx="0" cy="0"/>
-          <a:chOff x="0" y="0"/>
-          <a:chExt cx="0" cy="0"/>
-        </a:xfrm>
-      </p:grpSpPr>
-      <p:sp>
-        <p:nvSpPr>
-          <p:cNvPr id="6" name="Title 1"/>
-          <p:cNvSpPr>
-            <a:spLocks noGrp="1"/>
-          </p:cNvSpPr>
-          <p:nvPr>
-            <p:ph type="title"/>
-          </p:nvPr>
-        </p:nvSpPr>
-        <p:spPr>
-          <a:xfrm>
-            <a:off x="457200" y="205980"/>
-            <a:ext cx="8229600" cy="857251"/>
-          </a:xfrm>
-        </p:spPr>
-        <p:txBody>
-          <a:bodyPr>
-            <a:normAutofit/>
-          </a:bodyPr>
-          <a:lstStyle/>
-          <a:p>
-            <a:r>
-              <a:rPr lang="en-US" b="1" dirty="0" err="1">
-                <a:solidFill>
-                  <a:srgbClr val="0070C0"/>
-                </a:solidFill>
-              </a:rPr>
-              <a:t>Leitura</a:t>
-            </a:r>
-            <a:r>
-              <a:rPr lang="en-US" b="1" dirty="0">
-                <a:solidFill>
-                  <a:srgbClr val="0070C0"/>
-                </a:solidFill>
-              </a:rPr>
-              <a:t> </a:t>
-            </a:r>
-            <a:r>
-              <a:rPr lang="en-US" b="1" dirty="0" err="1">
-                <a:solidFill>
-                  <a:srgbClr val="0070C0"/>
-                </a:solidFill>
-              </a:rPr>
-              <a:t>Específica</a:t>
-            </a:r>
-            <a:endParaRPr lang="en-US" b="1" dirty="0">
-              <a:solidFill>
-                <a:srgbClr val="0070C0"/>
-              </a:solidFill>
-            </a:endParaRPr>
-          </a:p>
-        </p:txBody>
-      </p:sp>
-      <p:sp>
-        <p:nvSpPr>
-          <p:cNvPr id="8" name="Text Placeholder 2"/>
-          <p:cNvSpPr>
-            <a:spLocks noGrp="1"/>
-          </p:cNvSpPr>
-          <p:nvPr>
-            <p:ph type="body" sz="half" idx="1"/>
-          </p:nvPr>
-        </p:nvSpPr>
-        <p:spPr>
-          <a:xfrm>
-            <a:off x="142865" y="1200150"/>
-            <a:ext cx="8865056" cy="3737369"/>
-          </a:xfrm>
-        </p:spPr>
-        <p:txBody>
-          <a:bodyPr>
-            <a:noAutofit/>
-          </a:bodyPr>
-          <a:lstStyle/>
-          <a:p>
-            <a:pPr marL="0" indent="0" algn="just">
-              <a:buNone/>
-            </a:pPr>
-            <a:r>
-              <a:rPr lang="pt-BR" sz="2000" dirty="0">
-                <a:latin typeface="Times New Roman" panose="02020603050405020304" pitchFamily="18" charset="0"/>
-                <a:cs typeface="Times New Roman" panose="02020603050405020304" pitchFamily="18" charset="0"/>
-              </a:rPr>
-              <a:t>[1] Algoritmos e Complexidade – Parte 1.</a:t>
-            </a:r>
-          </a:p>
-          <a:p>
-            <a:pPr marL="0" indent="0" algn="just">
-              <a:buNone/>
-            </a:pPr>
-            <a:r>
-              <a:rPr lang="pt-BR" sz="2000" b="1" dirty="0">
-                <a:solidFill>
-                  <a:srgbClr val="FF0000"/>
-                </a:solidFill>
-                <a:latin typeface="Times New Roman" panose="02020603050405020304" pitchFamily="18" charset="0"/>
-                <a:cs typeface="Times New Roman" panose="02020603050405020304" pitchFamily="18" charset="0"/>
-              </a:rPr>
-              <a:t>Disponível em:</a:t>
-            </a:r>
-          </a:p>
-          <a:p>
-            <a:pPr marL="0" indent="0" algn="just">
-              <a:buNone/>
-            </a:pPr>
-            <a:endParaRPr lang="pt-BR" sz="2000" dirty="0">
-              <a:latin typeface="Times New Roman" panose="02020603050405020304" pitchFamily="18" charset="0"/>
-              <a:cs typeface="Times New Roman" panose="02020603050405020304" pitchFamily="18" charset="0"/>
-            </a:endParaRPr>
-          </a:p>
-          <a:p>
-            <a:pPr marL="0" indent="0" algn="just">
-              <a:buNone/>
-            </a:pPr>
-            <a:r>
-              <a:rPr lang="pt-BR" sz="2000" dirty="0">
-                <a:latin typeface="Times New Roman" panose="02020603050405020304" pitchFamily="18" charset="0"/>
-                <a:cs typeface="Times New Roman" panose="02020603050405020304" pitchFamily="18" charset="0"/>
-              </a:rPr>
-              <a:t>[2] Algoritmos e Complexidade – Parte 2. </a:t>
-            </a:r>
-          </a:p>
-          <a:p>
-            <a:pPr marL="0" indent="0" algn="just">
-              <a:buNone/>
-            </a:pPr>
-            <a:r>
-              <a:rPr lang="pt-BR" sz="2000" b="1" dirty="0">
-                <a:solidFill>
-                  <a:srgbClr val="FF0000"/>
-                </a:solidFill>
-                <a:latin typeface="Times New Roman" panose="02020603050405020304" pitchFamily="18" charset="0"/>
-                <a:cs typeface="Times New Roman" panose="02020603050405020304" pitchFamily="18" charset="0"/>
-              </a:rPr>
-              <a:t>Disponível em:</a:t>
-            </a:r>
-            <a:endParaRPr lang="pt-BR" sz="2000" dirty="0">
-              <a:latin typeface="Calibri" panose="020F0502020204030204" pitchFamily="34" charset="0"/>
-            </a:endParaRPr>
-          </a:p>
-        </p:txBody>
-      </p:sp>
-    </p:spTree>
-    <p:extLst>
-      <p:ext uri="{BB962C8B-B14F-4D97-AF65-F5344CB8AC3E}">
-        <p14:creationId xmlns:p14="http://schemas.microsoft.com/office/powerpoint/2010/main" val="3680270425"/>
-      </p:ext>
-    </p:extLst>
-  </p:cSld>
-  <p:clrMapOvr>
-    <a:masterClrMapping/>
-  </p:clrMapOvr>
-  <p:transition spd="med"/>
-</p:sld>
-</file>
-
-<file path=ppt/slides/slide5.xml><?xml version="1.0" encoding="utf-8"?>
-<p:sld xmlns:a="http://schemas.openxmlformats.org/drawingml/2006/main" xmlns:r="http://schemas.openxmlformats.org/officeDocument/2006/relationships" xmlns:p="http://schemas.openxmlformats.org/presentationml/2006/main">
-  <p:cSld>
-    <p:spTree>
-      <p:nvGrpSpPr>
-        <p:cNvPr id="1" name=""/>
-        <p:cNvGrpSpPr/>
-        <p:nvPr/>
-      </p:nvGrpSpPr>
-      <p:grpSpPr>
-        <a:xfrm>
-          <a:off x="0" y="0"/>
-          <a:ext cx="0" cy="0"/>
-          <a:chOff x="0" y="0"/>
-          <a:chExt cx="0" cy="0"/>
-        </a:xfrm>
-      </p:grpSpPr>
-      <p:sp>
-        <p:nvSpPr>
-          <p:cNvPr id="6" name="Title 1"/>
-          <p:cNvSpPr>
-            <a:spLocks noGrp="1"/>
-          </p:cNvSpPr>
-          <p:nvPr>
-            <p:ph type="title"/>
-          </p:nvPr>
-        </p:nvSpPr>
-        <p:spPr>
-          <a:xfrm>
-            <a:off x="457200" y="205980"/>
-            <a:ext cx="8229600" cy="857251"/>
-          </a:xfrm>
-        </p:spPr>
-        <p:txBody>
-          <a:bodyPr>
-            <a:normAutofit/>
-          </a:bodyPr>
-          <a:lstStyle/>
-          <a:p>
-            <a:r>
-              <a:rPr lang="en-US" b="1" dirty="0" err="1">
-                <a:solidFill>
-                  <a:srgbClr val="0070C0"/>
-                </a:solidFill>
-              </a:rPr>
-              <a:t>Aprenda</a:t>
-            </a:r>
-            <a:r>
-              <a:rPr lang="en-US" b="1" dirty="0">
-                <a:solidFill>
-                  <a:srgbClr val="0070C0"/>
-                </a:solidFill>
-              </a:rPr>
-              <a:t>+</a:t>
-            </a:r>
-          </a:p>
-        </p:txBody>
-      </p:sp>
-      <p:sp>
-        <p:nvSpPr>
-          <p:cNvPr id="8" name="Text Placeholder 2"/>
-          <p:cNvSpPr>
-            <a:spLocks noGrp="1"/>
-          </p:cNvSpPr>
-          <p:nvPr>
-            <p:ph type="body" sz="half" idx="1"/>
-          </p:nvPr>
-        </p:nvSpPr>
-        <p:spPr>
-          <a:xfrm>
-            <a:off x="142865" y="1200150"/>
-            <a:ext cx="8865056" cy="3737370"/>
-          </a:xfrm>
-        </p:spPr>
-        <p:txBody>
-          <a:bodyPr>
-            <a:noAutofit/>
-          </a:bodyPr>
-          <a:lstStyle/>
-          <a:p>
-            <a:pPr marL="0" indent="0" algn="just">
-              <a:buNone/>
-            </a:pPr>
-            <a:r>
-              <a:rPr lang="pt-BR" sz="2400" dirty="0">
-                <a:latin typeface="Times New Roman" panose="02020603050405020304" pitchFamily="18" charset="0"/>
-                <a:cs typeface="Times New Roman" panose="02020603050405020304" pitchFamily="18" charset="0"/>
-              </a:rPr>
-              <a:t>[1] Algoritmos e Complexidade – Parte 1</a:t>
-            </a:r>
-          </a:p>
-          <a:p>
-            <a:pPr marL="0" indent="0" algn="just">
-              <a:buNone/>
-            </a:pPr>
-            <a:r>
-              <a:rPr lang="pt-BR" sz="2400" b="1" dirty="0">
-                <a:solidFill>
-                  <a:srgbClr val="FF0000"/>
-                </a:solidFill>
-                <a:latin typeface="Times New Roman" panose="02020603050405020304" pitchFamily="18" charset="0"/>
-                <a:cs typeface="Times New Roman" panose="02020603050405020304" pitchFamily="18" charset="0"/>
-              </a:rPr>
-              <a:t>Disponível em: </a:t>
-            </a:r>
-            <a:r>
-              <a:rPr lang="pt-BR" sz="2400" dirty="0">
-                <a:latin typeface="Times New Roman" panose="02020603050405020304" pitchFamily="18" charset="0"/>
-                <a:cs typeface="Times New Roman" panose="02020603050405020304" pitchFamily="18" charset="0"/>
-                <a:hlinkClick r:id="rId3"/>
-              </a:rPr>
-              <a:t>https://</a:t>
-            </a:r>
-            <a:endParaRPr lang="pt-BR" sz="2400" dirty="0">
-              <a:latin typeface="Times New Roman" panose="02020603050405020304" pitchFamily="18" charset="0"/>
-              <a:cs typeface="Times New Roman" panose="02020603050405020304" pitchFamily="18" charset="0"/>
-            </a:endParaRPr>
-          </a:p>
-          <a:p>
-            <a:pPr marL="0" indent="0" algn="just">
-              <a:buNone/>
-            </a:pPr>
-            <a:endParaRPr lang="pt-BR" sz="2400" dirty="0">
-              <a:latin typeface="Times New Roman" panose="02020603050405020304" pitchFamily="18" charset="0"/>
-              <a:cs typeface="Times New Roman" panose="02020603050405020304" pitchFamily="18" charset="0"/>
-            </a:endParaRPr>
-          </a:p>
-          <a:p>
-            <a:pPr marL="0" indent="0" algn="just">
-              <a:buNone/>
-            </a:pPr>
-            <a:r>
-              <a:rPr lang="pt-BR" sz="2400" dirty="0">
-                <a:latin typeface="Times New Roman" panose="02020603050405020304" pitchFamily="18" charset="0"/>
-                <a:cs typeface="Times New Roman" panose="02020603050405020304" pitchFamily="18" charset="0"/>
-              </a:rPr>
-              <a:t>[2] Algoritmos e Complexidade – Parte 2</a:t>
-            </a:r>
-          </a:p>
-          <a:p>
-            <a:pPr marL="0" indent="0" algn="just">
-              <a:buNone/>
-            </a:pPr>
-            <a:r>
-              <a:rPr lang="pt-BR" sz="2400" b="1" dirty="0">
-                <a:solidFill>
-                  <a:srgbClr val="FF0000"/>
-                </a:solidFill>
-                <a:latin typeface="Times New Roman" panose="02020603050405020304" pitchFamily="18" charset="0"/>
-                <a:cs typeface="Times New Roman" panose="02020603050405020304" pitchFamily="18" charset="0"/>
-              </a:rPr>
-              <a:t>Disponível em: </a:t>
-            </a:r>
-            <a:r>
-              <a:rPr lang="pt-BR" sz="2400" dirty="0">
-                <a:latin typeface="Times New Roman" panose="02020603050405020304" pitchFamily="18" charset="0"/>
-                <a:cs typeface="Times New Roman" panose="02020603050405020304" pitchFamily="18" charset="0"/>
-                <a:hlinkClick r:id="rId4"/>
-              </a:rPr>
-              <a:t>https://</a:t>
-            </a:r>
-            <a:endParaRPr lang="pt-BR" sz="2400" dirty="0">
-              <a:latin typeface="Times New Roman" panose="02020603050405020304" pitchFamily="18" charset="0"/>
-              <a:cs typeface="Times New Roman" panose="02020603050405020304" pitchFamily="18" charset="0"/>
-            </a:endParaRPr>
-          </a:p>
-          <a:p>
-            <a:pPr marL="0" indent="0" algn="just">
-              <a:buNone/>
-            </a:pPr>
-            <a:endParaRPr lang="pt-BR" sz="2400" dirty="0">
-              <a:latin typeface="Times New Roman" panose="02020603050405020304" pitchFamily="18" charset="0"/>
-              <a:cs typeface="Times New Roman" panose="02020603050405020304" pitchFamily="18" charset="0"/>
-            </a:endParaRPr>
-          </a:p>
-        </p:txBody>
-      </p:sp>
-    </p:spTree>
-    <p:extLst>
-      <p:ext uri="{BB962C8B-B14F-4D97-AF65-F5344CB8AC3E}">
-        <p14:creationId xmlns:p14="http://schemas.microsoft.com/office/powerpoint/2010/main" val="2747596967"/>
-      </p:ext>
-    </p:extLst>
-  </p:cSld>
-  <p:clrMapOvr>
-    <a:masterClrMapping/>
-  </p:clrMapOvr>
-  <p:transition spd="med"/>
-</p:sld>
-</file>
-
-<file path=ppt/slides/slide6.xml><?xml version="1.0" encoding="utf-8"?>
-<p:sld xmlns:a="http://schemas.openxmlformats.org/drawingml/2006/main" xmlns:r="http://schemas.openxmlformats.org/officeDocument/2006/relationships" xmlns:p="http://schemas.openxmlformats.org/presentationml/2006/main">
-  <p:cSld>
-    <p:spTree>
-      <p:nvGrpSpPr>
-        <p:cNvPr id="1" name=""/>
-        <p:cNvGrpSpPr/>
-        <p:nvPr/>
-      </p:nvGrpSpPr>
-      <p:grpSpPr>
-        <a:xfrm>
-          <a:off x="0" y="0"/>
-          <a:ext cx="0" cy="0"/>
-          <a:chOff x="0" y="0"/>
-          <a:chExt cx="0" cy="0"/>
-        </a:xfrm>
-      </p:grpSpPr>
-      <p:sp>
-        <p:nvSpPr>
-          <p:cNvPr id="6" name="Title 1"/>
-          <p:cNvSpPr>
-            <a:spLocks noGrp="1"/>
-          </p:cNvSpPr>
-          <p:nvPr>
-            <p:ph type="title"/>
-          </p:nvPr>
-        </p:nvSpPr>
-        <p:spPr>
-          <a:xfrm>
-            <a:off x="457200" y="205980"/>
-            <a:ext cx="8229600" cy="857251"/>
-          </a:xfrm>
-        </p:spPr>
-        <p:txBody>
-          <a:bodyPr>
-            <a:normAutofit/>
-          </a:bodyPr>
-          <a:lstStyle/>
-          <a:p>
-            <a:r>
-              <a:rPr lang="en-US" b="1" dirty="0" err="1">
-                <a:solidFill>
-                  <a:srgbClr val="0070C0"/>
-                </a:solidFill>
-              </a:rPr>
-              <a:t>Dinâmica</a:t>
-            </a:r>
-            <a:r>
-              <a:rPr lang="en-US" b="1" dirty="0">
-                <a:solidFill>
-                  <a:srgbClr val="0070C0"/>
-                </a:solidFill>
-              </a:rPr>
-              <a:t>/</a:t>
-            </a:r>
-            <a:r>
-              <a:rPr lang="en-US" b="1" dirty="0" err="1">
-                <a:solidFill>
-                  <a:srgbClr val="0070C0"/>
-                </a:solidFill>
-              </a:rPr>
-              <a:t>Atividades</a:t>
-            </a:r>
-            <a:endParaRPr lang="en-US" b="1" dirty="0">
-              <a:solidFill>
-                <a:srgbClr val="0070C0"/>
-              </a:solidFill>
-            </a:endParaRPr>
-          </a:p>
-        </p:txBody>
-      </p:sp>
-      <p:sp>
-        <p:nvSpPr>
-          <p:cNvPr id="8" name="Text Placeholder 2"/>
-          <p:cNvSpPr>
-            <a:spLocks noGrp="1"/>
-          </p:cNvSpPr>
-          <p:nvPr>
-            <p:ph type="body" sz="half" idx="1"/>
-          </p:nvPr>
-        </p:nvSpPr>
-        <p:spPr>
-          <a:xfrm>
-            <a:off x="139472" y="1063230"/>
-            <a:ext cx="8865056" cy="3606305"/>
-          </a:xfrm>
-        </p:spPr>
-        <p:txBody>
-          <a:bodyPr>
-            <a:noAutofit/>
-          </a:bodyPr>
-          <a:lstStyle/>
-          <a:p>
-            <a:pPr algn="just">
-              <a:buFont typeface="Wingdings" panose="05000000000000000000" pitchFamily="2" charset="2"/>
-              <a:buChar char="§"/>
-            </a:pPr>
-            <a:r>
-              <a:rPr lang="pt-BR" dirty="0">
-                <a:latin typeface="Times New Roman" panose="02020603050405020304" pitchFamily="18" charset="0"/>
-                <a:cs typeface="Times New Roman" panose="02020603050405020304" pitchFamily="18" charset="0"/>
-              </a:rPr>
-              <a:t>	Exercícios (Atividade Verificadora de Aprendizagem)</a:t>
-            </a:r>
-          </a:p>
-          <a:p>
-            <a:pPr marL="0" indent="0" algn="just">
-              <a:buNone/>
-            </a:pPr>
-            <a:r>
-              <a:rPr lang="pt-BR" dirty="0">
-                <a:latin typeface="Times New Roman" panose="02020603050405020304" pitchFamily="18" charset="0"/>
-                <a:cs typeface="Times New Roman" panose="02020603050405020304" pitchFamily="18" charset="0"/>
-              </a:rPr>
-              <a:t> </a:t>
-            </a:r>
-            <a:r>
-              <a:rPr lang="pt-BR" sz="2400" dirty="0">
-                <a:latin typeface="Times New Roman" panose="02020603050405020304" pitchFamily="18" charset="0"/>
-                <a:cs typeface="Times New Roman" panose="02020603050405020304" pitchFamily="18" charset="0"/>
-              </a:rPr>
-              <a:t>	</a:t>
-            </a:r>
-          </a:p>
-          <a:p>
-            <a:pPr marL="0" indent="0" algn="just">
-              <a:buNone/>
-            </a:pPr>
-            <a:endParaRPr lang="pt-BR" sz="2000" dirty="0">
-              <a:latin typeface="Calibri" panose="020F0502020204030204" pitchFamily="34" charset="0"/>
-            </a:endParaRPr>
-          </a:p>
-        </p:txBody>
-      </p:sp>
-    </p:spTree>
-    <p:extLst>
-      <p:ext uri="{BB962C8B-B14F-4D97-AF65-F5344CB8AC3E}">
-        <p14:creationId xmlns:p14="http://schemas.microsoft.com/office/powerpoint/2010/main" val="2470652989"/>
-      </p:ext>
-    </p:extLst>
-  </p:cSld>
-  <p:clrMapOvr>
-    <a:masterClrMapping/>
-  </p:clrMapOvr>
-  <p:transition spd="med"/>
-</p:sld>
-</file>
-
-<file path=ppt/slides/slide7.xml><?xml version="1.0" encoding="utf-8"?>
-<p:sld xmlns:a="http://schemas.openxmlformats.org/drawingml/2006/main" xmlns:r="http://schemas.openxmlformats.org/officeDocument/2006/relationships" xmlns:p="http://schemas.openxmlformats.org/presentationml/2006/main">
-  <p:cSld>
-    <p:spTree>
-      <p:nvGrpSpPr>
-        <p:cNvPr id="1" name=""/>
-        <p:cNvGrpSpPr/>
-        <p:nvPr/>
-      </p:nvGrpSpPr>
-      <p:grpSpPr>
-        <a:xfrm>
-          <a:off x="0" y="0"/>
-          <a:ext cx="0" cy="0"/>
-          <a:chOff x="0" y="0"/>
-          <a:chExt cx="0" cy="0"/>
-        </a:xfrm>
-      </p:grpSpPr>
-      <p:sp>
-        <p:nvSpPr>
-          <p:cNvPr id="6" name="Title 1"/>
-          <p:cNvSpPr>
-            <a:spLocks noGrp="1"/>
-          </p:cNvSpPr>
-          <p:nvPr>
-            <p:ph type="title"/>
-          </p:nvPr>
-        </p:nvSpPr>
-        <p:spPr>
-          <a:xfrm>
-            <a:off x="457200" y="205980"/>
-            <a:ext cx="8229600" cy="857251"/>
-          </a:xfrm>
-        </p:spPr>
-        <p:txBody>
-          <a:bodyPr>
-            <a:normAutofit/>
-          </a:bodyPr>
-          <a:lstStyle/>
-          <a:p>
-            <a:r>
-              <a:rPr lang="en-US" b="1" dirty="0" err="1">
-                <a:solidFill>
-                  <a:srgbClr val="0070C0"/>
-                </a:solidFill>
-              </a:rPr>
-              <a:t>Referências</a:t>
-            </a:r>
-            <a:r>
-              <a:rPr lang="en-US" b="1" dirty="0">
-                <a:solidFill>
-                  <a:srgbClr val="0070C0"/>
-                </a:solidFill>
-              </a:rPr>
-              <a:t> </a:t>
-            </a:r>
-            <a:r>
-              <a:rPr lang="en-US" b="1" dirty="0" err="1">
-                <a:solidFill>
-                  <a:srgbClr val="0070C0"/>
-                </a:solidFill>
-              </a:rPr>
-              <a:t>Bibliográficas</a:t>
-            </a:r>
-            <a:endParaRPr lang="en-US" b="1" dirty="0">
-              <a:solidFill>
-                <a:srgbClr val="0070C0"/>
-              </a:solidFill>
-            </a:endParaRPr>
-          </a:p>
-        </p:txBody>
-      </p:sp>
-      <p:sp>
-        <p:nvSpPr>
-          <p:cNvPr id="8" name="Text Placeholder 2"/>
-          <p:cNvSpPr>
-            <a:spLocks noGrp="1"/>
-          </p:cNvSpPr>
-          <p:nvPr>
-            <p:ph type="body" sz="half" idx="1"/>
-          </p:nvPr>
-        </p:nvSpPr>
-        <p:spPr>
-          <a:xfrm>
-            <a:off x="142865" y="1200151"/>
-            <a:ext cx="8865056" cy="3394472"/>
-          </a:xfrm>
-        </p:spPr>
-        <p:txBody>
-          <a:bodyPr>
-            <a:noAutofit/>
-          </a:bodyPr>
-          <a:lstStyle/>
-          <a:p>
-            <a:pPr marL="0" indent="0" algn="just">
-              <a:buNone/>
-            </a:pPr>
-            <a:r>
-              <a:rPr lang="pt-BR" sz="1800" dirty="0">
-                <a:latin typeface="Calibri" panose="020F0502020204030204" pitchFamily="34" charset="0"/>
-              </a:rPr>
-              <a:t>[1] ...</a:t>
-            </a:r>
-          </a:p>
-          <a:p>
-            <a:pPr marL="0" indent="0" algn="just">
-              <a:buNone/>
-            </a:pPr>
-            <a:endParaRPr lang="pt-BR" sz="1800" dirty="0">
-              <a:latin typeface="Calibri" panose="020F0502020204030204" pitchFamily="34" charset="0"/>
-            </a:endParaRPr>
-          </a:p>
-          <a:p>
-            <a:pPr marL="0" indent="0" algn="just">
-              <a:buNone/>
-            </a:pPr>
-            <a:r>
-              <a:rPr lang="pt-BR" sz="1800" dirty="0">
-                <a:latin typeface="Calibri" panose="020F0502020204030204" pitchFamily="34" charset="0"/>
-              </a:rPr>
-              <a:t>[2] ...</a:t>
-            </a:r>
-          </a:p>
-          <a:p>
-            <a:pPr marL="0" indent="0" algn="just">
-              <a:buNone/>
-            </a:pPr>
-            <a:endParaRPr lang="pt-BR" sz="1800" dirty="0">
-              <a:latin typeface="Calibri" panose="020F0502020204030204" pitchFamily="34" charset="0"/>
-            </a:endParaRPr>
-          </a:p>
-        </p:txBody>
-      </p:sp>
-    </p:spTree>
-    <p:extLst>
-      <p:ext uri="{BB962C8B-B14F-4D97-AF65-F5344CB8AC3E}">
-        <p14:creationId xmlns:p14="http://schemas.microsoft.com/office/powerpoint/2010/main" val="1115311843"/>
-      </p:ext>
-    </p:extLst>
-  </p:cSld>
-  <p:clrMapOvr>
-    <a:masterClrMapping/>
-  </p:clrMapOvr>
-  <p:transition spd="med"/>
-</p:sld>
-</file>
-
-<file path=ppt/slides/slide8.xml><?xml version="1.0" encoding="utf-8"?>
+<file path=ppt/slides/slide20.xml><?xml version="1.0" encoding="utf-8"?>
 <p:sld xmlns:a="http://schemas.openxmlformats.org/drawingml/2006/main" xmlns:r="http://schemas.openxmlformats.org/officeDocument/2006/relationships" xmlns:p="http://schemas.openxmlformats.org/presentationml/2006/main">
   <p:cSld>
     <p:spTree>
@@ -5559,6 +9761,2380 @@
         </p:spPr>
       </p:pic>
     </p:spTree>
+  </p:cSld>
+  <p:clrMapOvr>
+    <a:masterClrMapping/>
+  </p:clrMapOvr>
+  <p:transition spd="med"/>
+</p:sld>
+</file>
+
+<file path=ppt/slides/slide3.xml><?xml version="1.0" encoding="utf-8"?>
+<p:sld xmlns:a="http://schemas.openxmlformats.org/drawingml/2006/main" xmlns:r="http://schemas.openxmlformats.org/officeDocument/2006/relationships" xmlns:p="http://schemas.openxmlformats.org/presentationml/2006/main">
+  <p:cSld>
+    <p:spTree>
+      <p:nvGrpSpPr>
+        <p:cNvPr id="1" name=""/>
+        <p:cNvGrpSpPr/>
+        <p:nvPr/>
+      </p:nvGrpSpPr>
+      <p:grpSpPr>
+        <a:xfrm>
+          <a:off x="0" y="0"/>
+          <a:ext cx="0" cy="0"/>
+          <a:chOff x="0" y="0"/>
+          <a:chExt cx="0" cy="0"/>
+        </a:xfrm>
+      </p:grpSpPr>
+      <p:sp>
+        <p:nvSpPr>
+          <p:cNvPr id="6" name="Title 1"/>
+          <p:cNvSpPr>
+            <a:spLocks noGrp="1"/>
+          </p:cNvSpPr>
+          <p:nvPr>
+            <p:ph type="title"/>
+          </p:nvPr>
+        </p:nvSpPr>
+        <p:spPr>
+          <a:xfrm>
+            <a:off x="457200" y="205980"/>
+            <a:ext cx="8229600" cy="857251"/>
+          </a:xfrm>
+        </p:spPr>
+        <p:txBody>
+          <a:bodyPr>
+            <a:normAutofit/>
+          </a:bodyPr>
+          <a:lstStyle/>
+          <a:p>
+            <a:r>
+              <a:rPr lang="en-US" b="1" dirty="0" err="1">
+                <a:solidFill>
+                  <a:srgbClr val="0070C0"/>
+                </a:solidFill>
+              </a:rPr>
+              <a:t>Introdução</a:t>
+            </a:r>
+            <a:endParaRPr lang="en-US" b="1" dirty="0">
+              <a:solidFill>
+                <a:srgbClr val="0070C0"/>
+              </a:solidFill>
+            </a:endParaRPr>
+          </a:p>
+        </p:txBody>
+      </p:sp>
+      <p:sp>
+        <p:nvSpPr>
+          <p:cNvPr id="8" name="Text Placeholder 2"/>
+          <p:cNvSpPr>
+            <a:spLocks noGrp="1"/>
+          </p:cNvSpPr>
+          <p:nvPr>
+            <p:ph type="body" sz="half" idx="1"/>
+          </p:nvPr>
+        </p:nvSpPr>
+        <p:spPr>
+          <a:xfrm>
+            <a:off x="142865" y="1200150"/>
+            <a:ext cx="8865056" cy="3737370"/>
+          </a:xfrm>
+        </p:spPr>
+        <p:txBody>
+          <a:bodyPr>
+            <a:noAutofit/>
+          </a:bodyPr>
+          <a:lstStyle/>
+          <a:p>
+            <a:pPr marL="0" indent="0" algn="just">
+              <a:buNone/>
+            </a:pPr>
+            <a:r>
+              <a:rPr lang="pt-BR" sz="2200" b="1" dirty="0">
+                <a:latin typeface="Times New Roman" panose="02020603050405020304" pitchFamily="18" charset="0"/>
+                <a:cs typeface="Times New Roman" panose="02020603050405020304" pitchFamily="18" charset="0"/>
+              </a:rPr>
+              <a:t>Árvores</a:t>
+            </a:r>
+            <a:r>
+              <a:rPr lang="pt-BR" sz="2200" dirty="0">
+                <a:latin typeface="Times New Roman" panose="02020603050405020304" pitchFamily="18" charset="0"/>
+                <a:cs typeface="Times New Roman" panose="02020603050405020304" pitchFamily="18" charset="0"/>
+              </a:rPr>
+              <a:t> são </a:t>
+            </a:r>
+            <a:r>
+              <a:rPr lang="pt-BR" sz="2200" b="1" dirty="0">
+                <a:solidFill>
+                  <a:srgbClr val="FF0000"/>
+                </a:solidFill>
+                <a:latin typeface="Times New Roman" panose="02020603050405020304" pitchFamily="18" charset="0"/>
+                <a:cs typeface="Times New Roman" panose="02020603050405020304" pitchFamily="18" charset="0"/>
+              </a:rPr>
+              <a:t>estruturas de dados hierárquicas </a:t>
+            </a:r>
+            <a:r>
+              <a:rPr lang="pt-BR" sz="2200" dirty="0">
+                <a:latin typeface="Times New Roman" panose="02020603050405020304" pitchFamily="18" charset="0"/>
+                <a:cs typeface="Times New Roman" panose="02020603050405020304" pitchFamily="18" charset="0"/>
+              </a:rPr>
+              <a:t>que organizam informações de forma semelhante a um organograma.</a:t>
+            </a:r>
+          </a:p>
+          <a:p>
+            <a:pPr marL="0" indent="0" algn="just">
+              <a:buNone/>
+            </a:pPr>
+            <a:endParaRPr lang="pt-BR" sz="2200" dirty="0">
+              <a:latin typeface="Times New Roman" panose="02020603050405020304" pitchFamily="18" charset="0"/>
+              <a:cs typeface="Times New Roman" panose="02020603050405020304" pitchFamily="18" charset="0"/>
+            </a:endParaRPr>
+          </a:p>
+          <a:p>
+            <a:pPr marL="0" indent="0" algn="just">
+              <a:buNone/>
+            </a:pPr>
+            <a:r>
+              <a:rPr lang="pt-BR" sz="2200" dirty="0">
+                <a:latin typeface="Times New Roman" panose="02020603050405020304" pitchFamily="18" charset="0"/>
+                <a:cs typeface="Times New Roman" panose="02020603050405020304" pitchFamily="18" charset="0"/>
+              </a:rPr>
+              <a:t>Cada </a:t>
+            </a:r>
+            <a:r>
+              <a:rPr lang="pt-BR" sz="2200" b="1" dirty="0">
+                <a:latin typeface="Times New Roman" panose="02020603050405020304" pitchFamily="18" charset="0"/>
+                <a:cs typeface="Times New Roman" panose="02020603050405020304" pitchFamily="18" charset="0"/>
+              </a:rPr>
+              <a:t>nó</a:t>
+            </a:r>
+            <a:r>
+              <a:rPr lang="pt-BR" sz="2200" dirty="0">
+                <a:latin typeface="Times New Roman" panose="02020603050405020304" pitchFamily="18" charset="0"/>
+                <a:cs typeface="Times New Roman" panose="02020603050405020304" pitchFamily="18" charset="0"/>
+              </a:rPr>
+              <a:t> pode ter filhos.</a:t>
+            </a:r>
+          </a:p>
+          <a:p>
+            <a:pPr marL="0" indent="0" algn="just">
+              <a:buNone/>
+            </a:pPr>
+            <a:endParaRPr lang="pt-BR" sz="2200" dirty="0">
+              <a:latin typeface="Times New Roman" panose="02020603050405020304" pitchFamily="18" charset="0"/>
+              <a:cs typeface="Times New Roman" panose="02020603050405020304" pitchFamily="18" charset="0"/>
+            </a:endParaRPr>
+          </a:p>
+          <a:p>
+            <a:pPr marL="0" indent="0" algn="just">
+              <a:buNone/>
+            </a:pPr>
+            <a:r>
+              <a:rPr lang="pt-BR" sz="2200" dirty="0">
+                <a:latin typeface="Times New Roman" panose="02020603050405020304" pitchFamily="18" charset="0"/>
+                <a:cs typeface="Times New Roman" panose="02020603050405020304" pitchFamily="18" charset="0"/>
+              </a:rPr>
+              <a:t>No caso das </a:t>
+            </a:r>
+            <a:r>
+              <a:rPr lang="pt-BR" sz="2200" b="1" dirty="0">
+                <a:latin typeface="Times New Roman" panose="02020603050405020304" pitchFamily="18" charset="0"/>
+                <a:cs typeface="Times New Roman" panose="02020603050405020304" pitchFamily="18" charset="0"/>
+              </a:rPr>
+              <a:t>árvores binárias</a:t>
+            </a:r>
+            <a:r>
+              <a:rPr lang="pt-BR" sz="2200" dirty="0">
+                <a:latin typeface="Times New Roman" panose="02020603050405020304" pitchFamily="18" charset="0"/>
+                <a:cs typeface="Times New Roman" panose="02020603050405020304" pitchFamily="18" charset="0"/>
+              </a:rPr>
+              <a:t>, cada </a:t>
+            </a:r>
+            <a:r>
+              <a:rPr lang="pt-BR" sz="2200" b="1" dirty="0">
+                <a:solidFill>
+                  <a:srgbClr val="FF0000"/>
+                </a:solidFill>
+                <a:latin typeface="Times New Roman" panose="02020603050405020304" pitchFamily="18" charset="0"/>
+                <a:cs typeface="Times New Roman" panose="02020603050405020304" pitchFamily="18" charset="0"/>
+              </a:rPr>
+              <a:t>nó</a:t>
+            </a:r>
+            <a:r>
+              <a:rPr lang="pt-BR" sz="2200" dirty="0">
+                <a:latin typeface="Times New Roman" panose="02020603050405020304" pitchFamily="18" charset="0"/>
+                <a:cs typeface="Times New Roman" panose="02020603050405020304" pitchFamily="18" charset="0"/>
+              </a:rPr>
+              <a:t> </a:t>
+            </a:r>
+            <a:r>
+              <a:rPr lang="pt-BR" sz="2200" b="1" dirty="0">
+                <a:latin typeface="Times New Roman" panose="02020603050405020304" pitchFamily="18" charset="0"/>
+                <a:cs typeface="Times New Roman" panose="02020603050405020304" pitchFamily="18" charset="0"/>
+              </a:rPr>
+              <a:t>pode ter até dois filhos</a:t>
+            </a:r>
+            <a:r>
+              <a:rPr lang="pt-BR" sz="2200" dirty="0">
+                <a:latin typeface="Times New Roman" panose="02020603050405020304" pitchFamily="18" charset="0"/>
+                <a:cs typeface="Times New Roman" panose="02020603050405020304" pitchFamily="18" charset="0"/>
+              </a:rPr>
+              <a:t>: </a:t>
+            </a:r>
+            <a:r>
+              <a:rPr lang="pt-BR" sz="2200" b="1" dirty="0">
+                <a:solidFill>
+                  <a:srgbClr val="FF0000"/>
+                </a:solidFill>
+                <a:latin typeface="Times New Roman" panose="02020603050405020304" pitchFamily="18" charset="0"/>
+                <a:cs typeface="Times New Roman" panose="02020603050405020304" pitchFamily="18" charset="0"/>
+              </a:rPr>
+              <a:t>esquerda</a:t>
+            </a:r>
+            <a:r>
+              <a:rPr lang="pt-BR" sz="2200" dirty="0">
+                <a:latin typeface="Times New Roman" panose="02020603050405020304" pitchFamily="18" charset="0"/>
+                <a:cs typeface="Times New Roman" panose="02020603050405020304" pitchFamily="18" charset="0"/>
+              </a:rPr>
+              <a:t> e </a:t>
+            </a:r>
+            <a:r>
+              <a:rPr lang="pt-BR" sz="2200" b="1" dirty="0">
+                <a:solidFill>
+                  <a:schemeClr val="tx1"/>
+                </a:solidFill>
+                <a:latin typeface="Times New Roman" panose="02020603050405020304" pitchFamily="18" charset="0"/>
+                <a:cs typeface="Times New Roman" panose="02020603050405020304" pitchFamily="18" charset="0"/>
+              </a:rPr>
+              <a:t>direita.</a:t>
+            </a:r>
+          </a:p>
+        </p:txBody>
+      </p:sp>
+    </p:spTree>
+    <p:extLst>
+      <p:ext uri="{BB962C8B-B14F-4D97-AF65-F5344CB8AC3E}">
+        <p14:creationId xmlns:p14="http://schemas.microsoft.com/office/powerpoint/2010/main" val="1362980025"/>
+      </p:ext>
+    </p:extLst>
+  </p:cSld>
+  <p:clrMapOvr>
+    <a:masterClrMapping/>
+  </p:clrMapOvr>
+  <p:transition spd="med"/>
+</p:sld>
+</file>
+
+<file path=ppt/slides/slide4.xml><?xml version="1.0" encoding="utf-8"?>
+<p:sld xmlns:a="http://schemas.openxmlformats.org/drawingml/2006/main" xmlns:r="http://schemas.openxmlformats.org/officeDocument/2006/relationships" xmlns:p="http://schemas.openxmlformats.org/presentationml/2006/main">
+  <p:cSld>
+    <p:spTree>
+      <p:nvGrpSpPr>
+        <p:cNvPr id="1" name="">
+          <a:extLst>
+            <a:ext uri="{FF2B5EF4-FFF2-40B4-BE49-F238E27FC236}">
+              <a16:creationId xmlns:a16="http://schemas.microsoft.com/office/drawing/2014/main" id="{1049F972-3D93-E3A7-A5DF-9F373E137C22}"/>
+            </a:ext>
+          </a:extLst>
+        </p:cNvPr>
+        <p:cNvGrpSpPr/>
+        <p:nvPr/>
+      </p:nvGrpSpPr>
+      <p:grpSpPr>
+        <a:xfrm>
+          <a:off x="0" y="0"/>
+          <a:ext cx="0" cy="0"/>
+          <a:chOff x="0" y="0"/>
+          <a:chExt cx="0" cy="0"/>
+        </a:xfrm>
+      </p:grpSpPr>
+      <p:sp>
+        <p:nvSpPr>
+          <p:cNvPr id="6" name="Title 1">
+            <a:extLst>
+              <a:ext uri="{FF2B5EF4-FFF2-40B4-BE49-F238E27FC236}">
+                <a16:creationId xmlns:a16="http://schemas.microsoft.com/office/drawing/2014/main" id="{585735AC-B33E-46DE-9114-411EE862C8D3}"/>
+              </a:ext>
+            </a:extLst>
+          </p:cNvPr>
+          <p:cNvSpPr>
+            <a:spLocks noGrp="1"/>
+          </p:cNvSpPr>
+          <p:nvPr>
+            <p:ph type="title"/>
+          </p:nvPr>
+        </p:nvSpPr>
+        <p:spPr>
+          <a:xfrm>
+            <a:off x="457200" y="205980"/>
+            <a:ext cx="8229600" cy="857251"/>
+          </a:xfrm>
+        </p:spPr>
+        <p:txBody>
+          <a:bodyPr>
+            <a:normAutofit/>
+          </a:bodyPr>
+          <a:lstStyle/>
+          <a:p>
+            <a:r>
+              <a:rPr lang="en-US" b="1" dirty="0" err="1">
+                <a:solidFill>
+                  <a:srgbClr val="0070C0"/>
+                </a:solidFill>
+              </a:rPr>
+              <a:t>Definição</a:t>
+            </a:r>
+            <a:r>
+              <a:rPr lang="en-US" b="1" dirty="0">
+                <a:solidFill>
+                  <a:srgbClr val="0070C0"/>
+                </a:solidFill>
+              </a:rPr>
+              <a:t> de </a:t>
+            </a:r>
+            <a:r>
+              <a:rPr lang="en-US" b="1" dirty="0" err="1">
+                <a:solidFill>
+                  <a:srgbClr val="0070C0"/>
+                </a:solidFill>
+              </a:rPr>
+              <a:t>Árvore</a:t>
+            </a:r>
+            <a:r>
+              <a:rPr lang="en-US" b="1" dirty="0">
+                <a:solidFill>
+                  <a:srgbClr val="0070C0"/>
+                </a:solidFill>
+              </a:rPr>
+              <a:t> </a:t>
+            </a:r>
+            <a:r>
+              <a:rPr lang="en-US" b="1" dirty="0" err="1">
+                <a:solidFill>
+                  <a:srgbClr val="0070C0"/>
+                </a:solidFill>
+              </a:rPr>
+              <a:t>Binária</a:t>
+            </a:r>
+            <a:endParaRPr lang="en-US" b="1" dirty="0">
+              <a:solidFill>
+                <a:srgbClr val="0070C0"/>
+              </a:solidFill>
+            </a:endParaRPr>
+          </a:p>
+        </p:txBody>
+      </p:sp>
+      <p:sp>
+        <p:nvSpPr>
+          <p:cNvPr id="8" name="Text Placeholder 2">
+            <a:extLst>
+              <a:ext uri="{FF2B5EF4-FFF2-40B4-BE49-F238E27FC236}">
+                <a16:creationId xmlns:a16="http://schemas.microsoft.com/office/drawing/2014/main" id="{FA1C74BD-6889-C7C0-9CBB-1886E94152B7}"/>
+              </a:ext>
+            </a:extLst>
+          </p:cNvPr>
+          <p:cNvSpPr>
+            <a:spLocks noGrp="1"/>
+          </p:cNvSpPr>
+          <p:nvPr>
+            <p:ph type="body" sz="half" idx="1"/>
+          </p:nvPr>
+        </p:nvSpPr>
+        <p:spPr>
+          <a:xfrm>
+            <a:off x="142865" y="1200150"/>
+            <a:ext cx="8865056" cy="3737370"/>
+          </a:xfrm>
+        </p:spPr>
+        <p:txBody>
+          <a:bodyPr>
+            <a:noAutofit/>
+          </a:bodyPr>
+          <a:lstStyle/>
+          <a:p>
+            <a:pPr marL="0" indent="0" algn="just">
+              <a:buNone/>
+            </a:pPr>
+            <a:r>
+              <a:rPr lang="pt-BR" sz="2200" dirty="0">
+                <a:latin typeface="Times New Roman" panose="02020603050405020304" pitchFamily="18" charset="0"/>
+                <a:cs typeface="Times New Roman" panose="02020603050405020304" pitchFamily="18" charset="0"/>
+              </a:rPr>
+              <a:t>Uma </a:t>
+            </a:r>
+            <a:r>
+              <a:rPr lang="pt-BR" sz="2200" b="1" dirty="0">
+                <a:latin typeface="Times New Roman" panose="02020603050405020304" pitchFamily="18" charset="0"/>
+                <a:cs typeface="Times New Roman" panose="02020603050405020304" pitchFamily="18" charset="0"/>
+              </a:rPr>
+              <a:t>Árvore Binária </a:t>
+            </a:r>
+            <a:r>
+              <a:rPr lang="pt-BR" sz="2200" dirty="0">
+                <a:latin typeface="Times New Roman" panose="02020603050405020304" pitchFamily="18" charset="0"/>
+                <a:cs typeface="Times New Roman" panose="02020603050405020304" pitchFamily="18" charset="0"/>
+              </a:rPr>
+              <a:t>é uma </a:t>
+            </a:r>
+            <a:r>
+              <a:rPr lang="pt-BR" sz="2200" b="1" dirty="0">
+                <a:solidFill>
+                  <a:srgbClr val="FF0000"/>
+                </a:solidFill>
+                <a:latin typeface="Times New Roman" panose="02020603050405020304" pitchFamily="18" charset="0"/>
+                <a:cs typeface="Times New Roman" panose="02020603050405020304" pitchFamily="18" charset="0"/>
+              </a:rPr>
+              <a:t>estrutura de dados </a:t>
+            </a:r>
+            <a:r>
+              <a:rPr lang="pt-BR" sz="2200" dirty="0">
+                <a:latin typeface="Times New Roman" panose="02020603050405020304" pitchFamily="18" charset="0"/>
+                <a:cs typeface="Times New Roman" panose="02020603050405020304" pitchFamily="18" charset="0"/>
+              </a:rPr>
+              <a:t>onde cada </a:t>
+            </a:r>
+            <a:r>
+              <a:rPr lang="pt-BR" sz="2200" b="1" dirty="0">
+                <a:latin typeface="Times New Roman" panose="02020603050405020304" pitchFamily="18" charset="0"/>
+                <a:cs typeface="Times New Roman" panose="02020603050405020304" pitchFamily="18" charset="0"/>
+              </a:rPr>
+              <a:t>nó</a:t>
+            </a:r>
+            <a:r>
+              <a:rPr lang="pt-BR" sz="2200" dirty="0">
+                <a:latin typeface="Times New Roman" panose="02020603050405020304" pitchFamily="18" charset="0"/>
+                <a:cs typeface="Times New Roman" panose="02020603050405020304" pitchFamily="18" charset="0"/>
+              </a:rPr>
+              <a:t> possui:</a:t>
+            </a:r>
+          </a:p>
+          <a:p>
+            <a:pPr marL="0" indent="0" algn="just">
+              <a:buNone/>
+            </a:pPr>
+            <a:endParaRPr lang="pt-BR" sz="2200" dirty="0">
+              <a:latin typeface="Times New Roman" panose="02020603050405020304" pitchFamily="18" charset="0"/>
+              <a:cs typeface="Times New Roman" panose="02020603050405020304" pitchFamily="18" charset="0"/>
+            </a:endParaRPr>
+          </a:p>
+          <a:p>
+            <a:pPr algn="just">
+              <a:buFont typeface="Wingdings" panose="05000000000000000000" pitchFamily="2" charset="2"/>
+              <a:buChar char="§"/>
+            </a:pPr>
+            <a:r>
+              <a:rPr lang="pt-BR" sz="2200" dirty="0">
+                <a:latin typeface="Times New Roman" panose="02020603050405020304" pitchFamily="18" charset="0"/>
+                <a:cs typeface="Times New Roman" panose="02020603050405020304" pitchFamily="18" charset="0"/>
+              </a:rPr>
+              <a:t>Um valor (</a:t>
+            </a:r>
+            <a:r>
+              <a:rPr lang="pt-BR" sz="2200" b="1" dirty="0">
+                <a:solidFill>
+                  <a:srgbClr val="FF0000"/>
+                </a:solidFill>
+                <a:latin typeface="Times New Roman" panose="02020603050405020304" pitchFamily="18" charset="0"/>
+                <a:cs typeface="Times New Roman" panose="02020603050405020304" pitchFamily="18" charset="0"/>
+              </a:rPr>
+              <a:t>chave</a:t>
+            </a:r>
+            <a:r>
+              <a:rPr lang="pt-BR" sz="2200" dirty="0">
+                <a:latin typeface="Times New Roman" panose="02020603050405020304" pitchFamily="18" charset="0"/>
+                <a:cs typeface="Times New Roman" panose="02020603050405020304" pitchFamily="18" charset="0"/>
+              </a:rPr>
+              <a:t>).</a:t>
+            </a:r>
+          </a:p>
+          <a:p>
+            <a:pPr marL="0" indent="0" algn="just">
+              <a:buNone/>
+            </a:pPr>
+            <a:endParaRPr lang="pt-BR" sz="2200" dirty="0">
+              <a:latin typeface="Times New Roman" panose="02020603050405020304" pitchFamily="18" charset="0"/>
+              <a:cs typeface="Times New Roman" panose="02020603050405020304" pitchFamily="18" charset="0"/>
+            </a:endParaRPr>
+          </a:p>
+          <a:p>
+            <a:pPr algn="just">
+              <a:buFont typeface="Wingdings" panose="05000000000000000000" pitchFamily="2" charset="2"/>
+              <a:buChar char="§"/>
+            </a:pPr>
+            <a:r>
+              <a:rPr lang="pt-BR" sz="2200" dirty="0">
+                <a:latin typeface="Times New Roman" panose="02020603050405020304" pitchFamily="18" charset="0"/>
+                <a:cs typeface="Times New Roman" panose="02020603050405020304" pitchFamily="18" charset="0"/>
+              </a:rPr>
+              <a:t>Um </a:t>
+            </a:r>
+            <a:r>
+              <a:rPr lang="pt-BR" sz="2200" b="1" dirty="0">
+                <a:latin typeface="Times New Roman" panose="02020603050405020304" pitchFamily="18" charset="0"/>
+                <a:cs typeface="Times New Roman" panose="02020603050405020304" pitchFamily="18" charset="0"/>
+              </a:rPr>
+              <a:t>ponteiro</a:t>
+            </a:r>
+            <a:r>
+              <a:rPr lang="pt-BR" sz="2200" dirty="0">
+                <a:latin typeface="Times New Roman" panose="02020603050405020304" pitchFamily="18" charset="0"/>
+                <a:cs typeface="Times New Roman" panose="02020603050405020304" pitchFamily="18" charset="0"/>
+              </a:rPr>
+              <a:t> para o filho à esquerda (</a:t>
+            </a:r>
+            <a:r>
+              <a:rPr lang="pt-BR" sz="2200" b="1" dirty="0">
+                <a:solidFill>
+                  <a:srgbClr val="FF0000"/>
+                </a:solidFill>
+                <a:latin typeface="Times New Roman" panose="02020603050405020304" pitchFamily="18" charset="0"/>
+                <a:cs typeface="Times New Roman" panose="02020603050405020304" pitchFamily="18" charset="0"/>
+              </a:rPr>
+              <a:t>pode ser nulo</a:t>
+            </a:r>
+            <a:r>
+              <a:rPr lang="pt-BR" sz="2200" dirty="0">
+                <a:latin typeface="Times New Roman" panose="02020603050405020304" pitchFamily="18" charset="0"/>
+                <a:cs typeface="Times New Roman" panose="02020603050405020304" pitchFamily="18" charset="0"/>
+              </a:rPr>
+              <a:t>).</a:t>
+            </a:r>
+          </a:p>
+          <a:p>
+            <a:pPr marL="0" indent="0" algn="just">
+              <a:buNone/>
+            </a:pPr>
+            <a:endParaRPr lang="pt-BR" sz="2200" dirty="0">
+              <a:latin typeface="Times New Roman" panose="02020603050405020304" pitchFamily="18" charset="0"/>
+              <a:cs typeface="Times New Roman" panose="02020603050405020304" pitchFamily="18" charset="0"/>
+            </a:endParaRPr>
+          </a:p>
+          <a:p>
+            <a:pPr algn="just">
+              <a:buFont typeface="Wingdings" panose="05000000000000000000" pitchFamily="2" charset="2"/>
+              <a:buChar char="§"/>
+            </a:pPr>
+            <a:r>
+              <a:rPr lang="pt-BR" sz="2200" dirty="0">
+                <a:latin typeface="Times New Roman" panose="02020603050405020304" pitchFamily="18" charset="0"/>
+                <a:cs typeface="Times New Roman" panose="02020603050405020304" pitchFamily="18" charset="0"/>
+              </a:rPr>
+              <a:t>Um </a:t>
+            </a:r>
+            <a:r>
+              <a:rPr lang="pt-BR" sz="2200" b="1" dirty="0">
+                <a:latin typeface="Times New Roman" panose="02020603050405020304" pitchFamily="18" charset="0"/>
+                <a:cs typeface="Times New Roman" panose="02020603050405020304" pitchFamily="18" charset="0"/>
+              </a:rPr>
+              <a:t>ponteiro</a:t>
+            </a:r>
+            <a:r>
+              <a:rPr lang="pt-BR" sz="2200" dirty="0">
+                <a:latin typeface="Times New Roman" panose="02020603050405020304" pitchFamily="18" charset="0"/>
+                <a:cs typeface="Times New Roman" panose="02020603050405020304" pitchFamily="18" charset="0"/>
+              </a:rPr>
+              <a:t> para o filho à direita (</a:t>
+            </a:r>
+            <a:r>
+              <a:rPr lang="pt-BR" sz="2200" b="1" dirty="0">
+                <a:solidFill>
+                  <a:srgbClr val="FF0000"/>
+                </a:solidFill>
+                <a:latin typeface="Times New Roman" panose="02020603050405020304" pitchFamily="18" charset="0"/>
+                <a:cs typeface="Times New Roman" panose="02020603050405020304" pitchFamily="18" charset="0"/>
+              </a:rPr>
+              <a:t>pode ser nulo</a:t>
+            </a:r>
+            <a:r>
+              <a:rPr lang="pt-BR" sz="2200" dirty="0">
+                <a:latin typeface="Times New Roman" panose="02020603050405020304" pitchFamily="18" charset="0"/>
+                <a:cs typeface="Times New Roman" panose="02020603050405020304" pitchFamily="18" charset="0"/>
+              </a:rPr>
+              <a:t>).</a:t>
+            </a:r>
+          </a:p>
+        </p:txBody>
+      </p:sp>
+    </p:spTree>
+    <p:extLst>
+      <p:ext uri="{BB962C8B-B14F-4D97-AF65-F5344CB8AC3E}">
+        <p14:creationId xmlns:p14="http://schemas.microsoft.com/office/powerpoint/2010/main" val="390515991"/>
+      </p:ext>
+    </p:extLst>
+  </p:cSld>
+  <p:clrMapOvr>
+    <a:masterClrMapping/>
+  </p:clrMapOvr>
+  <p:transition spd="med"/>
+</p:sld>
+</file>
+
+<file path=ppt/slides/slide5.xml><?xml version="1.0" encoding="utf-8"?>
+<p:sld xmlns:a="http://schemas.openxmlformats.org/drawingml/2006/main" xmlns:r="http://schemas.openxmlformats.org/officeDocument/2006/relationships" xmlns:p="http://schemas.openxmlformats.org/presentationml/2006/main">
+  <p:cSld>
+    <p:spTree>
+      <p:nvGrpSpPr>
+        <p:cNvPr id="1" name="">
+          <a:extLst>
+            <a:ext uri="{FF2B5EF4-FFF2-40B4-BE49-F238E27FC236}">
+              <a16:creationId xmlns:a16="http://schemas.microsoft.com/office/drawing/2014/main" id="{29104949-7258-818F-6E38-7CEC1598FF77}"/>
+            </a:ext>
+          </a:extLst>
+        </p:cNvPr>
+        <p:cNvGrpSpPr/>
+        <p:nvPr/>
+      </p:nvGrpSpPr>
+      <p:grpSpPr>
+        <a:xfrm>
+          <a:off x="0" y="0"/>
+          <a:ext cx="0" cy="0"/>
+          <a:chOff x="0" y="0"/>
+          <a:chExt cx="0" cy="0"/>
+        </a:xfrm>
+      </p:grpSpPr>
+      <p:sp>
+        <p:nvSpPr>
+          <p:cNvPr id="6" name="Title 1">
+            <a:extLst>
+              <a:ext uri="{FF2B5EF4-FFF2-40B4-BE49-F238E27FC236}">
+                <a16:creationId xmlns:a16="http://schemas.microsoft.com/office/drawing/2014/main" id="{E4A3F0F0-988B-C2C0-F96B-6BA8862878E7}"/>
+              </a:ext>
+            </a:extLst>
+          </p:cNvPr>
+          <p:cNvSpPr>
+            <a:spLocks noGrp="1"/>
+          </p:cNvSpPr>
+          <p:nvPr>
+            <p:ph type="title"/>
+          </p:nvPr>
+        </p:nvSpPr>
+        <p:spPr>
+          <a:xfrm>
+            <a:off x="457200" y="205980"/>
+            <a:ext cx="8229600" cy="857251"/>
+          </a:xfrm>
+        </p:spPr>
+        <p:txBody>
+          <a:bodyPr>
+            <a:normAutofit/>
+          </a:bodyPr>
+          <a:lstStyle/>
+          <a:p>
+            <a:r>
+              <a:rPr lang="en-US" b="1" dirty="0" err="1">
+                <a:solidFill>
+                  <a:srgbClr val="0070C0"/>
+                </a:solidFill>
+              </a:rPr>
+              <a:t>Definição</a:t>
+            </a:r>
+            <a:r>
+              <a:rPr lang="en-US" b="1" dirty="0">
+                <a:solidFill>
+                  <a:srgbClr val="0070C0"/>
+                </a:solidFill>
+              </a:rPr>
+              <a:t> de </a:t>
+            </a:r>
+            <a:r>
+              <a:rPr lang="en-US" b="1" dirty="0" err="1">
+                <a:solidFill>
+                  <a:srgbClr val="0070C0"/>
+                </a:solidFill>
+              </a:rPr>
+              <a:t>Árvore</a:t>
+            </a:r>
+            <a:r>
+              <a:rPr lang="en-US" b="1" dirty="0">
+                <a:solidFill>
+                  <a:srgbClr val="0070C0"/>
+                </a:solidFill>
+              </a:rPr>
+              <a:t> </a:t>
+            </a:r>
+            <a:r>
+              <a:rPr lang="en-US" b="1" dirty="0" err="1">
+                <a:solidFill>
+                  <a:srgbClr val="0070C0"/>
+                </a:solidFill>
+              </a:rPr>
+              <a:t>Binária</a:t>
+            </a:r>
+            <a:endParaRPr lang="en-US" b="1" dirty="0">
+              <a:solidFill>
+                <a:srgbClr val="0070C0"/>
+              </a:solidFill>
+            </a:endParaRPr>
+          </a:p>
+        </p:txBody>
+      </p:sp>
+      <p:sp>
+        <p:nvSpPr>
+          <p:cNvPr id="8" name="Text Placeholder 2">
+            <a:extLst>
+              <a:ext uri="{FF2B5EF4-FFF2-40B4-BE49-F238E27FC236}">
+                <a16:creationId xmlns:a16="http://schemas.microsoft.com/office/drawing/2014/main" id="{C97C81B1-CB35-1EE3-17BC-8C01E74AC887}"/>
+              </a:ext>
+            </a:extLst>
+          </p:cNvPr>
+          <p:cNvSpPr>
+            <a:spLocks noGrp="1"/>
+          </p:cNvSpPr>
+          <p:nvPr>
+            <p:ph type="body" sz="half" idx="1"/>
+          </p:nvPr>
+        </p:nvSpPr>
+        <p:spPr>
+          <a:xfrm>
+            <a:off x="142865" y="1200150"/>
+            <a:ext cx="8865056" cy="3737370"/>
+          </a:xfrm>
+        </p:spPr>
+        <p:txBody>
+          <a:bodyPr>
+            <a:noAutofit/>
+          </a:bodyPr>
+          <a:lstStyle/>
+          <a:p>
+            <a:pPr marL="0" indent="0" algn="just">
+              <a:buNone/>
+            </a:pPr>
+            <a:r>
+              <a:rPr lang="pt-BR" sz="2200" dirty="0">
+                <a:latin typeface="Times New Roman" panose="02020603050405020304" pitchFamily="18" charset="0"/>
+                <a:cs typeface="Times New Roman" panose="02020603050405020304" pitchFamily="18" charset="0"/>
+              </a:rPr>
+              <a:t>Propriedade fundamental da </a:t>
+            </a:r>
+            <a:r>
+              <a:rPr lang="pt-BR" sz="2200" b="1" dirty="0">
+                <a:latin typeface="Times New Roman" panose="02020603050405020304" pitchFamily="18" charset="0"/>
+                <a:cs typeface="Times New Roman" panose="02020603050405020304" pitchFamily="18" charset="0"/>
+              </a:rPr>
+              <a:t>Árvore Binária </a:t>
+            </a:r>
+            <a:r>
+              <a:rPr lang="pt-BR" sz="2200" dirty="0">
+                <a:latin typeface="Times New Roman" panose="02020603050405020304" pitchFamily="18" charset="0"/>
+                <a:cs typeface="Times New Roman" panose="02020603050405020304" pitchFamily="18" charset="0"/>
+              </a:rPr>
+              <a:t>de Busca (</a:t>
+            </a:r>
+            <a:r>
+              <a:rPr lang="pt-BR" sz="2200" b="1" dirty="0">
+                <a:solidFill>
+                  <a:srgbClr val="FF0000"/>
+                </a:solidFill>
+                <a:latin typeface="Times New Roman" panose="02020603050405020304" pitchFamily="18" charset="0"/>
+                <a:cs typeface="Times New Roman" panose="02020603050405020304" pitchFamily="18" charset="0"/>
+              </a:rPr>
+              <a:t>BST – </a:t>
+            </a:r>
+            <a:r>
+              <a:rPr lang="pt-BR" sz="2200" b="1" dirty="0" err="1">
+                <a:solidFill>
+                  <a:srgbClr val="FF0000"/>
+                </a:solidFill>
+                <a:latin typeface="Times New Roman" panose="02020603050405020304" pitchFamily="18" charset="0"/>
+                <a:cs typeface="Times New Roman" panose="02020603050405020304" pitchFamily="18" charset="0"/>
+              </a:rPr>
+              <a:t>Binary</a:t>
+            </a:r>
+            <a:r>
+              <a:rPr lang="pt-BR" sz="2200" b="1" dirty="0">
+                <a:solidFill>
+                  <a:srgbClr val="FF0000"/>
+                </a:solidFill>
+                <a:latin typeface="Times New Roman" panose="02020603050405020304" pitchFamily="18" charset="0"/>
+                <a:cs typeface="Times New Roman" panose="02020603050405020304" pitchFamily="18" charset="0"/>
+              </a:rPr>
+              <a:t> Search </a:t>
+            </a:r>
+            <a:r>
+              <a:rPr lang="pt-BR" sz="2200" b="1" dirty="0" err="1">
+                <a:solidFill>
+                  <a:srgbClr val="FF0000"/>
+                </a:solidFill>
+                <a:latin typeface="Times New Roman" panose="02020603050405020304" pitchFamily="18" charset="0"/>
+                <a:cs typeface="Times New Roman" panose="02020603050405020304" pitchFamily="18" charset="0"/>
+              </a:rPr>
+              <a:t>Tree</a:t>
+            </a:r>
+            <a:r>
+              <a:rPr lang="pt-BR" sz="2200" dirty="0">
+                <a:latin typeface="Times New Roman" panose="02020603050405020304" pitchFamily="18" charset="0"/>
+                <a:cs typeface="Times New Roman" panose="02020603050405020304" pitchFamily="18" charset="0"/>
+              </a:rPr>
+              <a:t>):</a:t>
+            </a:r>
+          </a:p>
+          <a:p>
+            <a:pPr marL="0" indent="0" algn="just">
+              <a:buNone/>
+            </a:pPr>
+            <a:endParaRPr lang="pt-BR" sz="2200" dirty="0">
+              <a:latin typeface="Times New Roman" panose="02020603050405020304" pitchFamily="18" charset="0"/>
+              <a:cs typeface="Times New Roman" panose="02020603050405020304" pitchFamily="18" charset="0"/>
+            </a:endParaRPr>
+          </a:p>
+          <a:p>
+            <a:pPr algn="just">
+              <a:buFont typeface="Wingdings" panose="05000000000000000000" pitchFamily="2" charset="2"/>
+              <a:buChar char="§"/>
+            </a:pPr>
+            <a:r>
+              <a:rPr lang="pt-BR" sz="2200" dirty="0">
+                <a:latin typeface="Times New Roman" panose="02020603050405020304" pitchFamily="18" charset="0"/>
+                <a:cs typeface="Times New Roman" panose="02020603050405020304" pitchFamily="18" charset="0"/>
+              </a:rPr>
+              <a:t>Todos os valores da </a:t>
+            </a:r>
+            <a:r>
+              <a:rPr lang="pt-BR" sz="2200" b="1" dirty="0" err="1">
+                <a:latin typeface="Times New Roman" panose="02020603050405020304" pitchFamily="18" charset="0"/>
+                <a:cs typeface="Times New Roman" panose="02020603050405020304" pitchFamily="18" charset="0"/>
+              </a:rPr>
+              <a:t>subárvore</a:t>
+            </a:r>
+            <a:r>
+              <a:rPr lang="pt-BR" sz="2200" dirty="0">
+                <a:latin typeface="Times New Roman" panose="02020603050405020304" pitchFamily="18" charset="0"/>
+                <a:cs typeface="Times New Roman" panose="02020603050405020304" pitchFamily="18" charset="0"/>
+              </a:rPr>
+              <a:t> esquerda são </a:t>
+            </a:r>
+            <a:r>
+              <a:rPr lang="pt-BR" sz="2200" b="1" dirty="0">
+                <a:solidFill>
+                  <a:srgbClr val="FF0000"/>
+                </a:solidFill>
+                <a:latin typeface="Times New Roman" panose="02020603050405020304" pitchFamily="18" charset="0"/>
+                <a:cs typeface="Times New Roman" panose="02020603050405020304" pitchFamily="18" charset="0"/>
+              </a:rPr>
+              <a:t>menores</a:t>
+            </a:r>
+            <a:r>
+              <a:rPr lang="pt-BR" sz="2200" dirty="0">
+                <a:latin typeface="Times New Roman" panose="02020603050405020304" pitchFamily="18" charset="0"/>
+                <a:cs typeface="Times New Roman" panose="02020603050405020304" pitchFamily="18" charset="0"/>
+              </a:rPr>
+              <a:t> que a </a:t>
+            </a:r>
+            <a:r>
+              <a:rPr lang="pt-BR" sz="2200" b="1" dirty="0">
+                <a:latin typeface="Times New Roman" panose="02020603050405020304" pitchFamily="18" charset="0"/>
+                <a:cs typeface="Times New Roman" panose="02020603050405020304" pitchFamily="18" charset="0"/>
+              </a:rPr>
+              <a:t>chave do nó</a:t>
+            </a:r>
+            <a:r>
+              <a:rPr lang="pt-BR" sz="2200" dirty="0">
+                <a:latin typeface="Times New Roman" panose="02020603050405020304" pitchFamily="18" charset="0"/>
+                <a:cs typeface="Times New Roman" panose="02020603050405020304" pitchFamily="18" charset="0"/>
+              </a:rPr>
+              <a:t>.</a:t>
+            </a:r>
+          </a:p>
+          <a:p>
+            <a:pPr marL="0" indent="0" algn="just">
+              <a:buNone/>
+            </a:pPr>
+            <a:endParaRPr lang="pt-BR" sz="2200" dirty="0">
+              <a:latin typeface="Times New Roman" panose="02020603050405020304" pitchFamily="18" charset="0"/>
+              <a:cs typeface="Times New Roman" panose="02020603050405020304" pitchFamily="18" charset="0"/>
+            </a:endParaRPr>
+          </a:p>
+          <a:p>
+            <a:pPr algn="just">
+              <a:buFont typeface="Wingdings" panose="05000000000000000000" pitchFamily="2" charset="2"/>
+              <a:buChar char="§"/>
+            </a:pPr>
+            <a:r>
+              <a:rPr lang="pt-BR" sz="2200" dirty="0">
+                <a:latin typeface="Times New Roman" panose="02020603050405020304" pitchFamily="18" charset="0"/>
+                <a:cs typeface="Times New Roman" panose="02020603050405020304" pitchFamily="18" charset="0"/>
+              </a:rPr>
+              <a:t>Todos os valores da </a:t>
+            </a:r>
+            <a:r>
+              <a:rPr lang="pt-BR" sz="2200" b="1" dirty="0" err="1">
+                <a:latin typeface="Times New Roman" panose="02020603050405020304" pitchFamily="18" charset="0"/>
+                <a:cs typeface="Times New Roman" panose="02020603050405020304" pitchFamily="18" charset="0"/>
+              </a:rPr>
+              <a:t>subárvore</a:t>
+            </a:r>
+            <a:r>
+              <a:rPr lang="pt-BR" sz="2200" dirty="0">
+                <a:latin typeface="Times New Roman" panose="02020603050405020304" pitchFamily="18" charset="0"/>
+                <a:cs typeface="Times New Roman" panose="02020603050405020304" pitchFamily="18" charset="0"/>
+              </a:rPr>
+              <a:t> direita são </a:t>
+            </a:r>
+            <a:r>
+              <a:rPr lang="pt-BR" sz="2200" b="1" dirty="0">
+                <a:solidFill>
+                  <a:srgbClr val="FF0000"/>
+                </a:solidFill>
+                <a:latin typeface="Times New Roman" panose="02020603050405020304" pitchFamily="18" charset="0"/>
+                <a:cs typeface="Times New Roman" panose="02020603050405020304" pitchFamily="18" charset="0"/>
+              </a:rPr>
+              <a:t>maiores</a:t>
+            </a:r>
+            <a:r>
+              <a:rPr lang="pt-BR" sz="2200" dirty="0">
+                <a:latin typeface="Times New Roman" panose="02020603050405020304" pitchFamily="18" charset="0"/>
+                <a:cs typeface="Times New Roman" panose="02020603050405020304" pitchFamily="18" charset="0"/>
+              </a:rPr>
+              <a:t> que a </a:t>
+            </a:r>
+            <a:r>
+              <a:rPr lang="pt-BR" sz="2200" b="1" dirty="0">
+                <a:latin typeface="Times New Roman" panose="02020603050405020304" pitchFamily="18" charset="0"/>
+                <a:cs typeface="Times New Roman" panose="02020603050405020304" pitchFamily="18" charset="0"/>
+              </a:rPr>
+              <a:t>chave do nó</a:t>
+            </a:r>
+            <a:r>
+              <a:rPr lang="pt-BR" sz="2200" dirty="0">
+                <a:latin typeface="Times New Roman" panose="02020603050405020304" pitchFamily="18" charset="0"/>
+                <a:cs typeface="Times New Roman" panose="02020603050405020304" pitchFamily="18" charset="0"/>
+              </a:rPr>
+              <a:t>.</a:t>
+            </a:r>
+            <a:endParaRPr lang="pt-BR" sz="2200" dirty="0">
+              <a:solidFill>
+                <a:schemeClr val="tx1"/>
+              </a:solidFill>
+              <a:latin typeface="Times New Roman" panose="02020603050405020304" pitchFamily="18" charset="0"/>
+              <a:cs typeface="Times New Roman" panose="02020603050405020304" pitchFamily="18" charset="0"/>
+            </a:endParaRPr>
+          </a:p>
+        </p:txBody>
+      </p:sp>
+    </p:spTree>
+    <p:extLst>
+      <p:ext uri="{BB962C8B-B14F-4D97-AF65-F5344CB8AC3E}">
+        <p14:creationId xmlns:p14="http://schemas.microsoft.com/office/powerpoint/2010/main" val="1843222637"/>
+      </p:ext>
+    </p:extLst>
+  </p:cSld>
+  <p:clrMapOvr>
+    <a:masterClrMapping/>
+  </p:clrMapOvr>
+  <p:transition spd="med"/>
+</p:sld>
+</file>
+
+<file path=ppt/slides/slide6.xml><?xml version="1.0" encoding="utf-8"?>
+<p:sld xmlns:a="http://schemas.openxmlformats.org/drawingml/2006/main" xmlns:r="http://schemas.openxmlformats.org/officeDocument/2006/relationships" xmlns:p="http://schemas.openxmlformats.org/presentationml/2006/main">
+  <p:cSld>
+    <p:spTree>
+      <p:nvGrpSpPr>
+        <p:cNvPr id="1" name="">
+          <a:extLst>
+            <a:ext uri="{FF2B5EF4-FFF2-40B4-BE49-F238E27FC236}">
+              <a16:creationId xmlns:a16="http://schemas.microsoft.com/office/drawing/2014/main" id="{183F221A-AF30-0B34-C37B-9FCF57F976E5}"/>
+            </a:ext>
+          </a:extLst>
+        </p:cNvPr>
+        <p:cNvGrpSpPr/>
+        <p:nvPr/>
+      </p:nvGrpSpPr>
+      <p:grpSpPr>
+        <a:xfrm>
+          <a:off x="0" y="0"/>
+          <a:ext cx="0" cy="0"/>
+          <a:chOff x="0" y="0"/>
+          <a:chExt cx="0" cy="0"/>
+        </a:xfrm>
+      </p:grpSpPr>
+      <p:sp>
+        <p:nvSpPr>
+          <p:cNvPr id="6" name="Title 1">
+            <a:extLst>
+              <a:ext uri="{FF2B5EF4-FFF2-40B4-BE49-F238E27FC236}">
+                <a16:creationId xmlns:a16="http://schemas.microsoft.com/office/drawing/2014/main" id="{4B3FA3BB-09C7-EA38-A701-288ED1CF80E3}"/>
+              </a:ext>
+            </a:extLst>
+          </p:cNvPr>
+          <p:cNvSpPr>
+            <a:spLocks noGrp="1"/>
+          </p:cNvSpPr>
+          <p:nvPr>
+            <p:ph type="title"/>
+          </p:nvPr>
+        </p:nvSpPr>
+        <p:spPr>
+          <a:xfrm>
+            <a:off x="457200" y="205980"/>
+            <a:ext cx="8229600" cy="857251"/>
+          </a:xfrm>
+        </p:spPr>
+        <p:txBody>
+          <a:bodyPr>
+            <a:normAutofit/>
+          </a:bodyPr>
+          <a:lstStyle/>
+          <a:p>
+            <a:r>
+              <a:rPr lang="en-US" b="1" dirty="0" err="1">
+                <a:solidFill>
+                  <a:srgbClr val="0070C0"/>
+                </a:solidFill>
+              </a:rPr>
+              <a:t>Exemplo</a:t>
+            </a:r>
+            <a:r>
+              <a:rPr lang="en-US" b="1" dirty="0">
+                <a:solidFill>
+                  <a:srgbClr val="0070C0"/>
+                </a:solidFill>
+              </a:rPr>
+              <a:t> </a:t>
+            </a:r>
+            <a:r>
+              <a:rPr lang="en-US" b="1" dirty="0" err="1">
+                <a:solidFill>
+                  <a:srgbClr val="0070C0"/>
+                </a:solidFill>
+              </a:rPr>
+              <a:t>Árvore</a:t>
+            </a:r>
+            <a:r>
+              <a:rPr lang="en-US" b="1" dirty="0">
+                <a:solidFill>
+                  <a:srgbClr val="0070C0"/>
+                </a:solidFill>
+              </a:rPr>
+              <a:t> </a:t>
+            </a:r>
+            <a:r>
+              <a:rPr lang="en-US" b="1" dirty="0" err="1">
+                <a:solidFill>
+                  <a:srgbClr val="0070C0"/>
+                </a:solidFill>
+              </a:rPr>
+              <a:t>Binária</a:t>
+            </a:r>
+            <a:r>
+              <a:rPr lang="en-US" b="1" dirty="0">
+                <a:solidFill>
+                  <a:srgbClr val="0070C0"/>
+                </a:solidFill>
+              </a:rPr>
+              <a:t> - BST</a:t>
+            </a:r>
+          </a:p>
+        </p:txBody>
+      </p:sp>
+      <p:sp>
+        <p:nvSpPr>
+          <p:cNvPr id="8" name="Text Placeholder 2">
+            <a:extLst>
+              <a:ext uri="{FF2B5EF4-FFF2-40B4-BE49-F238E27FC236}">
+                <a16:creationId xmlns:a16="http://schemas.microsoft.com/office/drawing/2014/main" id="{378845EA-CAE7-5C87-C027-EAF6BEA5ED5B}"/>
+              </a:ext>
+            </a:extLst>
+          </p:cNvPr>
+          <p:cNvSpPr>
+            <a:spLocks noGrp="1"/>
+          </p:cNvSpPr>
+          <p:nvPr>
+            <p:ph type="body" sz="half" idx="1"/>
+          </p:nvPr>
+        </p:nvSpPr>
+        <p:spPr>
+          <a:xfrm>
+            <a:off x="142865" y="1200150"/>
+            <a:ext cx="8865056" cy="3737370"/>
+          </a:xfrm>
+        </p:spPr>
+        <p:txBody>
+          <a:bodyPr>
+            <a:noAutofit/>
+          </a:bodyPr>
+          <a:lstStyle/>
+          <a:p>
+            <a:pPr marL="1841500" lvl="4" indent="0" algn="just">
+              <a:buNone/>
+            </a:pPr>
+            <a:r>
+              <a:rPr lang="pt-BR" sz="2200" dirty="0">
+                <a:solidFill>
+                  <a:schemeClr val="tx1"/>
+                </a:solidFill>
+                <a:latin typeface="Times New Roman" panose="02020603050405020304" pitchFamily="18" charset="0"/>
+                <a:cs typeface="Times New Roman" panose="02020603050405020304" pitchFamily="18" charset="0"/>
+              </a:rPr>
+              <a:t> 	</a:t>
+            </a:r>
+            <a:r>
+              <a:rPr lang="pt-BR" sz="2200" b="1" dirty="0">
+                <a:solidFill>
+                  <a:srgbClr val="FF0000"/>
+                </a:solidFill>
+                <a:latin typeface="Times New Roman" panose="02020603050405020304" pitchFamily="18" charset="0"/>
+                <a:cs typeface="Times New Roman" panose="02020603050405020304" pitchFamily="18" charset="0"/>
+              </a:rPr>
+              <a:t>50</a:t>
+            </a:r>
+          </a:p>
+          <a:p>
+            <a:pPr marL="1841500" lvl="4" indent="0" algn="just">
+              <a:buNone/>
+            </a:pPr>
+            <a:r>
+              <a:rPr lang="pt-BR" sz="2200" dirty="0">
+                <a:solidFill>
+                  <a:schemeClr val="tx1"/>
+                </a:solidFill>
+                <a:latin typeface="Times New Roman" panose="02020603050405020304" pitchFamily="18" charset="0"/>
+                <a:cs typeface="Times New Roman" panose="02020603050405020304" pitchFamily="18" charset="0"/>
+              </a:rPr>
+              <a:t>       /  \</a:t>
+            </a:r>
+          </a:p>
+          <a:p>
+            <a:pPr marL="1841500" lvl="4" indent="0" algn="just">
+              <a:buNone/>
+            </a:pPr>
+            <a:r>
+              <a:rPr lang="pt-BR" sz="2200" dirty="0">
+                <a:solidFill>
+                  <a:schemeClr val="tx1"/>
+                </a:solidFill>
+                <a:latin typeface="Times New Roman" panose="02020603050405020304" pitchFamily="18" charset="0"/>
+                <a:cs typeface="Times New Roman" panose="02020603050405020304" pitchFamily="18" charset="0"/>
+              </a:rPr>
+              <a:t>     </a:t>
+            </a:r>
+            <a:r>
+              <a:rPr lang="pt-BR" sz="2200" b="1" dirty="0">
+                <a:solidFill>
+                  <a:schemeClr val="tx1"/>
+                </a:solidFill>
+                <a:latin typeface="Times New Roman" panose="02020603050405020304" pitchFamily="18" charset="0"/>
+                <a:cs typeface="Times New Roman" panose="02020603050405020304" pitchFamily="18" charset="0"/>
+              </a:rPr>
+              <a:t>30</a:t>
+            </a:r>
+            <a:r>
+              <a:rPr lang="pt-BR" sz="2200" dirty="0">
+                <a:solidFill>
+                  <a:schemeClr val="tx1"/>
+                </a:solidFill>
+                <a:latin typeface="Times New Roman" panose="02020603050405020304" pitchFamily="18" charset="0"/>
+                <a:cs typeface="Times New Roman" panose="02020603050405020304" pitchFamily="18" charset="0"/>
+              </a:rPr>
+              <a:t>    </a:t>
+            </a:r>
+            <a:r>
+              <a:rPr lang="pt-BR" sz="2200" b="1" dirty="0">
+                <a:solidFill>
+                  <a:srgbClr val="FF0000"/>
+                </a:solidFill>
+                <a:latin typeface="Times New Roman" panose="02020603050405020304" pitchFamily="18" charset="0"/>
+                <a:cs typeface="Times New Roman" panose="02020603050405020304" pitchFamily="18" charset="0"/>
+              </a:rPr>
+              <a:t>70</a:t>
+            </a:r>
+          </a:p>
+          <a:p>
+            <a:pPr marL="1841500" lvl="4" indent="0" algn="just">
+              <a:buNone/>
+            </a:pPr>
+            <a:r>
+              <a:rPr lang="pt-BR" sz="2200" dirty="0">
+                <a:solidFill>
+                  <a:schemeClr val="tx1"/>
+                </a:solidFill>
+                <a:latin typeface="Times New Roman" panose="02020603050405020304" pitchFamily="18" charset="0"/>
+                <a:cs typeface="Times New Roman" panose="02020603050405020304" pitchFamily="18" charset="0"/>
+              </a:rPr>
+              <a:t>    / \    / \</a:t>
+            </a:r>
+          </a:p>
+          <a:p>
+            <a:pPr marL="1841500" lvl="4" indent="0" algn="just">
+              <a:buNone/>
+            </a:pPr>
+            <a:r>
+              <a:rPr lang="pt-BR" sz="2200" dirty="0">
+                <a:solidFill>
+                  <a:schemeClr val="tx1"/>
+                </a:solidFill>
+                <a:latin typeface="Times New Roman" panose="02020603050405020304" pitchFamily="18" charset="0"/>
+                <a:cs typeface="Times New Roman" panose="02020603050405020304" pitchFamily="18" charset="0"/>
+              </a:rPr>
+              <a:t>   </a:t>
+            </a:r>
+            <a:r>
+              <a:rPr lang="pt-BR" sz="2200" b="1" dirty="0">
+                <a:solidFill>
+                  <a:schemeClr val="tx1"/>
+                </a:solidFill>
+                <a:latin typeface="Times New Roman" panose="02020603050405020304" pitchFamily="18" charset="0"/>
+                <a:cs typeface="Times New Roman" panose="02020603050405020304" pitchFamily="18" charset="0"/>
+              </a:rPr>
+              <a:t>20</a:t>
+            </a:r>
+            <a:r>
+              <a:rPr lang="pt-BR" sz="2200" dirty="0">
+                <a:solidFill>
+                  <a:schemeClr val="tx1"/>
+                </a:solidFill>
+                <a:latin typeface="Times New Roman" panose="02020603050405020304" pitchFamily="18" charset="0"/>
+                <a:cs typeface="Times New Roman" panose="02020603050405020304" pitchFamily="18" charset="0"/>
+              </a:rPr>
+              <a:t> 40  60 </a:t>
+            </a:r>
+            <a:r>
+              <a:rPr lang="pt-BR" sz="2200" b="1" dirty="0">
+                <a:solidFill>
+                  <a:srgbClr val="FF0000"/>
+                </a:solidFill>
+                <a:latin typeface="Times New Roman" panose="02020603050405020304" pitchFamily="18" charset="0"/>
+                <a:cs typeface="Times New Roman" panose="02020603050405020304" pitchFamily="18" charset="0"/>
+              </a:rPr>
+              <a:t>80</a:t>
+            </a:r>
+          </a:p>
+          <a:p>
+            <a:pPr marL="0" indent="0" algn="just">
+              <a:buNone/>
+            </a:pPr>
+            <a:endParaRPr lang="pt-BR" sz="2200" dirty="0">
+              <a:solidFill>
+                <a:schemeClr val="tx1"/>
+              </a:solidFill>
+              <a:latin typeface="Times New Roman" panose="02020603050405020304" pitchFamily="18" charset="0"/>
+              <a:cs typeface="Times New Roman" panose="02020603050405020304" pitchFamily="18" charset="0"/>
+            </a:endParaRPr>
+          </a:p>
+          <a:p>
+            <a:pPr algn="just">
+              <a:buFont typeface="Wingdings" panose="05000000000000000000" pitchFamily="2" charset="2"/>
+              <a:buChar char="§"/>
+            </a:pPr>
+            <a:r>
+              <a:rPr lang="pt-BR" sz="2200" dirty="0">
+                <a:solidFill>
+                  <a:schemeClr val="tx1"/>
+                </a:solidFill>
+                <a:latin typeface="Times New Roman" panose="02020603050405020304" pitchFamily="18" charset="0"/>
+                <a:cs typeface="Times New Roman" panose="02020603050405020304" pitchFamily="18" charset="0"/>
+              </a:rPr>
+              <a:t>Nó raiz = 50;</a:t>
+            </a:r>
+          </a:p>
+          <a:p>
+            <a:pPr algn="just">
+              <a:buFont typeface="Wingdings" panose="05000000000000000000" pitchFamily="2" charset="2"/>
+              <a:buChar char="§"/>
+            </a:pPr>
+            <a:r>
+              <a:rPr lang="pt-BR" sz="2200" dirty="0" err="1">
+                <a:solidFill>
+                  <a:schemeClr val="tx1"/>
+                </a:solidFill>
+                <a:latin typeface="Times New Roman" panose="02020603050405020304" pitchFamily="18" charset="0"/>
+                <a:cs typeface="Times New Roman" panose="02020603050405020304" pitchFamily="18" charset="0"/>
+              </a:rPr>
+              <a:t>Subárvore</a:t>
+            </a:r>
+            <a:r>
+              <a:rPr lang="pt-BR" sz="2200" dirty="0">
+                <a:solidFill>
+                  <a:schemeClr val="tx1"/>
+                </a:solidFill>
+                <a:latin typeface="Times New Roman" panose="02020603050405020304" pitchFamily="18" charset="0"/>
+                <a:cs typeface="Times New Roman" panose="02020603050405020304" pitchFamily="18" charset="0"/>
+              </a:rPr>
+              <a:t> esquerda = valores menores que 50;</a:t>
+            </a:r>
+          </a:p>
+          <a:p>
+            <a:pPr algn="just">
+              <a:buFont typeface="Wingdings" panose="05000000000000000000" pitchFamily="2" charset="2"/>
+              <a:buChar char="§"/>
+            </a:pPr>
+            <a:r>
+              <a:rPr lang="pt-BR" sz="2200" dirty="0" err="1">
+                <a:solidFill>
+                  <a:schemeClr val="tx1"/>
+                </a:solidFill>
+                <a:latin typeface="Times New Roman" panose="02020603050405020304" pitchFamily="18" charset="0"/>
+                <a:cs typeface="Times New Roman" panose="02020603050405020304" pitchFamily="18" charset="0"/>
+              </a:rPr>
+              <a:t>Subárvore</a:t>
+            </a:r>
+            <a:r>
+              <a:rPr lang="pt-BR" sz="2200" dirty="0">
+                <a:solidFill>
+                  <a:schemeClr val="tx1"/>
+                </a:solidFill>
+                <a:latin typeface="Times New Roman" panose="02020603050405020304" pitchFamily="18" charset="0"/>
+                <a:cs typeface="Times New Roman" panose="02020603050405020304" pitchFamily="18" charset="0"/>
+              </a:rPr>
+              <a:t> direita = valores maiores que 50.</a:t>
+            </a:r>
+          </a:p>
+        </p:txBody>
+      </p:sp>
+    </p:spTree>
+    <p:extLst>
+      <p:ext uri="{BB962C8B-B14F-4D97-AF65-F5344CB8AC3E}">
+        <p14:creationId xmlns:p14="http://schemas.microsoft.com/office/powerpoint/2010/main" val="1272779090"/>
+      </p:ext>
+    </p:extLst>
+  </p:cSld>
+  <p:clrMapOvr>
+    <a:masterClrMapping/>
+  </p:clrMapOvr>
+  <p:transition spd="med"/>
+</p:sld>
+</file>
+
+<file path=ppt/slides/slide7.xml><?xml version="1.0" encoding="utf-8"?>
+<p:sld xmlns:a="http://schemas.openxmlformats.org/drawingml/2006/main" xmlns:r="http://schemas.openxmlformats.org/officeDocument/2006/relationships" xmlns:p="http://schemas.openxmlformats.org/presentationml/2006/main">
+  <p:cSld>
+    <p:spTree>
+      <p:nvGrpSpPr>
+        <p:cNvPr id="1" name="">
+          <a:extLst>
+            <a:ext uri="{FF2B5EF4-FFF2-40B4-BE49-F238E27FC236}">
+              <a16:creationId xmlns:a16="http://schemas.microsoft.com/office/drawing/2014/main" id="{D55D668A-47BF-A80D-7946-EC3FCABE248D}"/>
+            </a:ext>
+          </a:extLst>
+        </p:cNvPr>
+        <p:cNvGrpSpPr/>
+        <p:nvPr/>
+      </p:nvGrpSpPr>
+      <p:grpSpPr>
+        <a:xfrm>
+          <a:off x="0" y="0"/>
+          <a:ext cx="0" cy="0"/>
+          <a:chOff x="0" y="0"/>
+          <a:chExt cx="0" cy="0"/>
+        </a:xfrm>
+      </p:grpSpPr>
+      <p:sp>
+        <p:nvSpPr>
+          <p:cNvPr id="6" name="Title 1">
+            <a:extLst>
+              <a:ext uri="{FF2B5EF4-FFF2-40B4-BE49-F238E27FC236}">
+                <a16:creationId xmlns:a16="http://schemas.microsoft.com/office/drawing/2014/main" id="{5722A788-EF5A-7479-EEA9-3D128B4ED679}"/>
+              </a:ext>
+            </a:extLst>
+          </p:cNvPr>
+          <p:cNvSpPr>
+            <a:spLocks noGrp="1"/>
+          </p:cNvSpPr>
+          <p:nvPr>
+            <p:ph type="title"/>
+          </p:nvPr>
+        </p:nvSpPr>
+        <p:spPr>
+          <a:xfrm>
+            <a:off x="457200" y="205980"/>
+            <a:ext cx="8229600" cy="857251"/>
+          </a:xfrm>
+        </p:spPr>
+        <p:txBody>
+          <a:bodyPr>
+            <a:normAutofit/>
+          </a:bodyPr>
+          <a:lstStyle/>
+          <a:p>
+            <a:r>
+              <a:rPr lang="en-US" b="1" dirty="0" err="1">
+                <a:solidFill>
+                  <a:srgbClr val="0070C0"/>
+                </a:solidFill>
+              </a:rPr>
+              <a:t>Operações</a:t>
+            </a:r>
+            <a:r>
+              <a:rPr lang="en-US" b="1" dirty="0">
+                <a:solidFill>
+                  <a:srgbClr val="0070C0"/>
+                </a:solidFill>
+              </a:rPr>
+              <a:t> </a:t>
+            </a:r>
+            <a:r>
+              <a:rPr lang="en-US" b="1" dirty="0" err="1">
+                <a:solidFill>
+                  <a:srgbClr val="0070C0"/>
+                </a:solidFill>
+              </a:rPr>
+              <a:t>em</a:t>
+            </a:r>
+            <a:r>
+              <a:rPr lang="en-US" b="1" dirty="0">
+                <a:solidFill>
+                  <a:srgbClr val="0070C0"/>
+                </a:solidFill>
+              </a:rPr>
+              <a:t> </a:t>
+            </a:r>
+            <a:r>
+              <a:rPr lang="en-US" b="1" dirty="0" err="1">
+                <a:solidFill>
+                  <a:srgbClr val="0070C0"/>
+                </a:solidFill>
+              </a:rPr>
+              <a:t>Árvores</a:t>
+            </a:r>
+            <a:r>
+              <a:rPr lang="en-US" b="1" dirty="0">
+                <a:solidFill>
+                  <a:srgbClr val="0070C0"/>
+                </a:solidFill>
+              </a:rPr>
+              <a:t> </a:t>
+            </a:r>
+            <a:r>
+              <a:rPr lang="en-US" b="1" dirty="0" err="1">
+                <a:solidFill>
+                  <a:srgbClr val="0070C0"/>
+                </a:solidFill>
+              </a:rPr>
+              <a:t>Binárias</a:t>
+            </a:r>
+            <a:endParaRPr lang="en-US" b="1" dirty="0">
+              <a:solidFill>
+                <a:srgbClr val="0070C0"/>
+              </a:solidFill>
+            </a:endParaRPr>
+          </a:p>
+        </p:txBody>
+      </p:sp>
+      <p:sp>
+        <p:nvSpPr>
+          <p:cNvPr id="8" name="Text Placeholder 2">
+            <a:extLst>
+              <a:ext uri="{FF2B5EF4-FFF2-40B4-BE49-F238E27FC236}">
+                <a16:creationId xmlns:a16="http://schemas.microsoft.com/office/drawing/2014/main" id="{7B72A1E6-8530-BCC6-FE21-9CFD73E585DB}"/>
+              </a:ext>
+            </a:extLst>
+          </p:cNvPr>
+          <p:cNvSpPr>
+            <a:spLocks noGrp="1"/>
+          </p:cNvSpPr>
+          <p:nvPr>
+            <p:ph type="body" sz="half" idx="1"/>
+          </p:nvPr>
+        </p:nvSpPr>
+        <p:spPr>
+          <a:xfrm>
+            <a:off x="142865" y="1200150"/>
+            <a:ext cx="8865056" cy="3737370"/>
+          </a:xfrm>
+        </p:spPr>
+        <p:txBody>
+          <a:bodyPr>
+            <a:noAutofit/>
+          </a:bodyPr>
+          <a:lstStyle/>
+          <a:p>
+            <a:pPr marL="0" indent="0" algn="just">
+              <a:buNone/>
+            </a:pPr>
+            <a:r>
+              <a:rPr lang="pt-BR" sz="2200" b="1" dirty="0">
+                <a:solidFill>
+                  <a:srgbClr val="FF0000"/>
+                </a:solidFill>
+                <a:latin typeface="Times New Roman" panose="02020603050405020304" pitchFamily="18" charset="0"/>
+                <a:cs typeface="Times New Roman" panose="02020603050405020304" pitchFamily="18" charset="0"/>
+              </a:rPr>
+              <a:t>Busca (Search)</a:t>
+            </a:r>
+            <a:r>
+              <a:rPr lang="pt-BR" sz="2200" dirty="0">
+                <a:latin typeface="Times New Roman" panose="02020603050405020304" pitchFamily="18" charset="0"/>
+                <a:cs typeface="Times New Roman" panose="02020603050405020304" pitchFamily="18" charset="0"/>
+              </a:rPr>
+              <a:t>:</a:t>
+            </a:r>
+          </a:p>
+          <a:p>
+            <a:pPr marL="0" indent="0" algn="just">
+              <a:buNone/>
+            </a:pPr>
+            <a:endParaRPr lang="pt-BR" sz="2200" dirty="0">
+              <a:latin typeface="Times New Roman" panose="02020603050405020304" pitchFamily="18" charset="0"/>
+              <a:cs typeface="Times New Roman" panose="02020603050405020304" pitchFamily="18" charset="0"/>
+            </a:endParaRPr>
+          </a:p>
+          <a:p>
+            <a:pPr algn="just">
+              <a:buFont typeface="Wingdings" panose="05000000000000000000" pitchFamily="2" charset="2"/>
+              <a:buChar char="§"/>
+            </a:pPr>
+            <a:r>
+              <a:rPr lang="pt-BR" sz="2200" dirty="0">
+                <a:latin typeface="Times New Roman" panose="02020603050405020304" pitchFamily="18" charset="0"/>
+                <a:cs typeface="Times New Roman" panose="02020603050405020304" pitchFamily="18" charset="0"/>
+              </a:rPr>
+              <a:t>Comparar chave buscada com o nó atual.</a:t>
+            </a:r>
+          </a:p>
+          <a:p>
+            <a:pPr algn="just">
+              <a:buFont typeface="Wingdings" panose="05000000000000000000" pitchFamily="2" charset="2"/>
+              <a:buChar char="§"/>
+            </a:pPr>
+            <a:r>
+              <a:rPr lang="pt-BR" sz="2200" dirty="0">
+                <a:latin typeface="Times New Roman" panose="02020603050405020304" pitchFamily="18" charset="0"/>
+                <a:cs typeface="Times New Roman" panose="02020603050405020304" pitchFamily="18" charset="0"/>
+              </a:rPr>
+              <a:t>Se </a:t>
+            </a:r>
+            <a:r>
+              <a:rPr lang="pt-BR" sz="2200" b="1" dirty="0">
+                <a:latin typeface="Times New Roman" panose="02020603050405020304" pitchFamily="18" charset="0"/>
+                <a:cs typeface="Times New Roman" panose="02020603050405020304" pitchFamily="18" charset="0"/>
+              </a:rPr>
+              <a:t>menor</a:t>
+            </a:r>
+            <a:r>
+              <a:rPr lang="pt-BR" sz="2200" dirty="0">
+                <a:latin typeface="Times New Roman" panose="02020603050405020304" pitchFamily="18" charset="0"/>
+                <a:cs typeface="Times New Roman" panose="02020603050405020304" pitchFamily="18" charset="0"/>
+              </a:rPr>
+              <a:t> → </a:t>
+            </a:r>
+            <a:r>
+              <a:rPr lang="pt-BR" sz="2200" b="1" dirty="0">
+                <a:solidFill>
+                  <a:srgbClr val="FF0000"/>
+                </a:solidFill>
+                <a:latin typeface="Times New Roman" panose="02020603050405020304" pitchFamily="18" charset="0"/>
+                <a:cs typeface="Times New Roman" panose="02020603050405020304" pitchFamily="18" charset="0"/>
+              </a:rPr>
+              <a:t>esquerda</a:t>
+            </a:r>
+            <a:r>
+              <a:rPr lang="pt-BR" sz="2200" dirty="0">
+                <a:latin typeface="Times New Roman" panose="02020603050405020304" pitchFamily="18" charset="0"/>
+                <a:cs typeface="Times New Roman" panose="02020603050405020304" pitchFamily="18" charset="0"/>
+              </a:rPr>
+              <a:t>.</a:t>
+            </a:r>
+          </a:p>
+          <a:p>
+            <a:pPr algn="just">
+              <a:buFont typeface="Wingdings" panose="05000000000000000000" pitchFamily="2" charset="2"/>
+              <a:buChar char="§"/>
+            </a:pPr>
+            <a:r>
+              <a:rPr lang="pt-BR" sz="2200" dirty="0">
+                <a:latin typeface="Times New Roman" panose="02020603050405020304" pitchFamily="18" charset="0"/>
+                <a:cs typeface="Times New Roman" panose="02020603050405020304" pitchFamily="18" charset="0"/>
+              </a:rPr>
+              <a:t>Se </a:t>
+            </a:r>
+            <a:r>
+              <a:rPr lang="pt-BR" sz="2200" b="1" dirty="0">
+                <a:solidFill>
+                  <a:srgbClr val="FF0000"/>
+                </a:solidFill>
+                <a:latin typeface="Times New Roman" panose="02020603050405020304" pitchFamily="18" charset="0"/>
+                <a:cs typeface="Times New Roman" panose="02020603050405020304" pitchFamily="18" charset="0"/>
+              </a:rPr>
+              <a:t>maior</a:t>
+            </a:r>
+            <a:r>
+              <a:rPr lang="pt-BR" sz="2200" dirty="0">
+                <a:latin typeface="Times New Roman" panose="02020603050405020304" pitchFamily="18" charset="0"/>
+                <a:cs typeface="Times New Roman" panose="02020603050405020304" pitchFamily="18" charset="0"/>
+              </a:rPr>
+              <a:t> → </a:t>
+            </a:r>
+            <a:r>
+              <a:rPr lang="pt-BR" sz="2200" b="1" dirty="0">
+                <a:solidFill>
+                  <a:schemeClr val="tx1"/>
+                </a:solidFill>
+                <a:latin typeface="Times New Roman" panose="02020603050405020304" pitchFamily="18" charset="0"/>
+                <a:cs typeface="Times New Roman" panose="02020603050405020304" pitchFamily="18" charset="0"/>
+              </a:rPr>
+              <a:t>direita</a:t>
+            </a:r>
+            <a:r>
+              <a:rPr lang="pt-BR" sz="2200" dirty="0">
+                <a:latin typeface="Times New Roman" panose="02020603050405020304" pitchFamily="18" charset="0"/>
+                <a:cs typeface="Times New Roman" panose="02020603050405020304" pitchFamily="18" charset="0"/>
+              </a:rPr>
+              <a:t>.</a:t>
+            </a:r>
+          </a:p>
+          <a:p>
+            <a:pPr algn="just">
+              <a:buFont typeface="Wingdings" panose="05000000000000000000" pitchFamily="2" charset="2"/>
+              <a:buChar char="§"/>
+            </a:pPr>
+            <a:r>
+              <a:rPr lang="pt-BR" sz="2200" dirty="0">
+                <a:latin typeface="Times New Roman" panose="02020603050405020304" pitchFamily="18" charset="0"/>
+                <a:cs typeface="Times New Roman" panose="02020603050405020304" pitchFamily="18" charset="0"/>
+              </a:rPr>
+              <a:t>Se </a:t>
+            </a:r>
+            <a:r>
+              <a:rPr lang="pt-BR" sz="2200" b="1" dirty="0">
+                <a:latin typeface="Times New Roman" panose="02020603050405020304" pitchFamily="18" charset="0"/>
+                <a:cs typeface="Times New Roman" panose="02020603050405020304" pitchFamily="18" charset="0"/>
+              </a:rPr>
+              <a:t>igual</a:t>
+            </a:r>
+            <a:r>
+              <a:rPr lang="pt-BR" sz="2200" dirty="0">
+                <a:latin typeface="Times New Roman" panose="02020603050405020304" pitchFamily="18" charset="0"/>
+                <a:cs typeface="Times New Roman" panose="02020603050405020304" pitchFamily="18" charset="0"/>
+              </a:rPr>
+              <a:t> → </a:t>
+            </a:r>
+            <a:r>
+              <a:rPr lang="pt-BR" sz="2200" b="1" dirty="0">
+                <a:solidFill>
+                  <a:srgbClr val="FF0000"/>
+                </a:solidFill>
+                <a:latin typeface="Times New Roman" panose="02020603050405020304" pitchFamily="18" charset="0"/>
+                <a:cs typeface="Times New Roman" panose="02020603050405020304" pitchFamily="18" charset="0"/>
+              </a:rPr>
+              <a:t>encontrado</a:t>
+            </a:r>
+            <a:r>
+              <a:rPr lang="pt-BR" sz="2200" dirty="0">
+                <a:latin typeface="Times New Roman" panose="02020603050405020304" pitchFamily="18" charset="0"/>
+                <a:cs typeface="Times New Roman" panose="02020603050405020304" pitchFamily="18" charset="0"/>
+              </a:rPr>
+              <a:t>.</a:t>
+            </a:r>
+          </a:p>
+          <a:p>
+            <a:pPr algn="just">
+              <a:buFont typeface="Wingdings" panose="05000000000000000000" pitchFamily="2" charset="2"/>
+              <a:buChar char="§"/>
+            </a:pPr>
+            <a:r>
+              <a:rPr lang="pt-BR" sz="2200" b="1" dirty="0">
+                <a:latin typeface="Times New Roman" panose="02020603050405020304" pitchFamily="18" charset="0"/>
+                <a:cs typeface="Times New Roman" panose="02020603050405020304" pitchFamily="18" charset="0"/>
+              </a:rPr>
+              <a:t>Complexidade média</a:t>
+            </a:r>
+            <a:r>
+              <a:rPr lang="pt-BR" sz="2200" dirty="0">
+                <a:latin typeface="Times New Roman" panose="02020603050405020304" pitchFamily="18" charset="0"/>
+                <a:cs typeface="Times New Roman" panose="02020603050405020304" pitchFamily="18" charset="0"/>
+              </a:rPr>
+              <a:t>: O(</a:t>
+            </a:r>
+            <a:r>
+              <a:rPr lang="pt-BR" sz="2200" b="1" dirty="0">
+                <a:latin typeface="Times New Roman" panose="02020603050405020304" pitchFamily="18" charset="0"/>
+                <a:cs typeface="Times New Roman" panose="02020603050405020304" pitchFamily="18" charset="0"/>
+              </a:rPr>
+              <a:t>log n</a:t>
+            </a:r>
+            <a:r>
+              <a:rPr lang="pt-BR" sz="2200" dirty="0">
+                <a:latin typeface="Times New Roman" panose="02020603050405020304" pitchFamily="18" charset="0"/>
+                <a:cs typeface="Times New Roman" panose="02020603050405020304" pitchFamily="18" charset="0"/>
+              </a:rPr>
+              <a:t>); </a:t>
+            </a:r>
+            <a:r>
+              <a:rPr lang="pt-BR" sz="2200" b="1" dirty="0">
+                <a:solidFill>
+                  <a:srgbClr val="FF0000"/>
+                </a:solidFill>
+                <a:latin typeface="Times New Roman" panose="02020603050405020304" pitchFamily="18" charset="0"/>
+                <a:cs typeface="Times New Roman" panose="02020603050405020304" pitchFamily="18" charset="0"/>
+              </a:rPr>
+              <a:t>pior caso </a:t>
+            </a:r>
+            <a:r>
+              <a:rPr lang="pt-BR" sz="2200" dirty="0">
+                <a:latin typeface="Times New Roman" panose="02020603050405020304" pitchFamily="18" charset="0"/>
+                <a:cs typeface="Times New Roman" panose="02020603050405020304" pitchFamily="18" charset="0"/>
+              </a:rPr>
+              <a:t>(</a:t>
+            </a:r>
+            <a:r>
+              <a:rPr lang="pt-BR" sz="2200" b="1" dirty="0">
+                <a:latin typeface="Times New Roman" panose="02020603050405020304" pitchFamily="18" charset="0"/>
+                <a:cs typeface="Times New Roman" panose="02020603050405020304" pitchFamily="18" charset="0"/>
+              </a:rPr>
+              <a:t>árvore degenerada</a:t>
+            </a:r>
+            <a:r>
+              <a:rPr lang="pt-BR" sz="2200" dirty="0">
+                <a:latin typeface="Times New Roman" panose="02020603050405020304" pitchFamily="18" charset="0"/>
+                <a:cs typeface="Times New Roman" panose="02020603050405020304" pitchFamily="18" charset="0"/>
+              </a:rPr>
+              <a:t>): O(</a:t>
+            </a:r>
+            <a:r>
+              <a:rPr lang="pt-BR" sz="2200" b="1" dirty="0">
+                <a:latin typeface="Times New Roman" panose="02020603050405020304" pitchFamily="18" charset="0"/>
+                <a:cs typeface="Times New Roman" panose="02020603050405020304" pitchFamily="18" charset="0"/>
+              </a:rPr>
+              <a:t>n</a:t>
+            </a:r>
+            <a:r>
+              <a:rPr lang="pt-BR" sz="2200" dirty="0">
+                <a:latin typeface="Times New Roman" panose="02020603050405020304" pitchFamily="18" charset="0"/>
+                <a:cs typeface="Times New Roman" panose="02020603050405020304" pitchFamily="18" charset="0"/>
+              </a:rPr>
+              <a:t>).</a:t>
+            </a:r>
+            <a:endParaRPr lang="pt-BR" sz="2200" dirty="0">
+              <a:solidFill>
+                <a:schemeClr val="tx1"/>
+              </a:solidFill>
+              <a:latin typeface="Times New Roman" panose="02020603050405020304" pitchFamily="18" charset="0"/>
+              <a:cs typeface="Times New Roman" panose="02020603050405020304" pitchFamily="18" charset="0"/>
+            </a:endParaRPr>
+          </a:p>
+        </p:txBody>
+      </p:sp>
+    </p:spTree>
+    <p:extLst>
+      <p:ext uri="{BB962C8B-B14F-4D97-AF65-F5344CB8AC3E}">
+        <p14:creationId xmlns:p14="http://schemas.microsoft.com/office/powerpoint/2010/main" val="3477113890"/>
+      </p:ext>
+    </p:extLst>
+  </p:cSld>
+  <p:clrMapOvr>
+    <a:masterClrMapping/>
+  </p:clrMapOvr>
+  <p:transition spd="med"/>
+</p:sld>
+</file>
+
+<file path=ppt/slides/slide8.xml><?xml version="1.0" encoding="utf-8"?>
+<p:sld xmlns:a="http://schemas.openxmlformats.org/drawingml/2006/main" xmlns:r="http://schemas.openxmlformats.org/officeDocument/2006/relationships" xmlns:p="http://schemas.openxmlformats.org/presentationml/2006/main">
+  <p:cSld>
+    <p:spTree>
+      <p:nvGrpSpPr>
+        <p:cNvPr id="1" name="">
+          <a:extLst>
+            <a:ext uri="{FF2B5EF4-FFF2-40B4-BE49-F238E27FC236}">
+              <a16:creationId xmlns:a16="http://schemas.microsoft.com/office/drawing/2014/main" id="{92D79437-3799-A896-8EF1-13EAF8FD3886}"/>
+            </a:ext>
+          </a:extLst>
+        </p:cNvPr>
+        <p:cNvGrpSpPr/>
+        <p:nvPr/>
+      </p:nvGrpSpPr>
+      <p:grpSpPr>
+        <a:xfrm>
+          <a:off x="0" y="0"/>
+          <a:ext cx="0" cy="0"/>
+          <a:chOff x="0" y="0"/>
+          <a:chExt cx="0" cy="0"/>
+        </a:xfrm>
+      </p:grpSpPr>
+      <p:sp>
+        <p:nvSpPr>
+          <p:cNvPr id="6" name="Title 1">
+            <a:extLst>
+              <a:ext uri="{FF2B5EF4-FFF2-40B4-BE49-F238E27FC236}">
+                <a16:creationId xmlns:a16="http://schemas.microsoft.com/office/drawing/2014/main" id="{625774CA-96FE-7829-6265-B059C09D6F73}"/>
+              </a:ext>
+            </a:extLst>
+          </p:cNvPr>
+          <p:cNvSpPr>
+            <a:spLocks noGrp="1"/>
+          </p:cNvSpPr>
+          <p:nvPr>
+            <p:ph type="title"/>
+          </p:nvPr>
+        </p:nvSpPr>
+        <p:spPr>
+          <a:xfrm>
+            <a:off x="457200" y="205980"/>
+            <a:ext cx="8229600" cy="857251"/>
+          </a:xfrm>
+        </p:spPr>
+        <p:txBody>
+          <a:bodyPr>
+            <a:normAutofit/>
+          </a:bodyPr>
+          <a:lstStyle/>
+          <a:p>
+            <a:r>
+              <a:rPr lang="en-US" b="1" dirty="0" err="1">
+                <a:solidFill>
+                  <a:srgbClr val="0070C0"/>
+                </a:solidFill>
+              </a:rPr>
+              <a:t>Operações</a:t>
+            </a:r>
+            <a:r>
+              <a:rPr lang="en-US" b="1" dirty="0">
+                <a:solidFill>
+                  <a:srgbClr val="0070C0"/>
+                </a:solidFill>
+              </a:rPr>
+              <a:t> </a:t>
+            </a:r>
+            <a:r>
+              <a:rPr lang="en-US" b="1" dirty="0" err="1">
+                <a:solidFill>
+                  <a:srgbClr val="0070C0"/>
+                </a:solidFill>
+              </a:rPr>
+              <a:t>em</a:t>
+            </a:r>
+            <a:r>
+              <a:rPr lang="en-US" b="1" dirty="0">
+                <a:solidFill>
+                  <a:srgbClr val="0070C0"/>
+                </a:solidFill>
+              </a:rPr>
+              <a:t> </a:t>
+            </a:r>
+            <a:r>
+              <a:rPr lang="en-US" b="1" dirty="0" err="1">
+                <a:solidFill>
+                  <a:srgbClr val="0070C0"/>
+                </a:solidFill>
+              </a:rPr>
+              <a:t>Árvores</a:t>
+            </a:r>
+            <a:r>
+              <a:rPr lang="en-US" b="1" dirty="0">
+                <a:solidFill>
+                  <a:srgbClr val="0070C0"/>
+                </a:solidFill>
+              </a:rPr>
+              <a:t> </a:t>
+            </a:r>
+            <a:r>
+              <a:rPr lang="en-US" b="1" dirty="0" err="1">
+                <a:solidFill>
+                  <a:srgbClr val="0070C0"/>
+                </a:solidFill>
+              </a:rPr>
+              <a:t>Binárias</a:t>
+            </a:r>
+            <a:endParaRPr lang="en-US" b="1" dirty="0">
+              <a:solidFill>
+                <a:srgbClr val="0070C0"/>
+              </a:solidFill>
+            </a:endParaRPr>
+          </a:p>
+        </p:txBody>
+      </p:sp>
+      <p:sp>
+        <p:nvSpPr>
+          <p:cNvPr id="8" name="Text Placeholder 2">
+            <a:extLst>
+              <a:ext uri="{FF2B5EF4-FFF2-40B4-BE49-F238E27FC236}">
+                <a16:creationId xmlns:a16="http://schemas.microsoft.com/office/drawing/2014/main" id="{19F63A41-E865-AFF8-5814-693D37593AD2}"/>
+              </a:ext>
+            </a:extLst>
+          </p:cNvPr>
+          <p:cNvSpPr>
+            <a:spLocks noGrp="1"/>
+          </p:cNvSpPr>
+          <p:nvPr>
+            <p:ph type="body" sz="half" idx="1"/>
+          </p:nvPr>
+        </p:nvSpPr>
+        <p:spPr>
+          <a:xfrm>
+            <a:off x="142865" y="1200150"/>
+            <a:ext cx="8865056" cy="3737370"/>
+          </a:xfrm>
+        </p:spPr>
+        <p:txBody>
+          <a:bodyPr>
+            <a:noAutofit/>
+          </a:bodyPr>
+          <a:lstStyle/>
+          <a:p>
+            <a:pPr marL="0" indent="0" algn="just">
+              <a:buNone/>
+            </a:pPr>
+            <a:r>
+              <a:rPr lang="pt-BR" sz="2200" b="1" dirty="0">
+                <a:solidFill>
+                  <a:srgbClr val="FF0000"/>
+                </a:solidFill>
+                <a:latin typeface="Times New Roman" panose="02020603050405020304" pitchFamily="18" charset="0"/>
+                <a:cs typeface="Times New Roman" panose="02020603050405020304" pitchFamily="18" charset="0"/>
+              </a:rPr>
+              <a:t>Inserção (</a:t>
+            </a:r>
+            <a:r>
+              <a:rPr lang="pt-BR" sz="2200" b="1" dirty="0" err="1">
+                <a:solidFill>
+                  <a:srgbClr val="FF0000"/>
+                </a:solidFill>
+                <a:latin typeface="Times New Roman" panose="02020603050405020304" pitchFamily="18" charset="0"/>
+                <a:cs typeface="Times New Roman" panose="02020603050405020304" pitchFamily="18" charset="0"/>
+              </a:rPr>
+              <a:t>Insert</a:t>
+            </a:r>
+            <a:r>
+              <a:rPr lang="pt-BR" sz="2200" b="1" dirty="0">
+                <a:solidFill>
+                  <a:srgbClr val="FF0000"/>
+                </a:solidFill>
+                <a:latin typeface="Times New Roman" panose="02020603050405020304" pitchFamily="18" charset="0"/>
+                <a:cs typeface="Times New Roman" panose="02020603050405020304" pitchFamily="18" charset="0"/>
+              </a:rPr>
+              <a:t>)</a:t>
+            </a:r>
+            <a:r>
+              <a:rPr lang="pt-BR" sz="2200" dirty="0">
+                <a:latin typeface="Times New Roman" panose="02020603050405020304" pitchFamily="18" charset="0"/>
+                <a:cs typeface="Times New Roman" panose="02020603050405020304" pitchFamily="18" charset="0"/>
+              </a:rPr>
+              <a:t>:</a:t>
+            </a:r>
+          </a:p>
+          <a:p>
+            <a:pPr marL="0" indent="0" algn="just">
+              <a:buNone/>
+            </a:pPr>
+            <a:endParaRPr lang="pt-BR" sz="2200" dirty="0">
+              <a:latin typeface="Times New Roman" panose="02020603050405020304" pitchFamily="18" charset="0"/>
+              <a:cs typeface="Times New Roman" panose="02020603050405020304" pitchFamily="18" charset="0"/>
+            </a:endParaRPr>
+          </a:p>
+          <a:p>
+            <a:pPr algn="just">
+              <a:buFont typeface="Wingdings" panose="05000000000000000000" pitchFamily="2" charset="2"/>
+              <a:buChar char="§"/>
+            </a:pPr>
+            <a:r>
+              <a:rPr lang="pt-BR" sz="2200" b="1" dirty="0">
+                <a:latin typeface="Times New Roman" panose="02020603050405020304" pitchFamily="18" charset="0"/>
+                <a:cs typeface="Times New Roman" panose="02020603050405020304" pitchFamily="18" charset="0"/>
+              </a:rPr>
+              <a:t>Buscar posição correta </a:t>
+            </a:r>
+            <a:r>
+              <a:rPr lang="pt-BR" sz="2200" dirty="0">
+                <a:latin typeface="Times New Roman" panose="02020603050405020304" pitchFamily="18" charset="0"/>
+                <a:cs typeface="Times New Roman" panose="02020603050405020304" pitchFamily="18" charset="0"/>
+              </a:rPr>
+              <a:t>mantendo a regra da BST.</a:t>
+            </a:r>
+          </a:p>
+          <a:p>
+            <a:pPr marL="0" indent="0" algn="just">
+              <a:buNone/>
+            </a:pPr>
+            <a:endParaRPr lang="pt-BR" sz="2200" dirty="0">
+              <a:latin typeface="Times New Roman" panose="02020603050405020304" pitchFamily="18" charset="0"/>
+              <a:cs typeface="Times New Roman" panose="02020603050405020304" pitchFamily="18" charset="0"/>
+            </a:endParaRPr>
+          </a:p>
+          <a:p>
+            <a:pPr marL="0" indent="0" algn="just">
+              <a:buNone/>
+            </a:pPr>
+            <a:endParaRPr lang="pt-BR" sz="2200" dirty="0">
+              <a:latin typeface="Times New Roman" panose="02020603050405020304" pitchFamily="18" charset="0"/>
+              <a:cs typeface="Times New Roman" panose="02020603050405020304" pitchFamily="18" charset="0"/>
+            </a:endParaRPr>
+          </a:p>
+          <a:p>
+            <a:pPr algn="just">
+              <a:buFont typeface="Wingdings" panose="05000000000000000000" pitchFamily="2" charset="2"/>
+              <a:buChar char="§"/>
+            </a:pPr>
+            <a:r>
+              <a:rPr lang="pt-BR" sz="2200" b="1" dirty="0">
+                <a:latin typeface="Times New Roman" panose="02020603050405020304" pitchFamily="18" charset="0"/>
+                <a:cs typeface="Times New Roman" panose="02020603050405020304" pitchFamily="18" charset="0"/>
+              </a:rPr>
+              <a:t>Inserir</a:t>
+            </a:r>
+            <a:r>
+              <a:rPr lang="pt-BR" sz="2200" dirty="0">
+                <a:latin typeface="Times New Roman" panose="02020603050405020304" pitchFamily="18" charset="0"/>
+                <a:cs typeface="Times New Roman" panose="02020603050405020304" pitchFamily="18" charset="0"/>
+              </a:rPr>
+              <a:t> como </a:t>
+            </a:r>
+            <a:r>
+              <a:rPr lang="pt-BR" sz="2200" b="1" dirty="0">
+                <a:solidFill>
+                  <a:srgbClr val="FF0000"/>
+                </a:solidFill>
+                <a:latin typeface="Times New Roman" panose="02020603050405020304" pitchFamily="18" charset="0"/>
+                <a:cs typeface="Times New Roman" panose="02020603050405020304" pitchFamily="18" charset="0"/>
+              </a:rPr>
+              <a:t>folha</a:t>
+            </a:r>
+            <a:r>
+              <a:rPr lang="pt-BR" sz="2200" dirty="0">
+                <a:latin typeface="Times New Roman" panose="02020603050405020304" pitchFamily="18" charset="0"/>
+                <a:cs typeface="Times New Roman" panose="02020603050405020304" pitchFamily="18" charset="0"/>
+              </a:rPr>
+              <a:t>.</a:t>
+            </a:r>
+            <a:endParaRPr lang="pt-BR" sz="2200" dirty="0">
+              <a:solidFill>
+                <a:schemeClr val="tx1"/>
+              </a:solidFill>
+              <a:latin typeface="Times New Roman" panose="02020603050405020304" pitchFamily="18" charset="0"/>
+              <a:cs typeface="Times New Roman" panose="02020603050405020304" pitchFamily="18" charset="0"/>
+            </a:endParaRPr>
+          </a:p>
+        </p:txBody>
+      </p:sp>
+    </p:spTree>
+    <p:extLst>
+      <p:ext uri="{BB962C8B-B14F-4D97-AF65-F5344CB8AC3E}">
+        <p14:creationId xmlns:p14="http://schemas.microsoft.com/office/powerpoint/2010/main" val="1872109051"/>
+      </p:ext>
+    </p:extLst>
+  </p:cSld>
+  <p:clrMapOvr>
+    <a:masterClrMapping/>
+  </p:clrMapOvr>
+  <p:transition spd="med"/>
+</p:sld>
+</file>
+
+<file path=ppt/slides/slide9.xml><?xml version="1.0" encoding="utf-8"?>
+<p:sld xmlns:a="http://schemas.openxmlformats.org/drawingml/2006/main" xmlns:r="http://schemas.openxmlformats.org/officeDocument/2006/relationships" xmlns:p="http://schemas.openxmlformats.org/presentationml/2006/main">
+  <p:cSld>
+    <p:spTree>
+      <p:nvGrpSpPr>
+        <p:cNvPr id="1" name="">
+          <a:extLst>
+            <a:ext uri="{FF2B5EF4-FFF2-40B4-BE49-F238E27FC236}">
+              <a16:creationId xmlns:a16="http://schemas.microsoft.com/office/drawing/2014/main" id="{6D185746-6772-3E49-D909-CDB7173797C8}"/>
+            </a:ext>
+          </a:extLst>
+        </p:cNvPr>
+        <p:cNvGrpSpPr/>
+        <p:nvPr/>
+      </p:nvGrpSpPr>
+      <p:grpSpPr>
+        <a:xfrm>
+          <a:off x="0" y="0"/>
+          <a:ext cx="0" cy="0"/>
+          <a:chOff x="0" y="0"/>
+          <a:chExt cx="0" cy="0"/>
+        </a:xfrm>
+      </p:grpSpPr>
+      <p:sp>
+        <p:nvSpPr>
+          <p:cNvPr id="6" name="Title 1">
+            <a:extLst>
+              <a:ext uri="{FF2B5EF4-FFF2-40B4-BE49-F238E27FC236}">
+                <a16:creationId xmlns:a16="http://schemas.microsoft.com/office/drawing/2014/main" id="{3A54232B-D812-B7CB-959C-E595DD2675C8}"/>
+              </a:ext>
+            </a:extLst>
+          </p:cNvPr>
+          <p:cNvSpPr>
+            <a:spLocks noGrp="1"/>
+          </p:cNvSpPr>
+          <p:nvPr>
+            <p:ph type="title"/>
+          </p:nvPr>
+        </p:nvSpPr>
+        <p:spPr>
+          <a:xfrm>
+            <a:off x="457200" y="205980"/>
+            <a:ext cx="8229600" cy="857251"/>
+          </a:xfrm>
+        </p:spPr>
+        <p:txBody>
+          <a:bodyPr>
+            <a:normAutofit/>
+          </a:bodyPr>
+          <a:lstStyle/>
+          <a:p>
+            <a:r>
+              <a:rPr lang="en-US" b="1" dirty="0" err="1">
+                <a:solidFill>
+                  <a:srgbClr val="0070C0"/>
+                </a:solidFill>
+              </a:rPr>
+              <a:t>Operações</a:t>
+            </a:r>
+            <a:r>
+              <a:rPr lang="en-US" b="1" dirty="0">
+                <a:solidFill>
+                  <a:srgbClr val="0070C0"/>
+                </a:solidFill>
+              </a:rPr>
+              <a:t> </a:t>
+            </a:r>
+            <a:r>
+              <a:rPr lang="en-US" b="1" dirty="0" err="1">
+                <a:solidFill>
+                  <a:srgbClr val="0070C0"/>
+                </a:solidFill>
+              </a:rPr>
+              <a:t>em</a:t>
+            </a:r>
+            <a:r>
+              <a:rPr lang="en-US" b="1" dirty="0">
+                <a:solidFill>
+                  <a:srgbClr val="0070C0"/>
+                </a:solidFill>
+              </a:rPr>
+              <a:t> </a:t>
+            </a:r>
+            <a:r>
+              <a:rPr lang="en-US" b="1" dirty="0" err="1">
+                <a:solidFill>
+                  <a:srgbClr val="0070C0"/>
+                </a:solidFill>
+              </a:rPr>
+              <a:t>Árvores</a:t>
+            </a:r>
+            <a:r>
+              <a:rPr lang="en-US" b="1" dirty="0">
+                <a:solidFill>
+                  <a:srgbClr val="0070C0"/>
+                </a:solidFill>
+              </a:rPr>
+              <a:t> </a:t>
+            </a:r>
+            <a:r>
+              <a:rPr lang="en-US" b="1" dirty="0" err="1">
+                <a:solidFill>
+                  <a:srgbClr val="0070C0"/>
+                </a:solidFill>
+              </a:rPr>
+              <a:t>Binárias</a:t>
+            </a:r>
+            <a:endParaRPr lang="en-US" b="1" dirty="0">
+              <a:solidFill>
+                <a:srgbClr val="0070C0"/>
+              </a:solidFill>
+            </a:endParaRPr>
+          </a:p>
+        </p:txBody>
+      </p:sp>
+      <p:sp>
+        <p:nvSpPr>
+          <p:cNvPr id="8" name="Text Placeholder 2">
+            <a:extLst>
+              <a:ext uri="{FF2B5EF4-FFF2-40B4-BE49-F238E27FC236}">
+                <a16:creationId xmlns:a16="http://schemas.microsoft.com/office/drawing/2014/main" id="{4A095456-818F-D395-EB48-5F0B33BD0BD9}"/>
+              </a:ext>
+            </a:extLst>
+          </p:cNvPr>
+          <p:cNvSpPr>
+            <a:spLocks noGrp="1"/>
+          </p:cNvSpPr>
+          <p:nvPr>
+            <p:ph type="body" sz="half" idx="1"/>
+          </p:nvPr>
+        </p:nvSpPr>
+        <p:spPr>
+          <a:xfrm>
+            <a:off x="142865" y="1200150"/>
+            <a:ext cx="8865056" cy="3737370"/>
+          </a:xfrm>
+        </p:spPr>
+        <p:txBody>
+          <a:bodyPr>
+            <a:noAutofit/>
+          </a:bodyPr>
+          <a:lstStyle/>
+          <a:p>
+            <a:pPr marL="0" indent="0" algn="just">
+              <a:buNone/>
+            </a:pPr>
+            <a:r>
+              <a:rPr lang="pt-BR" sz="2200" b="1" dirty="0">
+                <a:solidFill>
+                  <a:srgbClr val="FF0000"/>
+                </a:solidFill>
+                <a:latin typeface="Times New Roman" panose="02020603050405020304" pitchFamily="18" charset="0"/>
+                <a:cs typeface="Times New Roman" panose="02020603050405020304" pitchFamily="18" charset="0"/>
+              </a:rPr>
+              <a:t>Remoção (Delete)</a:t>
+            </a:r>
+            <a:r>
+              <a:rPr lang="pt-BR" sz="2200" dirty="0">
+                <a:latin typeface="Times New Roman" panose="02020603050405020304" pitchFamily="18" charset="0"/>
+                <a:cs typeface="Times New Roman" panose="02020603050405020304" pitchFamily="18" charset="0"/>
+              </a:rPr>
+              <a:t>:</a:t>
+            </a:r>
+          </a:p>
+          <a:p>
+            <a:pPr marL="0" indent="0" algn="just">
+              <a:buNone/>
+            </a:pPr>
+            <a:endParaRPr lang="pt-BR" sz="2200" dirty="0">
+              <a:latin typeface="Times New Roman" panose="02020603050405020304" pitchFamily="18" charset="0"/>
+              <a:cs typeface="Times New Roman" panose="02020603050405020304" pitchFamily="18" charset="0"/>
+            </a:endParaRPr>
+          </a:p>
+          <a:p>
+            <a:pPr algn="just">
+              <a:buFont typeface="Wingdings" panose="05000000000000000000" pitchFamily="2" charset="2"/>
+              <a:buChar char="§"/>
+            </a:pPr>
+            <a:r>
+              <a:rPr lang="pt-BR" sz="2200" dirty="0">
+                <a:latin typeface="Times New Roman" panose="02020603050405020304" pitchFamily="18" charset="0"/>
+                <a:cs typeface="Times New Roman" panose="02020603050405020304" pitchFamily="18" charset="0"/>
+              </a:rPr>
+              <a:t>Caso 1: </a:t>
+            </a:r>
+            <a:r>
+              <a:rPr lang="pt-BR" sz="2200" b="1" dirty="0">
+                <a:latin typeface="Times New Roman" panose="02020603050405020304" pitchFamily="18" charset="0"/>
+                <a:cs typeface="Times New Roman" panose="02020603050405020304" pitchFamily="18" charset="0"/>
+              </a:rPr>
+              <a:t>Nó folha </a:t>
+            </a:r>
+            <a:r>
+              <a:rPr lang="pt-BR" sz="2200" dirty="0">
+                <a:latin typeface="Times New Roman" panose="02020603050405020304" pitchFamily="18" charset="0"/>
+                <a:cs typeface="Times New Roman" panose="02020603050405020304" pitchFamily="18" charset="0"/>
+              </a:rPr>
+              <a:t>→ basta remover.</a:t>
+            </a:r>
+          </a:p>
+          <a:p>
+            <a:pPr algn="just">
+              <a:buFont typeface="Wingdings" panose="05000000000000000000" pitchFamily="2" charset="2"/>
+              <a:buChar char="§"/>
+            </a:pPr>
+            <a:endParaRPr lang="pt-BR" sz="2200" dirty="0">
+              <a:latin typeface="Times New Roman" panose="02020603050405020304" pitchFamily="18" charset="0"/>
+              <a:cs typeface="Times New Roman" panose="02020603050405020304" pitchFamily="18" charset="0"/>
+            </a:endParaRPr>
+          </a:p>
+          <a:p>
+            <a:pPr algn="just">
+              <a:buFont typeface="Wingdings" panose="05000000000000000000" pitchFamily="2" charset="2"/>
+              <a:buChar char="§"/>
+            </a:pPr>
+            <a:r>
+              <a:rPr lang="pt-BR" sz="2200" dirty="0">
+                <a:latin typeface="Times New Roman" panose="02020603050405020304" pitchFamily="18" charset="0"/>
+                <a:cs typeface="Times New Roman" panose="02020603050405020304" pitchFamily="18" charset="0"/>
+              </a:rPr>
+              <a:t>Caso 2: </a:t>
+            </a:r>
+            <a:r>
+              <a:rPr lang="pt-BR" sz="2200" b="1" dirty="0">
+                <a:latin typeface="Times New Roman" panose="02020603050405020304" pitchFamily="18" charset="0"/>
+                <a:cs typeface="Times New Roman" panose="02020603050405020304" pitchFamily="18" charset="0"/>
+              </a:rPr>
+              <a:t>Nó com um filho </a:t>
+            </a:r>
+            <a:r>
+              <a:rPr lang="pt-BR" sz="2200" dirty="0">
+                <a:latin typeface="Times New Roman" panose="02020603050405020304" pitchFamily="18" charset="0"/>
+                <a:cs typeface="Times New Roman" panose="02020603050405020304" pitchFamily="18" charset="0"/>
+              </a:rPr>
+              <a:t>→ substitui pelo filho.</a:t>
+            </a:r>
+          </a:p>
+          <a:p>
+            <a:pPr algn="just">
+              <a:buFont typeface="Wingdings" panose="05000000000000000000" pitchFamily="2" charset="2"/>
+              <a:buChar char="§"/>
+            </a:pPr>
+            <a:endParaRPr lang="pt-BR" sz="2200" dirty="0">
+              <a:latin typeface="Times New Roman" panose="02020603050405020304" pitchFamily="18" charset="0"/>
+              <a:cs typeface="Times New Roman" panose="02020603050405020304" pitchFamily="18" charset="0"/>
+            </a:endParaRPr>
+          </a:p>
+          <a:p>
+            <a:pPr algn="just">
+              <a:buFont typeface="Wingdings" panose="05000000000000000000" pitchFamily="2" charset="2"/>
+              <a:buChar char="§"/>
+            </a:pPr>
+            <a:r>
+              <a:rPr lang="pt-BR" sz="2200" dirty="0">
+                <a:latin typeface="Times New Roman" panose="02020603050405020304" pitchFamily="18" charset="0"/>
+                <a:cs typeface="Times New Roman" panose="02020603050405020304" pitchFamily="18" charset="0"/>
+              </a:rPr>
+              <a:t>Caso 3: </a:t>
+            </a:r>
+            <a:r>
+              <a:rPr lang="pt-BR" sz="2200" b="1" dirty="0">
+                <a:latin typeface="Times New Roman" panose="02020603050405020304" pitchFamily="18" charset="0"/>
+                <a:cs typeface="Times New Roman" panose="02020603050405020304" pitchFamily="18" charset="0"/>
+              </a:rPr>
+              <a:t>Nó com dois filhos </a:t>
+            </a:r>
+            <a:r>
+              <a:rPr lang="pt-BR" sz="2200" dirty="0">
+                <a:latin typeface="Times New Roman" panose="02020603050405020304" pitchFamily="18" charset="0"/>
+                <a:cs typeface="Times New Roman" panose="02020603050405020304" pitchFamily="18" charset="0"/>
+              </a:rPr>
+              <a:t>→ substituir pelo sucessor em ordem (</a:t>
+            </a:r>
+            <a:r>
+              <a:rPr lang="pt-BR" sz="2200" b="1" dirty="0">
+                <a:solidFill>
+                  <a:srgbClr val="FF0000"/>
+                </a:solidFill>
+                <a:latin typeface="Times New Roman" panose="02020603050405020304" pitchFamily="18" charset="0"/>
+                <a:cs typeface="Times New Roman" panose="02020603050405020304" pitchFamily="18" charset="0"/>
+              </a:rPr>
+              <a:t>menor da </a:t>
+            </a:r>
+            <a:r>
+              <a:rPr lang="pt-BR" sz="2200" b="1" dirty="0" err="1">
+                <a:solidFill>
+                  <a:srgbClr val="FF0000"/>
+                </a:solidFill>
+                <a:latin typeface="Times New Roman" panose="02020603050405020304" pitchFamily="18" charset="0"/>
+                <a:cs typeface="Times New Roman" panose="02020603050405020304" pitchFamily="18" charset="0"/>
+              </a:rPr>
+              <a:t>subárvore</a:t>
+            </a:r>
+            <a:r>
+              <a:rPr lang="pt-BR" sz="2200" b="1" dirty="0">
+                <a:solidFill>
+                  <a:srgbClr val="FF0000"/>
+                </a:solidFill>
+                <a:latin typeface="Times New Roman" panose="02020603050405020304" pitchFamily="18" charset="0"/>
+                <a:cs typeface="Times New Roman" panose="02020603050405020304" pitchFamily="18" charset="0"/>
+              </a:rPr>
+              <a:t> direita</a:t>
+            </a:r>
+            <a:r>
+              <a:rPr lang="pt-BR" sz="2200" dirty="0">
+                <a:latin typeface="Times New Roman" panose="02020603050405020304" pitchFamily="18" charset="0"/>
+                <a:cs typeface="Times New Roman" panose="02020603050405020304" pitchFamily="18" charset="0"/>
+              </a:rPr>
+              <a:t>).</a:t>
+            </a:r>
+            <a:endParaRPr lang="pt-BR" sz="2200" dirty="0">
+              <a:solidFill>
+                <a:schemeClr val="tx1"/>
+              </a:solidFill>
+              <a:latin typeface="Times New Roman" panose="02020603050405020304" pitchFamily="18" charset="0"/>
+              <a:cs typeface="Times New Roman" panose="02020603050405020304" pitchFamily="18" charset="0"/>
+            </a:endParaRPr>
+          </a:p>
+        </p:txBody>
+      </p:sp>
+    </p:spTree>
+    <p:extLst>
+      <p:ext uri="{BB962C8B-B14F-4D97-AF65-F5344CB8AC3E}">
+        <p14:creationId xmlns:p14="http://schemas.microsoft.com/office/powerpoint/2010/main" val="3318621952"/>
+      </p:ext>
+    </p:extLst>
   </p:cSld>
   <p:clrMapOvr>
     <a:masterClrMapping/>
